--- a/docs/diagrams/diagrams.pptx
+++ b/docs/diagrams/diagrams.pptx
@@ -8,7 +8,6 @@
     <p:sldId id="256" r:id="rId2"/>
     <p:sldId id="258" r:id="rId3"/>
     <p:sldId id="259" r:id="rId4"/>
-    <p:sldId id="261" r:id="rId5"/>
   </p:sldIdLst>
   <p:sldSz cx="12192000" cy="6858000"/>
   <p:notesSz cx="6858000" cy="9144000"/>
@@ -246,7 +245,7 @@
           <a:p>
             <a:fld id="{F4C5997A-E221-43A6-9AE7-DBA0CB9777B0}" type="datetimeFigureOut">
               <a:rPr lang="en-US" smtClean="0"/>
-              <a:t>6/22/2018</a:t>
+              <a:t>6/26/2018</a:t>
             </a:fld>
             <a:endParaRPr lang="en-US"/>
           </a:p>
@@ -416,7 +415,7 @@
           <a:p>
             <a:fld id="{F4C5997A-E221-43A6-9AE7-DBA0CB9777B0}" type="datetimeFigureOut">
               <a:rPr lang="en-US" smtClean="0"/>
-              <a:t>6/22/2018</a:t>
+              <a:t>6/26/2018</a:t>
             </a:fld>
             <a:endParaRPr lang="en-US"/>
           </a:p>
@@ -596,7 +595,7 @@
           <a:p>
             <a:fld id="{F4C5997A-E221-43A6-9AE7-DBA0CB9777B0}" type="datetimeFigureOut">
               <a:rPr lang="en-US" smtClean="0"/>
-              <a:t>6/22/2018</a:t>
+              <a:t>6/26/2018</a:t>
             </a:fld>
             <a:endParaRPr lang="en-US"/>
           </a:p>
@@ -766,7 +765,7 @@
           <a:p>
             <a:fld id="{F4C5997A-E221-43A6-9AE7-DBA0CB9777B0}" type="datetimeFigureOut">
               <a:rPr lang="en-US" smtClean="0"/>
-              <a:t>6/22/2018</a:t>
+              <a:t>6/26/2018</a:t>
             </a:fld>
             <a:endParaRPr lang="en-US"/>
           </a:p>
@@ -1012,7 +1011,7 @@
           <a:p>
             <a:fld id="{F4C5997A-E221-43A6-9AE7-DBA0CB9777B0}" type="datetimeFigureOut">
               <a:rPr lang="en-US" smtClean="0"/>
-              <a:t>6/22/2018</a:t>
+              <a:t>6/26/2018</a:t>
             </a:fld>
             <a:endParaRPr lang="en-US"/>
           </a:p>
@@ -1244,7 +1243,7 @@
           <a:p>
             <a:fld id="{F4C5997A-E221-43A6-9AE7-DBA0CB9777B0}" type="datetimeFigureOut">
               <a:rPr lang="en-US" smtClean="0"/>
-              <a:t>6/22/2018</a:t>
+              <a:t>6/26/2018</a:t>
             </a:fld>
             <a:endParaRPr lang="en-US"/>
           </a:p>
@@ -1611,7 +1610,7 @@
           <a:p>
             <a:fld id="{F4C5997A-E221-43A6-9AE7-DBA0CB9777B0}" type="datetimeFigureOut">
               <a:rPr lang="en-US" smtClean="0"/>
-              <a:t>6/22/2018</a:t>
+              <a:t>6/26/2018</a:t>
             </a:fld>
             <a:endParaRPr lang="en-US"/>
           </a:p>
@@ -1729,7 +1728,7 @@
           <a:p>
             <a:fld id="{F4C5997A-E221-43A6-9AE7-DBA0CB9777B0}" type="datetimeFigureOut">
               <a:rPr lang="en-US" smtClean="0"/>
-              <a:t>6/22/2018</a:t>
+              <a:t>6/26/2018</a:t>
             </a:fld>
             <a:endParaRPr lang="en-US"/>
           </a:p>
@@ -1824,7 +1823,7 @@
           <a:p>
             <a:fld id="{F4C5997A-E221-43A6-9AE7-DBA0CB9777B0}" type="datetimeFigureOut">
               <a:rPr lang="en-US" smtClean="0"/>
-              <a:t>6/22/2018</a:t>
+              <a:t>6/26/2018</a:t>
             </a:fld>
             <a:endParaRPr lang="en-US"/>
           </a:p>
@@ -2101,7 +2100,7 @@
           <a:p>
             <a:fld id="{F4C5997A-E221-43A6-9AE7-DBA0CB9777B0}" type="datetimeFigureOut">
               <a:rPr lang="en-US" smtClean="0"/>
-              <a:t>6/22/2018</a:t>
+              <a:t>6/26/2018</a:t>
             </a:fld>
             <a:endParaRPr lang="en-US"/>
           </a:p>
@@ -2354,7 +2353,7 @@
           <a:p>
             <a:fld id="{F4C5997A-E221-43A6-9AE7-DBA0CB9777B0}" type="datetimeFigureOut">
               <a:rPr lang="en-US" smtClean="0"/>
-              <a:t>6/22/2018</a:t>
+              <a:t>6/26/2018</a:t>
             </a:fld>
             <a:endParaRPr lang="en-US"/>
           </a:p>
@@ -2567,7 +2566,7 @@
           <a:p>
             <a:fld id="{F4C5997A-E221-43A6-9AE7-DBA0CB9777B0}" type="datetimeFigureOut">
               <a:rPr lang="en-US" smtClean="0"/>
-              <a:t>6/22/2018</a:t>
+              <a:t>6/26/2018</a:t>
             </a:fld>
             <a:endParaRPr lang="en-US"/>
           </a:p>
@@ -3523,8 +3522,8 @@
         </p:nvSpPr>
         <p:spPr>
           <a:xfrm>
-            <a:off x="3365061" y="1888895"/>
-            <a:ext cx="4962274" cy="1544287"/>
+            <a:off x="4269941" y="1888895"/>
+            <a:ext cx="4057394" cy="1544287"/>
           </a:xfrm>
           <a:prstGeom prst="rect">
             <a:avLst/>
@@ -3573,8 +3572,8 @@
         </p:nvSpPr>
         <p:spPr>
           <a:xfrm>
-            <a:off x="3369420" y="3660278"/>
-            <a:ext cx="4954391" cy="1616097"/>
+            <a:off x="4269941" y="3660278"/>
+            <a:ext cx="4053870" cy="1616097"/>
           </a:xfrm>
           <a:prstGeom prst="rect">
             <a:avLst/>
@@ -6343,43 +6342,6 @@
           </a:fontRef>
         </p:style>
       </p:cxnSp>
-      <p:cxnSp>
-        <p:nvCxnSpPr>
-          <p:cNvPr id="93" name="Straight Arrow Connector 92"/>
-          <p:cNvCxnSpPr/>
-          <p:nvPr/>
-        </p:nvCxnSpPr>
-        <p:spPr>
-          <a:xfrm flipH="1">
-            <a:off x="8134717" y="2793250"/>
-            <a:ext cx="516350" cy="0"/>
-          </a:xfrm>
-          <a:prstGeom prst="straightConnector1">
-            <a:avLst/>
-          </a:prstGeom>
-          <a:ln w="19050" cmpd="dbl">
-            <a:solidFill>
-              <a:schemeClr val="accent2"/>
-            </a:solidFill>
-            <a:prstDash val="solid"/>
-            <a:tailEnd type="triangle"/>
-          </a:ln>
-        </p:spPr>
-        <p:style>
-          <a:lnRef idx="1">
-            <a:schemeClr val="accent1"/>
-          </a:lnRef>
-          <a:fillRef idx="0">
-            <a:schemeClr val="accent1"/>
-          </a:fillRef>
-          <a:effectRef idx="0">
-            <a:schemeClr val="accent1"/>
-          </a:effectRef>
-          <a:fontRef idx="minor">
-            <a:schemeClr val="tx1"/>
-          </a:fontRef>
-        </p:style>
-      </p:cxnSp>
       <p:sp>
         <p:nvSpPr>
           <p:cNvPr id="94" name="Rectangle 93"/>
@@ -6593,8 +6555,8 @@
         </p:nvSpPr>
         <p:spPr>
           <a:xfrm rot="5400000">
-            <a:off x="5690703" y="2834865"/>
-            <a:ext cx="214686" cy="4505524"/>
+            <a:off x="6113380" y="3296306"/>
+            <a:ext cx="253450" cy="3621406"/>
           </a:xfrm>
           <a:prstGeom prst="rect">
             <a:avLst/>
@@ -6637,44 +6599,6 @@
           </a:p>
         </p:txBody>
       </p:sp>
-      <p:cxnSp>
-        <p:nvCxnSpPr>
-          <p:cNvPr id="108" name="Straight Arrow Connector 107"/>
-          <p:cNvCxnSpPr/>
-          <p:nvPr/>
-        </p:nvCxnSpPr>
-        <p:spPr>
-          <a:xfrm>
-            <a:off x="3836164" y="4724136"/>
-            <a:ext cx="1" cy="245909"/>
-          </a:xfrm>
-          <a:prstGeom prst="straightConnector1">
-            <a:avLst/>
-          </a:prstGeom>
-          <a:ln w="19050">
-            <a:solidFill>
-              <a:srgbClr val="0070C0"/>
-            </a:solidFill>
-            <a:prstDash val="solid"/>
-            <a:headEnd type="triangle" w="med" len="med"/>
-            <a:tailEnd type="none" w="med" len="med"/>
-          </a:ln>
-        </p:spPr>
-        <p:style>
-          <a:lnRef idx="1">
-            <a:schemeClr val="accent1"/>
-          </a:lnRef>
-          <a:fillRef idx="0">
-            <a:schemeClr val="accent1"/>
-          </a:fillRef>
-          <a:effectRef idx="0">
-            <a:schemeClr val="accent1"/>
-          </a:effectRef>
-          <a:fontRef idx="minor">
-            <a:schemeClr val="tx1"/>
-          </a:fontRef>
-        </p:style>
-      </p:cxnSp>
       <p:cxnSp>
         <p:nvCxnSpPr>
           <p:cNvPr id="110" name="Straight Arrow Connector 109"/>
@@ -7077,44 +7001,6 @@
               <a:t>Data flow</a:t>
             </a:r>
             <a:endParaRPr lang="en-US" sz="1200" dirty="0"/>
-          </a:p>
-        </p:txBody>
-      </p:sp>
-      <p:sp>
-        <p:nvSpPr>
-          <p:cNvPr id="88" name="TextBox 87"/>
-          <p:cNvSpPr txBox="1"/>
-          <p:nvPr/>
-        </p:nvSpPr>
-        <p:spPr>
-          <a:xfrm>
-            <a:off x="8327335" y="2524300"/>
-            <a:ext cx="232785" cy="276999"/>
-          </a:xfrm>
-          <a:prstGeom prst="rect">
-            <a:avLst/>
-          </a:prstGeom>
-          <a:noFill/>
-        </p:spPr>
-        <p:txBody>
-          <a:bodyPr wrap="square" rtlCol="0">
-            <a:spAutoFit/>
-          </a:bodyPr>
-          <a:lstStyle/>
-          <a:p>
-            <a:r>
-              <a:rPr lang="en-US" sz="1200" dirty="0" smtClean="0">
-                <a:solidFill>
-                  <a:schemeClr val="accent2"/>
-                </a:solidFill>
-              </a:rPr>
-              <a:t>?</a:t>
-            </a:r>
-            <a:endParaRPr lang="en-US" sz="1200" dirty="0">
-              <a:solidFill>
-                <a:schemeClr val="accent2"/>
-              </a:solidFill>
-            </a:endParaRPr>
           </a:p>
         </p:txBody>
       </p:sp>
@@ -7484,4217 +7370,18 @@
           </a:fontRef>
         </p:style>
       </p:cxnSp>
-    </p:spTree>
-    <p:extLst>
-      <p:ext uri="{BB962C8B-B14F-4D97-AF65-F5344CB8AC3E}">
-        <p14:creationId xmlns:p14="http://schemas.microsoft.com/office/powerpoint/2010/main" val="2590331658"/>
-      </p:ext>
-    </p:extLst>
-  </p:cSld>
-  <p:clrMapOvr>
-    <a:masterClrMapping/>
-  </p:clrMapOvr>
-  <p:timing>
-    <p:tnLst>
-      <p:par>
-        <p:cTn id="1" dur="indefinite" restart="never" nodeType="tmRoot">
-          <p:childTnLst>
-            <p:seq concurrent="1" nextAc="seek">
-              <p:cTn id="2" dur="indefinite" nodeType="mainSeq">
-                <p:childTnLst>
-                  <p:par>
-                    <p:cTn id="3" fill="hold">
-                      <p:stCondLst>
-                        <p:cond delay="indefinite"/>
-                        <p:cond evt="onBegin" delay="0">
-                          <p:tn val="2"/>
-                        </p:cond>
-                      </p:stCondLst>
-                      <p:childTnLst>
-                        <p:par>
-                          <p:cTn id="4" fill="hold">
-                            <p:stCondLst>
-                              <p:cond delay="0"/>
-                            </p:stCondLst>
-                            <p:childTnLst>
-                              <p:par>
-                                <p:cTn id="5" presetID="10" presetClass="entr" presetSubtype="0" fill="hold" grpId="0" nodeType="afterEffect">
-                                  <p:stCondLst>
-                                    <p:cond delay="0"/>
-                                  </p:stCondLst>
-                                  <p:childTnLst>
-                                    <p:set>
-                                      <p:cBhvr>
-                                        <p:cTn id="6" dur="1" fill="hold">
-                                          <p:stCondLst>
-                                            <p:cond delay="0"/>
-                                          </p:stCondLst>
-                                        </p:cTn>
-                                        <p:tgtEl>
-                                          <p:spTgt spid="89"/>
-                                        </p:tgtEl>
-                                        <p:attrNameLst>
-                                          <p:attrName>style.visibility</p:attrName>
-                                        </p:attrNameLst>
-                                      </p:cBhvr>
-                                      <p:to>
-                                        <p:strVal val="visible"/>
-                                      </p:to>
-                                    </p:set>
-                                    <p:animEffect transition="in" filter="fade">
-                                      <p:cBhvr>
-                                        <p:cTn id="7" dur="500"/>
-                                        <p:tgtEl>
-                                          <p:spTgt spid="89"/>
-                                        </p:tgtEl>
-                                      </p:cBhvr>
-                                    </p:animEffect>
-                                  </p:childTnLst>
-                                </p:cTn>
-                              </p:par>
-                              <p:par>
-                                <p:cTn id="8" presetID="10" presetClass="entr" presetSubtype="0" fill="hold" grpId="0" nodeType="withEffect">
-                                  <p:stCondLst>
-                                    <p:cond delay="0"/>
-                                  </p:stCondLst>
-                                  <p:childTnLst>
-                                    <p:set>
-                                      <p:cBhvr>
-                                        <p:cTn id="9" dur="1" fill="hold">
-                                          <p:stCondLst>
-                                            <p:cond delay="0"/>
-                                          </p:stCondLst>
-                                        </p:cTn>
-                                        <p:tgtEl>
-                                          <p:spTgt spid="116"/>
-                                        </p:tgtEl>
-                                        <p:attrNameLst>
-                                          <p:attrName>style.visibility</p:attrName>
-                                        </p:attrNameLst>
-                                      </p:cBhvr>
-                                      <p:to>
-                                        <p:strVal val="visible"/>
-                                      </p:to>
-                                    </p:set>
-                                    <p:animEffect transition="in" filter="fade">
-                                      <p:cBhvr>
-                                        <p:cTn id="10" dur="500"/>
-                                        <p:tgtEl>
-                                          <p:spTgt spid="116"/>
-                                        </p:tgtEl>
-                                      </p:cBhvr>
-                                    </p:animEffect>
-                                  </p:childTnLst>
-                                </p:cTn>
-                              </p:par>
-                              <p:par>
-                                <p:cTn id="11" presetID="10" presetClass="entr" presetSubtype="0" fill="hold" nodeType="withEffect">
-                                  <p:stCondLst>
-                                    <p:cond delay="0"/>
-                                  </p:stCondLst>
-                                  <p:childTnLst>
-                                    <p:set>
-                                      <p:cBhvr>
-                                        <p:cTn id="12" dur="1" fill="hold">
-                                          <p:stCondLst>
-                                            <p:cond delay="0"/>
-                                          </p:stCondLst>
-                                        </p:cTn>
-                                        <p:tgtEl>
-                                          <p:spTgt spid="92"/>
-                                        </p:tgtEl>
-                                        <p:attrNameLst>
-                                          <p:attrName>style.visibility</p:attrName>
-                                        </p:attrNameLst>
-                                      </p:cBhvr>
-                                      <p:to>
-                                        <p:strVal val="visible"/>
-                                      </p:to>
-                                    </p:set>
-                                    <p:animEffect transition="in" filter="fade">
-                                      <p:cBhvr>
-                                        <p:cTn id="13" dur="500"/>
-                                        <p:tgtEl>
-                                          <p:spTgt spid="92"/>
-                                        </p:tgtEl>
-                                      </p:cBhvr>
-                                    </p:animEffect>
-                                  </p:childTnLst>
-                                </p:cTn>
-                              </p:par>
-                              <p:par>
-                                <p:cTn id="14" presetID="10" presetClass="entr" presetSubtype="0" fill="hold" nodeType="withEffect">
-                                  <p:stCondLst>
-                                    <p:cond delay="0"/>
-                                  </p:stCondLst>
-                                  <p:childTnLst>
-                                    <p:set>
-                                      <p:cBhvr>
-                                        <p:cTn id="15" dur="1" fill="hold">
-                                          <p:stCondLst>
-                                            <p:cond delay="0"/>
-                                          </p:stCondLst>
-                                        </p:cTn>
-                                        <p:tgtEl>
-                                          <p:spTgt spid="93"/>
-                                        </p:tgtEl>
-                                        <p:attrNameLst>
-                                          <p:attrName>style.visibility</p:attrName>
-                                        </p:attrNameLst>
-                                      </p:cBhvr>
-                                      <p:to>
-                                        <p:strVal val="visible"/>
-                                      </p:to>
-                                    </p:set>
-                                    <p:animEffect transition="in" filter="fade">
-                                      <p:cBhvr>
-                                        <p:cTn id="16" dur="500"/>
-                                        <p:tgtEl>
-                                          <p:spTgt spid="93"/>
-                                        </p:tgtEl>
-                                      </p:cBhvr>
-                                    </p:animEffect>
-                                  </p:childTnLst>
-                                </p:cTn>
-                              </p:par>
-                              <p:par>
-                                <p:cTn id="17" presetID="10" presetClass="entr" presetSubtype="0" fill="hold" grpId="0" nodeType="withEffect">
-                                  <p:stCondLst>
-                                    <p:cond delay="0"/>
-                                  </p:stCondLst>
-                                  <p:childTnLst>
-                                    <p:set>
-                                      <p:cBhvr>
-                                        <p:cTn id="18" dur="1" fill="hold">
-                                          <p:stCondLst>
-                                            <p:cond delay="0"/>
-                                          </p:stCondLst>
-                                        </p:cTn>
-                                        <p:tgtEl>
-                                          <p:spTgt spid="88"/>
-                                        </p:tgtEl>
-                                        <p:attrNameLst>
-                                          <p:attrName>style.visibility</p:attrName>
-                                        </p:attrNameLst>
-                                      </p:cBhvr>
-                                      <p:to>
-                                        <p:strVal val="visible"/>
-                                      </p:to>
-                                    </p:set>
-                                    <p:animEffect transition="in" filter="fade">
-                                      <p:cBhvr>
-                                        <p:cTn id="19" dur="500"/>
-                                        <p:tgtEl>
-                                          <p:spTgt spid="88"/>
-                                        </p:tgtEl>
-                                      </p:cBhvr>
-                                    </p:animEffect>
-                                  </p:childTnLst>
-                                </p:cTn>
-                              </p:par>
-                            </p:childTnLst>
-                          </p:cTn>
-                        </p:par>
-                      </p:childTnLst>
-                    </p:cTn>
-                  </p:par>
-                  <p:par>
-                    <p:cTn id="20" fill="hold">
-                      <p:stCondLst>
-                        <p:cond delay="indefinite"/>
-                      </p:stCondLst>
-                      <p:childTnLst>
-                        <p:par>
-                          <p:cTn id="21" fill="hold">
-                            <p:stCondLst>
-                              <p:cond delay="0"/>
-                            </p:stCondLst>
-                            <p:childTnLst>
-                              <p:par>
-                                <p:cTn id="22" presetID="10" presetClass="entr" presetSubtype="0" fill="hold" grpId="0" nodeType="clickEffect">
-                                  <p:stCondLst>
-                                    <p:cond delay="0"/>
-                                  </p:stCondLst>
-                                  <p:childTnLst>
-                                    <p:set>
-                                      <p:cBhvr>
-                                        <p:cTn id="23" dur="1" fill="hold">
-                                          <p:stCondLst>
-                                            <p:cond delay="0"/>
-                                          </p:stCondLst>
-                                        </p:cTn>
-                                        <p:tgtEl>
-                                          <p:spTgt spid="5"/>
-                                        </p:tgtEl>
-                                        <p:attrNameLst>
-                                          <p:attrName>style.visibility</p:attrName>
-                                        </p:attrNameLst>
-                                      </p:cBhvr>
-                                      <p:to>
-                                        <p:strVal val="visible"/>
-                                      </p:to>
-                                    </p:set>
-                                    <p:animEffect transition="in" filter="fade">
-                                      <p:cBhvr>
-                                        <p:cTn id="24" dur="500"/>
-                                        <p:tgtEl>
-                                          <p:spTgt spid="5"/>
-                                        </p:tgtEl>
-                                      </p:cBhvr>
-                                    </p:animEffect>
-                                  </p:childTnLst>
-                                </p:cTn>
-                              </p:par>
-                              <p:par>
-                                <p:cTn id="25" presetID="10" presetClass="entr" presetSubtype="0" fill="hold" grpId="0" nodeType="withEffect">
-                                  <p:stCondLst>
-                                    <p:cond delay="0"/>
-                                  </p:stCondLst>
-                                  <p:childTnLst>
-                                    <p:set>
-                                      <p:cBhvr>
-                                        <p:cTn id="26" dur="1" fill="hold">
-                                          <p:stCondLst>
-                                            <p:cond delay="0"/>
-                                          </p:stCondLst>
-                                        </p:cTn>
-                                        <p:tgtEl>
-                                          <p:spTgt spid="6"/>
-                                        </p:tgtEl>
-                                        <p:attrNameLst>
-                                          <p:attrName>style.visibility</p:attrName>
-                                        </p:attrNameLst>
-                                      </p:cBhvr>
-                                      <p:to>
-                                        <p:strVal val="visible"/>
-                                      </p:to>
-                                    </p:set>
-                                    <p:animEffect transition="in" filter="fade">
-                                      <p:cBhvr>
-                                        <p:cTn id="27" dur="500"/>
-                                        <p:tgtEl>
-                                          <p:spTgt spid="6"/>
-                                        </p:tgtEl>
-                                      </p:cBhvr>
-                                    </p:animEffect>
-                                  </p:childTnLst>
-                                </p:cTn>
-                              </p:par>
-                              <p:par>
-                                <p:cTn id="28" presetID="10" presetClass="entr" presetSubtype="0" fill="hold" grpId="0" nodeType="withEffect">
-                                  <p:stCondLst>
-                                    <p:cond delay="0"/>
-                                  </p:stCondLst>
-                                  <p:childTnLst>
-                                    <p:set>
-                                      <p:cBhvr>
-                                        <p:cTn id="29" dur="1" fill="hold">
-                                          <p:stCondLst>
-                                            <p:cond delay="0"/>
-                                          </p:stCondLst>
-                                        </p:cTn>
-                                        <p:tgtEl>
-                                          <p:spTgt spid="8"/>
-                                        </p:tgtEl>
-                                        <p:attrNameLst>
-                                          <p:attrName>style.visibility</p:attrName>
-                                        </p:attrNameLst>
-                                      </p:cBhvr>
-                                      <p:to>
-                                        <p:strVal val="visible"/>
-                                      </p:to>
-                                    </p:set>
-                                    <p:animEffect transition="in" filter="fade">
-                                      <p:cBhvr>
-                                        <p:cTn id="30" dur="500"/>
-                                        <p:tgtEl>
-                                          <p:spTgt spid="8"/>
-                                        </p:tgtEl>
-                                      </p:cBhvr>
-                                    </p:animEffect>
-                                  </p:childTnLst>
-                                </p:cTn>
-                              </p:par>
-                              <p:par>
-                                <p:cTn id="31" presetID="10" presetClass="entr" presetSubtype="0" fill="hold" grpId="0" nodeType="withEffect">
-                                  <p:stCondLst>
-                                    <p:cond delay="0"/>
-                                  </p:stCondLst>
-                                  <p:childTnLst>
-                                    <p:set>
-                                      <p:cBhvr>
-                                        <p:cTn id="32" dur="1" fill="hold">
-                                          <p:stCondLst>
-                                            <p:cond delay="0"/>
-                                          </p:stCondLst>
-                                        </p:cTn>
-                                        <p:tgtEl>
-                                          <p:spTgt spid="13"/>
-                                        </p:tgtEl>
-                                        <p:attrNameLst>
-                                          <p:attrName>style.visibility</p:attrName>
-                                        </p:attrNameLst>
-                                      </p:cBhvr>
-                                      <p:to>
-                                        <p:strVal val="visible"/>
-                                      </p:to>
-                                    </p:set>
-                                    <p:animEffect transition="in" filter="fade">
-                                      <p:cBhvr>
-                                        <p:cTn id="33" dur="500"/>
-                                        <p:tgtEl>
-                                          <p:spTgt spid="13"/>
-                                        </p:tgtEl>
-                                      </p:cBhvr>
-                                    </p:animEffect>
-                                  </p:childTnLst>
-                                </p:cTn>
-                              </p:par>
-                              <p:par>
-                                <p:cTn id="34" presetID="10" presetClass="entr" presetSubtype="0" fill="hold" nodeType="withEffect">
-                                  <p:stCondLst>
-                                    <p:cond delay="0"/>
-                                  </p:stCondLst>
-                                  <p:childTnLst>
-                                    <p:set>
-                                      <p:cBhvr>
-                                        <p:cTn id="35" dur="1" fill="hold">
-                                          <p:stCondLst>
-                                            <p:cond delay="0"/>
-                                          </p:stCondLst>
-                                        </p:cTn>
-                                        <p:tgtEl>
-                                          <p:spTgt spid="37"/>
-                                        </p:tgtEl>
-                                        <p:attrNameLst>
-                                          <p:attrName>style.visibility</p:attrName>
-                                        </p:attrNameLst>
-                                      </p:cBhvr>
-                                      <p:to>
-                                        <p:strVal val="visible"/>
-                                      </p:to>
-                                    </p:set>
-                                    <p:animEffect transition="in" filter="fade">
-                                      <p:cBhvr>
-                                        <p:cTn id="36" dur="500"/>
-                                        <p:tgtEl>
-                                          <p:spTgt spid="37"/>
-                                        </p:tgtEl>
-                                      </p:cBhvr>
-                                    </p:animEffect>
-                                  </p:childTnLst>
-                                </p:cTn>
-                              </p:par>
-                              <p:par>
-                                <p:cTn id="37" presetID="10" presetClass="entr" presetSubtype="0" fill="hold" nodeType="withEffect">
-                                  <p:stCondLst>
-                                    <p:cond delay="0"/>
-                                  </p:stCondLst>
-                                  <p:childTnLst>
-                                    <p:set>
-                                      <p:cBhvr>
-                                        <p:cTn id="38" dur="1" fill="hold">
-                                          <p:stCondLst>
-                                            <p:cond delay="0"/>
-                                          </p:stCondLst>
-                                        </p:cTn>
-                                        <p:tgtEl>
-                                          <p:spTgt spid="41"/>
-                                        </p:tgtEl>
-                                        <p:attrNameLst>
-                                          <p:attrName>style.visibility</p:attrName>
-                                        </p:attrNameLst>
-                                      </p:cBhvr>
-                                      <p:to>
-                                        <p:strVal val="visible"/>
-                                      </p:to>
-                                    </p:set>
-                                    <p:animEffect transition="in" filter="fade">
-                                      <p:cBhvr>
-                                        <p:cTn id="39" dur="500"/>
-                                        <p:tgtEl>
-                                          <p:spTgt spid="41"/>
-                                        </p:tgtEl>
-                                      </p:cBhvr>
-                                    </p:animEffect>
-                                  </p:childTnLst>
-                                </p:cTn>
-                              </p:par>
-                              <p:par>
-                                <p:cTn id="40" presetID="10" presetClass="entr" presetSubtype="0" fill="hold" nodeType="withEffect">
-                                  <p:stCondLst>
-                                    <p:cond delay="0"/>
-                                  </p:stCondLst>
-                                  <p:childTnLst>
-                                    <p:set>
-                                      <p:cBhvr>
-                                        <p:cTn id="41" dur="1" fill="hold">
-                                          <p:stCondLst>
-                                            <p:cond delay="0"/>
-                                          </p:stCondLst>
-                                        </p:cTn>
-                                        <p:tgtEl>
-                                          <p:spTgt spid="42"/>
-                                        </p:tgtEl>
-                                        <p:attrNameLst>
-                                          <p:attrName>style.visibility</p:attrName>
-                                        </p:attrNameLst>
-                                      </p:cBhvr>
-                                      <p:to>
-                                        <p:strVal val="visible"/>
-                                      </p:to>
-                                    </p:set>
-                                    <p:animEffect transition="in" filter="fade">
-                                      <p:cBhvr>
-                                        <p:cTn id="42" dur="500"/>
-                                        <p:tgtEl>
-                                          <p:spTgt spid="42"/>
-                                        </p:tgtEl>
-                                      </p:cBhvr>
-                                    </p:animEffect>
-                                  </p:childTnLst>
-                                </p:cTn>
-                              </p:par>
-                              <p:par>
-                                <p:cTn id="43" presetID="10" presetClass="entr" presetSubtype="0" fill="hold" nodeType="withEffect">
-                                  <p:stCondLst>
-                                    <p:cond delay="0"/>
-                                  </p:stCondLst>
-                                  <p:childTnLst>
-                                    <p:set>
-                                      <p:cBhvr>
-                                        <p:cTn id="44" dur="1" fill="hold">
-                                          <p:stCondLst>
-                                            <p:cond delay="0"/>
-                                          </p:stCondLst>
-                                        </p:cTn>
-                                        <p:tgtEl>
-                                          <p:spTgt spid="45"/>
-                                        </p:tgtEl>
-                                        <p:attrNameLst>
-                                          <p:attrName>style.visibility</p:attrName>
-                                        </p:attrNameLst>
-                                      </p:cBhvr>
-                                      <p:to>
-                                        <p:strVal val="visible"/>
-                                      </p:to>
-                                    </p:set>
-                                    <p:animEffect transition="in" filter="fade">
-                                      <p:cBhvr>
-                                        <p:cTn id="45" dur="500"/>
-                                        <p:tgtEl>
-                                          <p:spTgt spid="45"/>
-                                        </p:tgtEl>
-                                      </p:cBhvr>
-                                    </p:animEffect>
-                                  </p:childTnLst>
-                                </p:cTn>
-                              </p:par>
-                              <p:par>
-                                <p:cTn id="46" presetID="10" presetClass="entr" presetSubtype="0" fill="hold" nodeType="withEffect">
-                                  <p:stCondLst>
-                                    <p:cond delay="0"/>
-                                  </p:stCondLst>
-                                  <p:childTnLst>
-                                    <p:set>
-                                      <p:cBhvr>
-                                        <p:cTn id="47" dur="1" fill="hold">
-                                          <p:stCondLst>
-                                            <p:cond delay="0"/>
-                                          </p:stCondLst>
-                                        </p:cTn>
-                                        <p:tgtEl>
-                                          <p:spTgt spid="49"/>
-                                        </p:tgtEl>
-                                        <p:attrNameLst>
-                                          <p:attrName>style.visibility</p:attrName>
-                                        </p:attrNameLst>
-                                      </p:cBhvr>
-                                      <p:to>
-                                        <p:strVal val="visible"/>
-                                      </p:to>
-                                    </p:set>
-                                    <p:animEffect transition="in" filter="fade">
-                                      <p:cBhvr>
-                                        <p:cTn id="48" dur="500"/>
-                                        <p:tgtEl>
-                                          <p:spTgt spid="49"/>
-                                        </p:tgtEl>
-                                      </p:cBhvr>
-                                    </p:animEffect>
-                                  </p:childTnLst>
-                                </p:cTn>
-                              </p:par>
-                              <p:par>
-                                <p:cTn id="49" presetID="10" presetClass="entr" presetSubtype="0" fill="hold" nodeType="withEffect">
-                                  <p:stCondLst>
-                                    <p:cond delay="0"/>
-                                  </p:stCondLst>
-                                  <p:childTnLst>
-                                    <p:set>
-                                      <p:cBhvr>
-                                        <p:cTn id="50" dur="1" fill="hold">
-                                          <p:stCondLst>
-                                            <p:cond delay="0"/>
-                                          </p:stCondLst>
-                                        </p:cTn>
-                                        <p:tgtEl>
-                                          <p:spTgt spid="50"/>
-                                        </p:tgtEl>
-                                        <p:attrNameLst>
-                                          <p:attrName>style.visibility</p:attrName>
-                                        </p:attrNameLst>
-                                      </p:cBhvr>
-                                      <p:to>
-                                        <p:strVal val="visible"/>
-                                      </p:to>
-                                    </p:set>
-                                    <p:animEffect transition="in" filter="fade">
-                                      <p:cBhvr>
-                                        <p:cTn id="51" dur="500"/>
-                                        <p:tgtEl>
-                                          <p:spTgt spid="50"/>
-                                        </p:tgtEl>
-                                      </p:cBhvr>
-                                    </p:animEffect>
-                                  </p:childTnLst>
-                                </p:cTn>
-                              </p:par>
-                              <p:par>
-                                <p:cTn id="52" presetID="10" presetClass="entr" presetSubtype="0" fill="hold" nodeType="withEffect">
-                                  <p:stCondLst>
-                                    <p:cond delay="0"/>
-                                  </p:stCondLst>
-                                  <p:childTnLst>
-                                    <p:set>
-                                      <p:cBhvr>
-                                        <p:cTn id="53" dur="1" fill="hold">
-                                          <p:stCondLst>
-                                            <p:cond delay="0"/>
-                                          </p:stCondLst>
-                                        </p:cTn>
-                                        <p:tgtEl>
-                                          <p:spTgt spid="51"/>
-                                        </p:tgtEl>
-                                        <p:attrNameLst>
-                                          <p:attrName>style.visibility</p:attrName>
-                                        </p:attrNameLst>
-                                      </p:cBhvr>
-                                      <p:to>
-                                        <p:strVal val="visible"/>
-                                      </p:to>
-                                    </p:set>
-                                    <p:animEffect transition="in" filter="fade">
-                                      <p:cBhvr>
-                                        <p:cTn id="54" dur="500"/>
-                                        <p:tgtEl>
-                                          <p:spTgt spid="51"/>
-                                        </p:tgtEl>
-                                      </p:cBhvr>
-                                    </p:animEffect>
-                                  </p:childTnLst>
-                                </p:cTn>
-                              </p:par>
-                              <p:par>
-                                <p:cTn id="55" presetID="10" presetClass="entr" presetSubtype="0" fill="hold" nodeType="withEffect">
-                                  <p:stCondLst>
-                                    <p:cond delay="0"/>
-                                  </p:stCondLst>
-                                  <p:childTnLst>
-                                    <p:set>
-                                      <p:cBhvr>
-                                        <p:cTn id="56" dur="1" fill="hold">
-                                          <p:stCondLst>
-                                            <p:cond delay="0"/>
-                                          </p:stCondLst>
-                                        </p:cTn>
-                                        <p:tgtEl>
-                                          <p:spTgt spid="55"/>
-                                        </p:tgtEl>
-                                        <p:attrNameLst>
-                                          <p:attrName>style.visibility</p:attrName>
-                                        </p:attrNameLst>
-                                      </p:cBhvr>
-                                      <p:to>
-                                        <p:strVal val="visible"/>
-                                      </p:to>
-                                    </p:set>
-                                    <p:animEffect transition="in" filter="fade">
-                                      <p:cBhvr>
-                                        <p:cTn id="57" dur="500"/>
-                                        <p:tgtEl>
-                                          <p:spTgt spid="55"/>
-                                        </p:tgtEl>
-                                      </p:cBhvr>
-                                    </p:animEffect>
-                                  </p:childTnLst>
-                                </p:cTn>
-                              </p:par>
-                              <p:par>
-                                <p:cTn id="58" presetID="10" presetClass="entr" presetSubtype="0" fill="hold" nodeType="withEffect">
-                                  <p:stCondLst>
-                                    <p:cond delay="0"/>
-                                  </p:stCondLst>
-                                  <p:childTnLst>
-                                    <p:set>
-                                      <p:cBhvr>
-                                        <p:cTn id="59" dur="1" fill="hold">
-                                          <p:stCondLst>
-                                            <p:cond delay="0"/>
-                                          </p:stCondLst>
-                                        </p:cTn>
-                                        <p:tgtEl>
-                                          <p:spTgt spid="56"/>
-                                        </p:tgtEl>
-                                        <p:attrNameLst>
-                                          <p:attrName>style.visibility</p:attrName>
-                                        </p:attrNameLst>
-                                      </p:cBhvr>
-                                      <p:to>
-                                        <p:strVal val="visible"/>
-                                      </p:to>
-                                    </p:set>
-                                    <p:animEffect transition="in" filter="fade">
-                                      <p:cBhvr>
-                                        <p:cTn id="60" dur="500"/>
-                                        <p:tgtEl>
-                                          <p:spTgt spid="56"/>
-                                        </p:tgtEl>
-                                      </p:cBhvr>
-                                    </p:animEffect>
-                                  </p:childTnLst>
-                                </p:cTn>
-                              </p:par>
-                              <p:par>
-                                <p:cTn id="61" presetID="10" presetClass="entr" presetSubtype="0" fill="hold" nodeType="withEffect">
-                                  <p:stCondLst>
-                                    <p:cond delay="0"/>
-                                  </p:stCondLst>
-                                  <p:childTnLst>
-                                    <p:set>
-                                      <p:cBhvr>
-                                        <p:cTn id="62" dur="1" fill="hold">
-                                          <p:stCondLst>
-                                            <p:cond delay="0"/>
-                                          </p:stCondLst>
-                                        </p:cTn>
-                                        <p:tgtEl>
-                                          <p:spTgt spid="108"/>
-                                        </p:tgtEl>
-                                        <p:attrNameLst>
-                                          <p:attrName>style.visibility</p:attrName>
-                                        </p:attrNameLst>
-                                      </p:cBhvr>
-                                      <p:to>
-                                        <p:strVal val="visible"/>
-                                      </p:to>
-                                    </p:set>
-                                    <p:animEffect transition="in" filter="fade">
-                                      <p:cBhvr>
-                                        <p:cTn id="63" dur="500"/>
-                                        <p:tgtEl>
-                                          <p:spTgt spid="108"/>
-                                        </p:tgtEl>
-                                      </p:cBhvr>
-                                    </p:animEffect>
-                                  </p:childTnLst>
-                                </p:cTn>
-                              </p:par>
-                              <p:par>
-                                <p:cTn id="64" presetID="10" presetClass="entr" presetSubtype="0" fill="hold" nodeType="withEffect">
-                                  <p:stCondLst>
-                                    <p:cond delay="0"/>
-                                  </p:stCondLst>
-                                  <p:childTnLst>
-                                    <p:set>
-                                      <p:cBhvr>
-                                        <p:cTn id="65" dur="1" fill="hold">
-                                          <p:stCondLst>
-                                            <p:cond delay="0"/>
-                                          </p:stCondLst>
-                                        </p:cTn>
-                                        <p:tgtEl>
-                                          <p:spTgt spid="110"/>
-                                        </p:tgtEl>
-                                        <p:attrNameLst>
-                                          <p:attrName>style.visibility</p:attrName>
-                                        </p:attrNameLst>
-                                      </p:cBhvr>
-                                      <p:to>
-                                        <p:strVal val="visible"/>
-                                      </p:to>
-                                    </p:set>
-                                    <p:animEffect transition="in" filter="fade">
-                                      <p:cBhvr>
-                                        <p:cTn id="66" dur="500"/>
-                                        <p:tgtEl>
-                                          <p:spTgt spid="110"/>
-                                        </p:tgtEl>
-                                      </p:cBhvr>
-                                    </p:animEffect>
-                                  </p:childTnLst>
-                                </p:cTn>
-                              </p:par>
-                              <p:par>
-                                <p:cTn id="67" presetID="10" presetClass="entr" presetSubtype="0" fill="hold" nodeType="withEffect">
-                                  <p:stCondLst>
-                                    <p:cond delay="0"/>
-                                  </p:stCondLst>
-                                  <p:childTnLst>
-                                    <p:set>
-                                      <p:cBhvr>
-                                        <p:cTn id="68" dur="1" fill="hold">
-                                          <p:stCondLst>
-                                            <p:cond delay="0"/>
-                                          </p:stCondLst>
-                                        </p:cTn>
-                                        <p:tgtEl>
-                                          <p:spTgt spid="111"/>
-                                        </p:tgtEl>
-                                        <p:attrNameLst>
-                                          <p:attrName>style.visibility</p:attrName>
-                                        </p:attrNameLst>
-                                      </p:cBhvr>
-                                      <p:to>
-                                        <p:strVal val="visible"/>
-                                      </p:to>
-                                    </p:set>
-                                    <p:animEffect transition="in" filter="fade">
-                                      <p:cBhvr>
-                                        <p:cTn id="69" dur="500"/>
-                                        <p:tgtEl>
-                                          <p:spTgt spid="111"/>
-                                        </p:tgtEl>
-                                      </p:cBhvr>
-                                    </p:animEffect>
-                                  </p:childTnLst>
-                                </p:cTn>
-                              </p:par>
-                              <p:par>
-                                <p:cTn id="70" presetID="10" presetClass="entr" presetSubtype="0" fill="hold" nodeType="withEffect">
-                                  <p:stCondLst>
-                                    <p:cond delay="0"/>
-                                  </p:stCondLst>
-                                  <p:childTnLst>
-                                    <p:set>
-                                      <p:cBhvr>
-                                        <p:cTn id="71" dur="1" fill="hold">
-                                          <p:stCondLst>
-                                            <p:cond delay="0"/>
-                                          </p:stCondLst>
-                                        </p:cTn>
-                                        <p:tgtEl>
-                                          <p:spTgt spid="134"/>
-                                        </p:tgtEl>
-                                        <p:attrNameLst>
-                                          <p:attrName>style.visibility</p:attrName>
-                                        </p:attrNameLst>
-                                      </p:cBhvr>
-                                      <p:to>
-                                        <p:strVal val="visible"/>
-                                      </p:to>
-                                    </p:set>
-                                    <p:animEffect transition="in" filter="fade">
-                                      <p:cBhvr>
-                                        <p:cTn id="72" dur="500"/>
-                                        <p:tgtEl>
-                                          <p:spTgt spid="134"/>
-                                        </p:tgtEl>
-                                      </p:cBhvr>
-                                    </p:animEffect>
-                                  </p:childTnLst>
-                                </p:cTn>
-                              </p:par>
-                            </p:childTnLst>
-                          </p:cTn>
-                        </p:par>
-                      </p:childTnLst>
-                    </p:cTn>
-                  </p:par>
-                  <p:par>
-                    <p:cTn id="73" fill="hold">
-                      <p:stCondLst>
-                        <p:cond delay="indefinite"/>
-                      </p:stCondLst>
-                      <p:childTnLst>
-                        <p:par>
-                          <p:cTn id="74" fill="hold">
-                            <p:stCondLst>
-                              <p:cond delay="0"/>
-                            </p:stCondLst>
-                            <p:childTnLst>
-                              <p:par>
-                                <p:cTn id="75" presetID="10" presetClass="entr" presetSubtype="0" fill="hold" grpId="0" nodeType="clickEffect">
-                                  <p:stCondLst>
-                                    <p:cond delay="0"/>
-                                  </p:stCondLst>
-                                  <p:childTnLst>
-                                    <p:set>
-                                      <p:cBhvr>
-                                        <p:cTn id="76" dur="1" fill="hold">
-                                          <p:stCondLst>
-                                            <p:cond delay="0"/>
-                                          </p:stCondLst>
-                                        </p:cTn>
-                                        <p:tgtEl>
-                                          <p:spTgt spid="63"/>
-                                        </p:tgtEl>
-                                        <p:attrNameLst>
-                                          <p:attrName>style.visibility</p:attrName>
-                                        </p:attrNameLst>
-                                      </p:cBhvr>
-                                      <p:to>
-                                        <p:strVal val="visible"/>
-                                      </p:to>
-                                    </p:set>
-                                    <p:animEffect transition="in" filter="fade">
-                                      <p:cBhvr>
-                                        <p:cTn id="77" dur="500"/>
-                                        <p:tgtEl>
-                                          <p:spTgt spid="63"/>
-                                        </p:tgtEl>
-                                      </p:cBhvr>
-                                    </p:animEffect>
-                                  </p:childTnLst>
-                                </p:cTn>
-                              </p:par>
-                              <p:par>
-                                <p:cTn id="78" presetID="10" presetClass="entr" presetSubtype="0" fill="hold" grpId="0" nodeType="withEffect">
-                                  <p:stCondLst>
-                                    <p:cond delay="0"/>
-                                  </p:stCondLst>
-                                  <p:childTnLst>
-                                    <p:set>
-                                      <p:cBhvr>
-                                        <p:cTn id="79" dur="1" fill="hold">
-                                          <p:stCondLst>
-                                            <p:cond delay="0"/>
-                                          </p:stCondLst>
-                                        </p:cTn>
-                                        <p:tgtEl>
-                                          <p:spTgt spid="64"/>
-                                        </p:tgtEl>
-                                        <p:attrNameLst>
-                                          <p:attrName>style.visibility</p:attrName>
-                                        </p:attrNameLst>
-                                      </p:cBhvr>
-                                      <p:to>
-                                        <p:strVal val="visible"/>
-                                      </p:to>
-                                    </p:set>
-                                    <p:animEffect transition="in" filter="fade">
-                                      <p:cBhvr>
-                                        <p:cTn id="80" dur="500"/>
-                                        <p:tgtEl>
-                                          <p:spTgt spid="64"/>
-                                        </p:tgtEl>
-                                      </p:cBhvr>
-                                    </p:animEffect>
-                                  </p:childTnLst>
-                                </p:cTn>
-                              </p:par>
-                              <p:par>
-                                <p:cTn id="81" presetID="10" presetClass="entr" presetSubtype="0" fill="hold" grpId="0" nodeType="withEffect">
-                                  <p:stCondLst>
-                                    <p:cond delay="0"/>
-                                  </p:stCondLst>
-                                  <p:childTnLst>
-                                    <p:set>
-                                      <p:cBhvr>
-                                        <p:cTn id="82" dur="1" fill="hold">
-                                          <p:stCondLst>
-                                            <p:cond delay="0"/>
-                                          </p:stCondLst>
-                                        </p:cTn>
-                                        <p:tgtEl>
-                                          <p:spTgt spid="65"/>
-                                        </p:tgtEl>
-                                        <p:attrNameLst>
-                                          <p:attrName>style.visibility</p:attrName>
-                                        </p:attrNameLst>
-                                      </p:cBhvr>
-                                      <p:to>
-                                        <p:strVal val="visible"/>
-                                      </p:to>
-                                    </p:set>
-                                    <p:animEffect transition="in" filter="fade">
-                                      <p:cBhvr>
-                                        <p:cTn id="83" dur="500"/>
-                                        <p:tgtEl>
-                                          <p:spTgt spid="65"/>
-                                        </p:tgtEl>
-                                      </p:cBhvr>
-                                    </p:animEffect>
-                                  </p:childTnLst>
-                                </p:cTn>
-                              </p:par>
-                              <p:par>
-                                <p:cTn id="84" presetID="10" presetClass="entr" presetSubtype="0" fill="hold" nodeType="withEffect">
-                                  <p:stCondLst>
-                                    <p:cond delay="0"/>
-                                  </p:stCondLst>
-                                  <p:childTnLst>
-                                    <p:set>
-                                      <p:cBhvr>
-                                        <p:cTn id="85" dur="1" fill="hold">
-                                          <p:stCondLst>
-                                            <p:cond delay="0"/>
-                                          </p:stCondLst>
-                                        </p:cTn>
-                                        <p:tgtEl>
-                                          <p:spTgt spid="66"/>
-                                        </p:tgtEl>
-                                        <p:attrNameLst>
-                                          <p:attrName>style.visibility</p:attrName>
-                                        </p:attrNameLst>
-                                      </p:cBhvr>
-                                      <p:to>
-                                        <p:strVal val="visible"/>
-                                      </p:to>
-                                    </p:set>
-                                    <p:animEffect transition="in" filter="fade">
-                                      <p:cBhvr>
-                                        <p:cTn id="86" dur="500"/>
-                                        <p:tgtEl>
-                                          <p:spTgt spid="66"/>
-                                        </p:tgtEl>
-                                      </p:cBhvr>
-                                    </p:animEffect>
-                                  </p:childTnLst>
-                                </p:cTn>
-                              </p:par>
-                              <p:par>
-                                <p:cTn id="87" presetID="10" presetClass="entr" presetSubtype="0" fill="hold" nodeType="withEffect">
-                                  <p:stCondLst>
-                                    <p:cond delay="0"/>
-                                  </p:stCondLst>
-                                  <p:childTnLst>
-                                    <p:set>
-                                      <p:cBhvr>
-                                        <p:cTn id="88" dur="1" fill="hold">
-                                          <p:stCondLst>
-                                            <p:cond delay="0"/>
-                                          </p:stCondLst>
-                                        </p:cTn>
-                                        <p:tgtEl>
-                                          <p:spTgt spid="70"/>
-                                        </p:tgtEl>
-                                        <p:attrNameLst>
-                                          <p:attrName>style.visibility</p:attrName>
-                                        </p:attrNameLst>
-                                      </p:cBhvr>
-                                      <p:to>
-                                        <p:strVal val="visible"/>
-                                      </p:to>
-                                    </p:set>
-                                    <p:animEffect transition="in" filter="fade">
-                                      <p:cBhvr>
-                                        <p:cTn id="89" dur="500"/>
-                                        <p:tgtEl>
-                                          <p:spTgt spid="70"/>
-                                        </p:tgtEl>
-                                      </p:cBhvr>
-                                    </p:animEffect>
-                                  </p:childTnLst>
-                                </p:cTn>
-                              </p:par>
-                              <p:par>
-                                <p:cTn id="90" presetID="10" presetClass="entr" presetSubtype="0" fill="hold" nodeType="withEffect">
-                                  <p:stCondLst>
-                                    <p:cond delay="0"/>
-                                  </p:stCondLst>
-                                  <p:childTnLst>
-                                    <p:set>
-                                      <p:cBhvr>
-                                        <p:cTn id="91" dur="1" fill="hold">
-                                          <p:stCondLst>
-                                            <p:cond delay="0"/>
-                                          </p:stCondLst>
-                                        </p:cTn>
-                                        <p:tgtEl>
-                                          <p:spTgt spid="71"/>
-                                        </p:tgtEl>
-                                        <p:attrNameLst>
-                                          <p:attrName>style.visibility</p:attrName>
-                                        </p:attrNameLst>
-                                      </p:cBhvr>
-                                      <p:to>
-                                        <p:strVal val="visible"/>
-                                      </p:to>
-                                    </p:set>
-                                    <p:animEffect transition="in" filter="fade">
-                                      <p:cBhvr>
-                                        <p:cTn id="92" dur="500"/>
-                                        <p:tgtEl>
-                                          <p:spTgt spid="71"/>
-                                        </p:tgtEl>
-                                      </p:cBhvr>
-                                    </p:animEffect>
-                                  </p:childTnLst>
-                                </p:cTn>
-                              </p:par>
-                              <p:par>
-                                <p:cTn id="93" presetID="10" presetClass="entr" presetSubtype="0" fill="hold" nodeType="withEffect">
-                                  <p:stCondLst>
-                                    <p:cond delay="0"/>
-                                  </p:stCondLst>
-                                  <p:childTnLst>
-                                    <p:set>
-                                      <p:cBhvr>
-                                        <p:cTn id="94" dur="1" fill="hold">
-                                          <p:stCondLst>
-                                            <p:cond delay="0"/>
-                                          </p:stCondLst>
-                                        </p:cTn>
-                                        <p:tgtEl>
-                                          <p:spTgt spid="72"/>
-                                        </p:tgtEl>
-                                        <p:attrNameLst>
-                                          <p:attrName>style.visibility</p:attrName>
-                                        </p:attrNameLst>
-                                      </p:cBhvr>
-                                      <p:to>
-                                        <p:strVal val="visible"/>
-                                      </p:to>
-                                    </p:set>
-                                    <p:animEffect transition="in" filter="fade">
-                                      <p:cBhvr>
-                                        <p:cTn id="95" dur="500"/>
-                                        <p:tgtEl>
-                                          <p:spTgt spid="72"/>
-                                        </p:tgtEl>
-                                      </p:cBhvr>
-                                    </p:animEffect>
-                                  </p:childTnLst>
-                                </p:cTn>
-                              </p:par>
-                              <p:par>
-                                <p:cTn id="96" presetID="10" presetClass="entr" presetSubtype="0" fill="hold" nodeType="withEffect">
-                                  <p:stCondLst>
-                                    <p:cond delay="0"/>
-                                  </p:stCondLst>
-                                  <p:childTnLst>
-                                    <p:set>
-                                      <p:cBhvr>
-                                        <p:cTn id="97" dur="1" fill="hold">
-                                          <p:stCondLst>
-                                            <p:cond delay="0"/>
-                                          </p:stCondLst>
-                                        </p:cTn>
-                                        <p:tgtEl>
-                                          <p:spTgt spid="76"/>
-                                        </p:tgtEl>
-                                        <p:attrNameLst>
-                                          <p:attrName>style.visibility</p:attrName>
-                                        </p:attrNameLst>
-                                      </p:cBhvr>
-                                      <p:to>
-                                        <p:strVal val="visible"/>
-                                      </p:to>
-                                    </p:set>
-                                    <p:animEffect transition="in" filter="fade">
-                                      <p:cBhvr>
-                                        <p:cTn id="98" dur="500"/>
-                                        <p:tgtEl>
-                                          <p:spTgt spid="76"/>
-                                        </p:tgtEl>
-                                      </p:cBhvr>
-                                    </p:animEffect>
-                                  </p:childTnLst>
-                                </p:cTn>
-                              </p:par>
-                              <p:par>
-                                <p:cTn id="99" presetID="10" presetClass="entr" presetSubtype="0" fill="hold" nodeType="withEffect">
-                                  <p:stCondLst>
-                                    <p:cond delay="0"/>
-                                  </p:stCondLst>
-                                  <p:childTnLst>
-                                    <p:set>
-                                      <p:cBhvr>
-                                        <p:cTn id="100" dur="1" fill="hold">
-                                          <p:stCondLst>
-                                            <p:cond delay="0"/>
-                                          </p:stCondLst>
-                                        </p:cTn>
-                                        <p:tgtEl>
-                                          <p:spTgt spid="77"/>
-                                        </p:tgtEl>
-                                        <p:attrNameLst>
-                                          <p:attrName>style.visibility</p:attrName>
-                                        </p:attrNameLst>
-                                      </p:cBhvr>
-                                      <p:to>
-                                        <p:strVal val="visible"/>
-                                      </p:to>
-                                    </p:set>
-                                    <p:animEffect transition="in" filter="fade">
-                                      <p:cBhvr>
-                                        <p:cTn id="101" dur="500"/>
-                                        <p:tgtEl>
-                                          <p:spTgt spid="77"/>
-                                        </p:tgtEl>
-                                      </p:cBhvr>
-                                    </p:animEffect>
-                                  </p:childTnLst>
-                                </p:cTn>
-                              </p:par>
-                              <p:par>
-                                <p:cTn id="102" presetID="10" presetClass="entr" presetSubtype="0" fill="hold" nodeType="withEffect">
-                                  <p:stCondLst>
-                                    <p:cond delay="0"/>
-                                  </p:stCondLst>
-                                  <p:childTnLst>
-                                    <p:set>
-                                      <p:cBhvr>
-                                        <p:cTn id="103" dur="1" fill="hold">
-                                          <p:stCondLst>
-                                            <p:cond delay="0"/>
-                                          </p:stCondLst>
-                                        </p:cTn>
-                                        <p:tgtEl>
-                                          <p:spTgt spid="83"/>
-                                        </p:tgtEl>
-                                        <p:attrNameLst>
-                                          <p:attrName>style.visibility</p:attrName>
-                                        </p:attrNameLst>
-                                      </p:cBhvr>
-                                      <p:to>
-                                        <p:strVal val="visible"/>
-                                      </p:to>
-                                    </p:set>
-                                    <p:animEffect transition="in" filter="fade">
-                                      <p:cBhvr>
-                                        <p:cTn id="104" dur="500"/>
-                                        <p:tgtEl>
-                                          <p:spTgt spid="83"/>
-                                        </p:tgtEl>
-                                      </p:cBhvr>
-                                    </p:animEffect>
-                                  </p:childTnLst>
-                                </p:cTn>
-                              </p:par>
-                              <p:par>
-                                <p:cTn id="105" presetID="10" presetClass="entr" presetSubtype="0" fill="hold" nodeType="withEffect">
-                                  <p:stCondLst>
-                                    <p:cond delay="0"/>
-                                  </p:stCondLst>
-                                  <p:childTnLst>
-                                    <p:set>
-                                      <p:cBhvr>
-                                        <p:cTn id="106" dur="1" fill="hold">
-                                          <p:stCondLst>
-                                            <p:cond delay="0"/>
-                                          </p:stCondLst>
-                                        </p:cTn>
-                                        <p:tgtEl>
-                                          <p:spTgt spid="117"/>
-                                        </p:tgtEl>
-                                        <p:attrNameLst>
-                                          <p:attrName>style.visibility</p:attrName>
-                                        </p:attrNameLst>
-                                      </p:cBhvr>
-                                      <p:to>
-                                        <p:strVal val="visible"/>
-                                      </p:to>
-                                    </p:set>
-                                    <p:animEffect transition="in" filter="fade">
-                                      <p:cBhvr>
-                                        <p:cTn id="107" dur="500"/>
-                                        <p:tgtEl>
-                                          <p:spTgt spid="117"/>
-                                        </p:tgtEl>
-                                      </p:cBhvr>
-                                    </p:animEffect>
-                                  </p:childTnLst>
-                                </p:cTn>
-                              </p:par>
-                              <p:par>
-                                <p:cTn id="108" presetID="10" presetClass="entr" presetSubtype="0" fill="hold" nodeType="withEffect">
-                                  <p:stCondLst>
-                                    <p:cond delay="0"/>
-                                  </p:stCondLst>
-                                  <p:childTnLst>
-                                    <p:set>
-                                      <p:cBhvr>
-                                        <p:cTn id="109" dur="1" fill="hold">
-                                          <p:stCondLst>
-                                            <p:cond delay="0"/>
-                                          </p:stCondLst>
-                                        </p:cTn>
-                                        <p:tgtEl>
-                                          <p:spTgt spid="118"/>
-                                        </p:tgtEl>
-                                        <p:attrNameLst>
-                                          <p:attrName>style.visibility</p:attrName>
-                                        </p:attrNameLst>
-                                      </p:cBhvr>
-                                      <p:to>
-                                        <p:strVal val="visible"/>
-                                      </p:to>
-                                    </p:set>
-                                    <p:animEffect transition="in" filter="fade">
-                                      <p:cBhvr>
-                                        <p:cTn id="110" dur="500"/>
-                                        <p:tgtEl>
-                                          <p:spTgt spid="118"/>
-                                        </p:tgtEl>
-                                      </p:cBhvr>
-                                    </p:animEffect>
-                                  </p:childTnLst>
-                                </p:cTn>
-                              </p:par>
-                              <p:par>
-                                <p:cTn id="111" presetID="10" presetClass="entr" presetSubtype="0" fill="hold" nodeType="withEffect">
-                                  <p:stCondLst>
-                                    <p:cond delay="0"/>
-                                  </p:stCondLst>
-                                  <p:childTnLst>
-                                    <p:set>
-                                      <p:cBhvr>
-                                        <p:cTn id="112" dur="1" fill="hold">
-                                          <p:stCondLst>
-                                            <p:cond delay="0"/>
-                                          </p:stCondLst>
-                                        </p:cTn>
-                                        <p:tgtEl>
-                                          <p:spTgt spid="119"/>
-                                        </p:tgtEl>
-                                        <p:attrNameLst>
-                                          <p:attrName>style.visibility</p:attrName>
-                                        </p:attrNameLst>
-                                      </p:cBhvr>
-                                      <p:to>
-                                        <p:strVal val="visible"/>
-                                      </p:to>
-                                    </p:set>
-                                    <p:animEffect transition="in" filter="fade">
-                                      <p:cBhvr>
-                                        <p:cTn id="113" dur="500"/>
-                                        <p:tgtEl>
-                                          <p:spTgt spid="119"/>
-                                        </p:tgtEl>
-                                      </p:cBhvr>
-                                    </p:animEffect>
-                                  </p:childTnLst>
-                                </p:cTn>
-                              </p:par>
-                            </p:childTnLst>
-                          </p:cTn>
-                        </p:par>
-                      </p:childTnLst>
-                    </p:cTn>
-                  </p:par>
-                  <p:par>
-                    <p:cTn id="114" fill="hold">
-                      <p:stCondLst>
-                        <p:cond delay="indefinite"/>
-                      </p:stCondLst>
-                      <p:childTnLst>
-                        <p:par>
-                          <p:cTn id="115" fill="hold">
-                            <p:stCondLst>
-                              <p:cond delay="0"/>
-                            </p:stCondLst>
-                            <p:childTnLst>
-                              <p:par>
-                                <p:cTn id="116" presetID="10" presetClass="entr" presetSubtype="0" fill="hold" grpId="0" nodeType="clickEffect">
-                                  <p:stCondLst>
-                                    <p:cond delay="0"/>
-                                  </p:stCondLst>
-                                  <p:childTnLst>
-                                    <p:set>
-                                      <p:cBhvr>
-                                        <p:cTn id="117" dur="1" fill="hold">
-                                          <p:stCondLst>
-                                            <p:cond delay="0"/>
-                                          </p:stCondLst>
-                                        </p:cTn>
-                                        <p:tgtEl>
-                                          <p:spTgt spid="91"/>
-                                        </p:tgtEl>
-                                        <p:attrNameLst>
-                                          <p:attrName>style.visibility</p:attrName>
-                                        </p:attrNameLst>
-                                      </p:cBhvr>
-                                      <p:to>
-                                        <p:strVal val="visible"/>
-                                      </p:to>
-                                    </p:set>
-                                    <p:animEffect transition="in" filter="fade">
-                                      <p:cBhvr>
-                                        <p:cTn id="118" dur="500"/>
-                                        <p:tgtEl>
-                                          <p:spTgt spid="91"/>
-                                        </p:tgtEl>
-                                      </p:cBhvr>
-                                    </p:animEffect>
-                                  </p:childTnLst>
-                                </p:cTn>
-                              </p:par>
-                              <p:par>
-                                <p:cTn id="119" presetID="10" presetClass="entr" presetSubtype="0" fill="hold" grpId="0" nodeType="withEffect">
-                                  <p:stCondLst>
-                                    <p:cond delay="0"/>
-                                  </p:stCondLst>
-                                  <p:childTnLst>
-                                    <p:set>
-                                      <p:cBhvr>
-                                        <p:cTn id="120" dur="1" fill="hold">
-                                          <p:stCondLst>
-                                            <p:cond delay="0"/>
-                                          </p:stCondLst>
-                                        </p:cTn>
-                                        <p:tgtEl>
-                                          <p:spTgt spid="11"/>
-                                        </p:tgtEl>
-                                        <p:attrNameLst>
-                                          <p:attrName>style.visibility</p:attrName>
-                                        </p:attrNameLst>
-                                      </p:cBhvr>
-                                      <p:to>
-                                        <p:strVal val="visible"/>
-                                      </p:to>
-                                    </p:set>
-                                    <p:animEffect transition="in" filter="fade">
-                                      <p:cBhvr>
-                                        <p:cTn id="121" dur="500"/>
-                                        <p:tgtEl>
-                                          <p:spTgt spid="11"/>
-                                        </p:tgtEl>
-                                      </p:cBhvr>
-                                    </p:animEffect>
-                                  </p:childTnLst>
-                                </p:cTn>
-                              </p:par>
-                              <p:par>
-                                <p:cTn id="122" presetID="10" presetClass="entr" presetSubtype="0" fill="hold" grpId="0" nodeType="withEffect">
-                                  <p:stCondLst>
-                                    <p:cond delay="0"/>
-                                  </p:stCondLst>
-                                  <p:childTnLst>
-                                    <p:set>
-                                      <p:cBhvr>
-                                        <p:cTn id="123" dur="1" fill="hold">
-                                          <p:stCondLst>
-                                            <p:cond delay="0"/>
-                                          </p:stCondLst>
-                                        </p:cTn>
-                                        <p:tgtEl>
-                                          <p:spTgt spid="120"/>
-                                        </p:tgtEl>
-                                        <p:attrNameLst>
-                                          <p:attrName>style.visibility</p:attrName>
-                                        </p:attrNameLst>
-                                      </p:cBhvr>
-                                      <p:to>
-                                        <p:strVal val="visible"/>
-                                      </p:to>
-                                    </p:set>
-                                    <p:animEffect transition="in" filter="fade">
-                                      <p:cBhvr>
-                                        <p:cTn id="124" dur="500"/>
-                                        <p:tgtEl>
-                                          <p:spTgt spid="120"/>
-                                        </p:tgtEl>
-                                      </p:cBhvr>
-                                    </p:animEffect>
-                                  </p:childTnLst>
-                                </p:cTn>
-                              </p:par>
-                              <p:par>
-                                <p:cTn id="125" presetID="10" presetClass="entr" presetSubtype="0" fill="hold" nodeType="withEffect">
-                                  <p:stCondLst>
-                                    <p:cond delay="0"/>
-                                  </p:stCondLst>
-                                  <p:childTnLst>
-                                    <p:set>
-                                      <p:cBhvr>
-                                        <p:cTn id="126" dur="1" fill="hold">
-                                          <p:stCondLst>
-                                            <p:cond delay="0"/>
-                                          </p:stCondLst>
-                                        </p:cTn>
-                                        <p:tgtEl>
-                                          <p:spTgt spid="121"/>
-                                        </p:tgtEl>
-                                        <p:attrNameLst>
-                                          <p:attrName>style.visibility</p:attrName>
-                                        </p:attrNameLst>
-                                      </p:cBhvr>
-                                      <p:to>
-                                        <p:strVal val="visible"/>
-                                      </p:to>
-                                    </p:set>
-                                    <p:animEffect transition="in" filter="fade">
-                                      <p:cBhvr>
-                                        <p:cTn id="127" dur="500"/>
-                                        <p:tgtEl>
-                                          <p:spTgt spid="121"/>
-                                        </p:tgtEl>
-                                      </p:cBhvr>
-                                    </p:animEffect>
-                                  </p:childTnLst>
-                                </p:cTn>
-                              </p:par>
-                            </p:childTnLst>
-                          </p:cTn>
-                        </p:par>
-                      </p:childTnLst>
-                    </p:cTn>
-                  </p:par>
-                  <p:par>
-                    <p:cTn id="128" fill="hold">
-                      <p:stCondLst>
-                        <p:cond delay="indefinite"/>
-                      </p:stCondLst>
-                      <p:childTnLst>
-                        <p:par>
-                          <p:cTn id="129" fill="hold">
-                            <p:stCondLst>
-                              <p:cond delay="0"/>
-                            </p:stCondLst>
-                            <p:childTnLst>
-                              <p:par>
-                                <p:cTn id="130" presetID="10" presetClass="entr" presetSubtype="0" fill="hold" nodeType="clickEffect">
-                                  <p:stCondLst>
-                                    <p:cond delay="0"/>
-                                  </p:stCondLst>
-                                  <p:childTnLst>
-                                    <p:set>
-                                      <p:cBhvr>
-                                        <p:cTn id="131" dur="1" fill="hold">
-                                          <p:stCondLst>
-                                            <p:cond delay="0"/>
-                                          </p:stCondLst>
-                                        </p:cTn>
-                                        <p:tgtEl>
-                                          <p:spTgt spid="97"/>
-                                        </p:tgtEl>
-                                        <p:attrNameLst>
-                                          <p:attrName>style.visibility</p:attrName>
-                                        </p:attrNameLst>
-                                      </p:cBhvr>
-                                      <p:to>
-                                        <p:strVal val="visible"/>
-                                      </p:to>
-                                    </p:set>
-                                    <p:animEffect transition="in" filter="fade">
-                                      <p:cBhvr>
-                                        <p:cTn id="132" dur="500"/>
-                                        <p:tgtEl>
-                                          <p:spTgt spid="97"/>
-                                        </p:tgtEl>
-                                      </p:cBhvr>
-                                    </p:animEffect>
-                                  </p:childTnLst>
-                                </p:cTn>
-                              </p:par>
-                              <p:par>
-                                <p:cTn id="133" presetID="10" presetClass="entr" presetSubtype="0" fill="hold" nodeType="withEffect">
-                                  <p:stCondLst>
-                                    <p:cond delay="0"/>
-                                  </p:stCondLst>
-                                  <p:childTnLst>
-                                    <p:set>
-                                      <p:cBhvr>
-                                        <p:cTn id="134" dur="1" fill="hold">
-                                          <p:stCondLst>
-                                            <p:cond delay="0"/>
-                                          </p:stCondLst>
-                                        </p:cTn>
-                                        <p:tgtEl>
-                                          <p:spTgt spid="96"/>
-                                        </p:tgtEl>
-                                        <p:attrNameLst>
-                                          <p:attrName>style.visibility</p:attrName>
-                                        </p:attrNameLst>
-                                      </p:cBhvr>
-                                      <p:to>
-                                        <p:strVal val="visible"/>
-                                      </p:to>
-                                    </p:set>
-                                    <p:animEffect transition="in" filter="fade">
-                                      <p:cBhvr>
-                                        <p:cTn id="135" dur="500"/>
-                                        <p:tgtEl>
-                                          <p:spTgt spid="96"/>
-                                        </p:tgtEl>
-                                      </p:cBhvr>
-                                    </p:animEffect>
-                                  </p:childTnLst>
-                                </p:cTn>
-                              </p:par>
-                              <p:par>
-                                <p:cTn id="136" presetID="10" presetClass="entr" presetSubtype="0" fill="hold" nodeType="withEffect">
-                                  <p:stCondLst>
-                                    <p:cond delay="0"/>
-                                  </p:stCondLst>
-                                  <p:childTnLst>
-                                    <p:set>
-                                      <p:cBhvr>
-                                        <p:cTn id="137" dur="1" fill="hold">
-                                          <p:stCondLst>
-                                            <p:cond delay="0"/>
-                                          </p:stCondLst>
-                                        </p:cTn>
-                                        <p:tgtEl>
-                                          <p:spTgt spid="101"/>
-                                        </p:tgtEl>
-                                        <p:attrNameLst>
-                                          <p:attrName>style.visibility</p:attrName>
-                                        </p:attrNameLst>
-                                      </p:cBhvr>
-                                      <p:to>
-                                        <p:strVal val="visible"/>
-                                      </p:to>
-                                    </p:set>
-                                    <p:animEffect transition="in" filter="fade">
-                                      <p:cBhvr>
-                                        <p:cTn id="138" dur="500"/>
-                                        <p:tgtEl>
-                                          <p:spTgt spid="101"/>
-                                        </p:tgtEl>
-                                      </p:cBhvr>
-                                    </p:animEffect>
-                                  </p:childTnLst>
-                                </p:cTn>
-                              </p:par>
-                              <p:par>
-                                <p:cTn id="139" presetID="10" presetClass="entr" presetSubtype="0" fill="hold" nodeType="withEffect">
-                                  <p:stCondLst>
-                                    <p:cond delay="0"/>
-                                  </p:stCondLst>
-                                  <p:childTnLst>
-                                    <p:set>
-                                      <p:cBhvr>
-                                        <p:cTn id="140" dur="1" fill="hold">
-                                          <p:stCondLst>
-                                            <p:cond delay="0"/>
-                                          </p:stCondLst>
-                                        </p:cTn>
-                                        <p:tgtEl>
-                                          <p:spTgt spid="99"/>
-                                        </p:tgtEl>
-                                        <p:attrNameLst>
-                                          <p:attrName>style.visibility</p:attrName>
-                                        </p:attrNameLst>
-                                      </p:cBhvr>
-                                      <p:to>
-                                        <p:strVal val="visible"/>
-                                      </p:to>
-                                    </p:set>
-                                    <p:animEffect transition="in" filter="fade">
-                                      <p:cBhvr>
-                                        <p:cTn id="141" dur="500"/>
-                                        <p:tgtEl>
-                                          <p:spTgt spid="99"/>
-                                        </p:tgtEl>
-                                      </p:cBhvr>
-                                    </p:animEffect>
-                                  </p:childTnLst>
-                                </p:cTn>
-                              </p:par>
-                              <p:par>
-                                <p:cTn id="142" presetID="10" presetClass="entr" presetSubtype="0" fill="hold" grpId="0" nodeType="withEffect">
-                                  <p:stCondLst>
-                                    <p:cond delay="0"/>
-                                  </p:stCondLst>
-                                  <p:childTnLst>
-                                    <p:set>
-                                      <p:cBhvr>
-                                        <p:cTn id="143" dur="1" fill="hold">
-                                          <p:stCondLst>
-                                            <p:cond delay="0"/>
-                                          </p:stCondLst>
-                                        </p:cTn>
-                                        <p:tgtEl>
-                                          <p:spTgt spid="94"/>
-                                        </p:tgtEl>
-                                        <p:attrNameLst>
-                                          <p:attrName>style.visibility</p:attrName>
-                                        </p:attrNameLst>
-                                      </p:cBhvr>
-                                      <p:to>
-                                        <p:strVal val="visible"/>
-                                      </p:to>
-                                    </p:set>
-                                    <p:animEffect transition="in" filter="fade">
-                                      <p:cBhvr>
-                                        <p:cTn id="144" dur="500"/>
-                                        <p:tgtEl>
-                                          <p:spTgt spid="94"/>
-                                        </p:tgtEl>
-                                      </p:cBhvr>
-                                    </p:animEffect>
-                                  </p:childTnLst>
-                                </p:cTn>
-                              </p:par>
-                              <p:par>
-                                <p:cTn id="145" presetID="10" presetClass="entr" presetSubtype="0" fill="hold" nodeType="withEffect">
-                                  <p:stCondLst>
-                                    <p:cond delay="0"/>
-                                  </p:stCondLst>
-                                  <p:childTnLst>
-                                    <p:set>
-                                      <p:cBhvr>
-                                        <p:cTn id="146" dur="1" fill="hold">
-                                          <p:stCondLst>
-                                            <p:cond delay="0"/>
-                                          </p:stCondLst>
-                                        </p:cTn>
-                                        <p:tgtEl>
-                                          <p:spTgt spid="105"/>
-                                        </p:tgtEl>
-                                        <p:attrNameLst>
-                                          <p:attrName>style.visibility</p:attrName>
-                                        </p:attrNameLst>
-                                      </p:cBhvr>
-                                      <p:to>
-                                        <p:strVal val="visible"/>
-                                      </p:to>
-                                    </p:set>
-                                    <p:animEffect transition="in" filter="fade">
-                                      <p:cBhvr>
-                                        <p:cTn id="147" dur="500"/>
-                                        <p:tgtEl>
-                                          <p:spTgt spid="105"/>
-                                        </p:tgtEl>
-                                      </p:cBhvr>
-                                    </p:animEffect>
-                                  </p:childTnLst>
-                                </p:cTn>
-                              </p:par>
-                            </p:childTnLst>
-                          </p:cTn>
-                        </p:par>
-                      </p:childTnLst>
-                    </p:cTn>
-                  </p:par>
-                </p:childTnLst>
-              </p:cTn>
-              <p:prevCondLst>
-                <p:cond evt="onPrev" delay="0">
-                  <p:tgtEl>
-                    <p:sldTgt/>
-                  </p:tgtEl>
-                </p:cond>
-              </p:prevCondLst>
-              <p:nextCondLst>
-                <p:cond evt="onNext" delay="0">
-                  <p:tgtEl>
-                    <p:sldTgt/>
-                  </p:tgtEl>
-                </p:cond>
-              </p:nextCondLst>
-            </p:seq>
-          </p:childTnLst>
-        </p:cTn>
-      </p:par>
-    </p:tnLst>
-    <p:bldLst>
-      <p:bldP spid="91" grpId="0" animBg="1"/>
-      <p:bldP spid="89" grpId="0" animBg="1"/>
-      <p:bldP spid="5" grpId="0" animBg="1"/>
-      <p:bldP spid="6" grpId="0" animBg="1"/>
-      <p:bldP spid="8" grpId="0" animBg="1"/>
-      <p:bldP spid="11" grpId="0" animBg="1"/>
-      <p:bldP spid="13" grpId="0" animBg="1"/>
-      <p:bldP spid="63" grpId="0" animBg="1"/>
-      <p:bldP spid="64" grpId="0" animBg="1"/>
-      <p:bldP spid="65" grpId="0" animBg="1"/>
-      <p:bldP spid="94" grpId="0" animBg="1"/>
-      <p:bldP spid="116" grpId="0" animBg="1"/>
-      <p:bldP spid="120" grpId="0" animBg="1"/>
-      <p:bldP spid="88" grpId="0"/>
-    </p:bldLst>
-  </p:timing>
-</p:sld>
-</file>
-
-<file path=ppt/slides/slide4.xml><?xml version="1.0" encoding="utf-8"?>
-<p:sld xmlns:a="http://schemas.openxmlformats.org/drawingml/2006/main" xmlns:r="http://schemas.openxmlformats.org/officeDocument/2006/relationships" xmlns:p="http://schemas.openxmlformats.org/presentationml/2006/main">
-  <p:cSld>
-    <p:spTree>
-      <p:nvGrpSpPr>
-        <p:cNvPr id="1" name=""/>
-        <p:cNvGrpSpPr/>
-        <p:nvPr/>
-      </p:nvGrpSpPr>
-      <p:grpSpPr>
-        <a:xfrm>
-          <a:off x="0" y="0"/>
-          <a:ext cx="0" cy="0"/>
-          <a:chOff x="0" y="0"/>
-          <a:chExt cx="0" cy="0"/>
-        </a:xfrm>
-      </p:grpSpPr>
-      <p:sp>
-        <p:nvSpPr>
-          <p:cNvPr id="89" name="Rectangle 88"/>
-          <p:cNvSpPr/>
-          <p:nvPr/>
-        </p:nvSpPr>
-        <p:spPr>
-          <a:xfrm>
-            <a:off x="3365061" y="1888895"/>
-            <a:ext cx="4962274" cy="1544287"/>
-          </a:xfrm>
-          <a:prstGeom prst="rect">
-            <a:avLst/>
-          </a:prstGeom>
-          <a:solidFill>
-            <a:schemeClr val="accent1">
-              <a:lumMod val="20000"/>
-              <a:lumOff val="80000"/>
-            </a:schemeClr>
-          </a:solidFill>
-          <a:ln>
-            <a:noFill/>
-          </a:ln>
-          <a:effectLst/>
-        </p:spPr>
-        <p:style>
-          <a:lnRef idx="2">
-            <a:schemeClr val="accent1">
-              <a:shade val="50000"/>
-            </a:schemeClr>
-          </a:lnRef>
-          <a:fillRef idx="1">
-            <a:schemeClr val="accent1"/>
-          </a:fillRef>
-          <a:effectRef idx="0">
-            <a:schemeClr val="accent1"/>
-          </a:effectRef>
-          <a:fontRef idx="minor">
-            <a:schemeClr val="lt1"/>
-          </a:fontRef>
-        </p:style>
-        <p:txBody>
-          <a:bodyPr rtlCol="0" anchor="ctr"/>
-          <a:lstStyle/>
-          <a:p>
-            <a:pPr algn="ctr"/>
-            <a:endParaRPr lang="en-US"/>
-          </a:p>
-        </p:txBody>
-      </p:sp>
-      <p:sp>
-        <p:nvSpPr>
-          <p:cNvPr id="85" name="Rectangle 84"/>
-          <p:cNvSpPr/>
-          <p:nvPr/>
-        </p:nvSpPr>
-        <p:spPr>
-          <a:xfrm>
-            <a:off x="3369420" y="3660278"/>
-            <a:ext cx="4954391" cy="1616097"/>
-          </a:xfrm>
-          <a:prstGeom prst="rect">
-            <a:avLst/>
-          </a:prstGeom>
-          <a:solidFill>
-            <a:schemeClr val="accent1">
-              <a:lumMod val="20000"/>
-              <a:lumOff val="80000"/>
-            </a:schemeClr>
-          </a:solidFill>
-          <a:ln>
-            <a:noFill/>
-          </a:ln>
-          <a:effectLst/>
-        </p:spPr>
-        <p:style>
-          <a:lnRef idx="2">
-            <a:schemeClr val="accent1">
-              <a:shade val="50000"/>
-            </a:schemeClr>
-          </a:lnRef>
-          <a:fillRef idx="1">
-            <a:schemeClr val="accent1"/>
-          </a:fillRef>
-          <a:effectRef idx="0">
-            <a:schemeClr val="accent1"/>
-          </a:effectRef>
-          <a:fontRef idx="minor">
-            <a:schemeClr val="lt1"/>
-          </a:fontRef>
-        </p:style>
-        <p:txBody>
-          <a:bodyPr rtlCol="0" anchor="ctr"/>
-          <a:lstStyle/>
-          <a:p>
-            <a:pPr algn="ctr"/>
-            <a:endParaRPr lang="en-US"/>
-          </a:p>
-        </p:txBody>
-      </p:sp>
-      <p:sp>
-        <p:nvSpPr>
-          <p:cNvPr id="4" name="Rectangle 3"/>
-          <p:cNvSpPr/>
-          <p:nvPr/>
-        </p:nvSpPr>
-        <p:spPr>
-          <a:xfrm>
-            <a:off x="1761151" y="3880239"/>
-            <a:ext cx="347194" cy="887767"/>
-          </a:xfrm>
-          <a:prstGeom prst="rect">
-            <a:avLst/>
-          </a:prstGeom>
-          <a:solidFill>
-            <a:srgbClr val="0070C0"/>
-          </a:solidFill>
-          <a:ln>
-            <a:solidFill>
-              <a:srgbClr val="0070C0"/>
-            </a:solidFill>
-          </a:ln>
-        </p:spPr>
-        <p:style>
-          <a:lnRef idx="2">
-            <a:schemeClr val="accent1">
-              <a:shade val="50000"/>
-            </a:schemeClr>
-          </a:lnRef>
-          <a:fillRef idx="1">
-            <a:schemeClr val="accent1"/>
-          </a:fillRef>
-          <a:effectRef idx="0">
-            <a:schemeClr val="accent1"/>
-          </a:effectRef>
-          <a:fontRef idx="minor">
-            <a:schemeClr val="lt1"/>
-          </a:fontRef>
-        </p:style>
-        <p:txBody>
-          <a:bodyPr vert="vert270" rtlCol="0" anchor="ctr"/>
-          <a:lstStyle/>
-          <a:p>
-            <a:pPr algn="ctr"/>
-            <a:r>
-              <a:rPr lang="en-US" sz="1200" dirty="0" smtClean="0"/>
-              <a:t>Parser</a:t>
-            </a:r>
-            <a:endParaRPr lang="en-US" sz="1200" dirty="0"/>
-          </a:p>
-        </p:txBody>
-      </p:sp>
-      <p:sp>
-        <p:nvSpPr>
-          <p:cNvPr id="5" name="Rectangle 4"/>
-          <p:cNvSpPr/>
-          <p:nvPr/>
-        </p:nvSpPr>
-        <p:spPr>
-          <a:xfrm rot="5400000">
-            <a:off x="3669863" y="4475593"/>
-            <a:ext cx="572280" cy="908807"/>
-          </a:xfrm>
-          <a:prstGeom prst="rect">
-            <a:avLst/>
-          </a:prstGeom>
-          <a:solidFill>
-            <a:srgbClr val="0070C0"/>
-          </a:solidFill>
-          <a:ln>
-            <a:solidFill>
-              <a:srgbClr val="0070C0"/>
-            </a:solidFill>
-          </a:ln>
-        </p:spPr>
-        <p:style>
-          <a:lnRef idx="2">
-            <a:schemeClr val="accent1">
-              <a:shade val="50000"/>
-            </a:schemeClr>
-          </a:lnRef>
-          <a:fillRef idx="1">
-            <a:schemeClr val="accent1"/>
-          </a:fillRef>
-          <a:effectRef idx="0">
-            <a:schemeClr val="accent1"/>
-          </a:effectRef>
-          <a:fontRef idx="minor">
-            <a:schemeClr val="lt1"/>
-          </a:fontRef>
-        </p:style>
-        <p:txBody>
-          <a:bodyPr vert="vert270" rtlCol="0" anchor="ctr"/>
-          <a:lstStyle/>
-          <a:p>
-            <a:pPr algn="ctr"/>
-            <a:r>
-              <a:rPr lang="en-US" sz="1200" dirty="0" err="1" smtClean="0"/>
-              <a:t>Git</a:t>
-            </a:r>
-            <a:r>
-              <a:rPr lang="en-US" sz="1200" dirty="0" smtClean="0"/>
-              <a:t/>
-            </a:r>
-            <a:br>
-              <a:rPr lang="en-US" sz="1200" dirty="0" smtClean="0"/>
-            </a:br>
-            <a:r>
-              <a:rPr lang="en-US" sz="1200" dirty="0" smtClean="0"/>
-              <a:t>Downloader</a:t>
-            </a:r>
-            <a:endParaRPr lang="en-US" sz="1200" dirty="0"/>
-          </a:p>
-        </p:txBody>
-      </p:sp>
-      <p:sp>
-        <p:nvSpPr>
-          <p:cNvPr id="6" name="Rectangle 5"/>
-          <p:cNvSpPr/>
-          <p:nvPr/>
-        </p:nvSpPr>
-        <p:spPr>
-          <a:xfrm>
-            <a:off x="4983947" y="3812192"/>
-            <a:ext cx="415242" cy="887767"/>
-          </a:xfrm>
-          <a:prstGeom prst="rect">
-            <a:avLst/>
-          </a:prstGeom>
-          <a:solidFill>
-            <a:srgbClr val="0070C0"/>
-          </a:solidFill>
-          <a:ln>
-            <a:solidFill>
-              <a:srgbClr val="0070C0"/>
-            </a:solidFill>
-          </a:ln>
-        </p:spPr>
-        <p:style>
-          <a:lnRef idx="2">
-            <a:schemeClr val="accent1">
-              <a:shade val="50000"/>
-            </a:schemeClr>
-          </a:lnRef>
-          <a:fillRef idx="1">
-            <a:schemeClr val="accent1"/>
-          </a:fillRef>
-          <a:effectRef idx="0">
-            <a:schemeClr val="accent1"/>
-          </a:effectRef>
-          <a:fontRef idx="minor">
-            <a:schemeClr val="lt1"/>
-          </a:fontRef>
-        </p:style>
-        <p:txBody>
-          <a:bodyPr vert="vert270" rtlCol="0" anchor="ctr"/>
-          <a:lstStyle/>
-          <a:p>
-            <a:pPr algn="ctr"/>
-            <a:r>
-              <a:rPr lang="en-US" sz="1200" dirty="0" err="1" smtClean="0"/>
-              <a:t>CommitInfo</a:t>
-            </a:r>
-            <a:r>
-              <a:rPr lang="en-US" sz="1200" dirty="0" smtClean="0"/>
-              <a:t/>
-            </a:r>
-            <a:br>
-              <a:rPr lang="en-US" sz="1200" dirty="0" smtClean="0"/>
-            </a:br>
-            <a:r>
-              <a:rPr lang="en-US" sz="1200" dirty="0" smtClean="0"/>
-              <a:t>Extractor</a:t>
-            </a:r>
-            <a:endParaRPr lang="en-US" sz="1200" dirty="0"/>
-          </a:p>
-        </p:txBody>
-      </p:sp>
-      <p:sp>
-        <p:nvSpPr>
-          <p:cNvPr id="8" name="Rectangle 7"/>
-          <p:cNvSpPr/>
-          <p:nvPr/>
-        </p:nvSpPr>
-        <p:spPr>
-          <a:xfrm>
-            <a:off x="6286539" y="3807013"/>
-            <a:ext cx="469054" cy="887767"/>
-          </a:xfrm>
-          <a:prstGeom prst="rect">
-            <a:avLst/>
-          </a:prstGeom>
-          <a:solidFill>
-            <a:srgbClr val="0070C0"/>
-          </a:solidFill>
-          <a:ln>
-            <a:solidFill>
-              <a:srgbClr val="0070C0"/>
-            </a:solidFill>
-          </a:ln>
-        </p:spPr>
-        <p:style>
-          <a:lnRef idx="2">
-            <a:schemeClr val="accent1">
-              <a:shade val="50000"/>
-            </a:schemeClr>
-          </a:lnRef>
-          <a:fillRef idx="1">
-            <a:schemeClr val="accent1"/>
-          </a:fillRef>
-          <a:effectRef idx="0">
-            <a:schemeClr val="accent1"/>
-          </a:effectRef>
-          <a:fontRef idx="minor">
-            <a:schemeClr val="lt1"/>
-          </a:fontRef>
-        </p:style>
-        <p:txBody>
-          <a:bodyPr vert="vert270" rtlCol="0" anchor="ctr"/>
-          <a:lstStyle/>
-          <a:p>
-            <a:pPr algn="ctr"/>
-            <a:r>
-              <a:rPr lang="en-US" sz="1200" dirty="0" err="1" smtClean="0"/>
-              <a:t>CommitInfo</a:t>
-            </a:r>
-            <a:r>
-              <a:rPr lang="en-US" sz="1200" dirty="0" smtClean="0"/>
-              <a:t/>
-            </a:r>
-            <a:br>
-              <a:rPr lang="en-US" sz="1200" dirty="0" smtClean="0"/>
-            </a:br>
-            <a:r>
-              <a:rPr lang="en-US" sz="1200" dirty="0" smtClean="0"/>
-              <a:t>Analyzer</a:t>
-            </a:r>
-            <a:endParaRPr lang="en-US" sz="1200" dirty="0"/>
-          </a:p>
-        </p:txBody>
-      </p:sp>
-      <p:sp>
-        <p:nvSpPr>
-          <p:cNvPr id="13" name="Rectangle 12"/>
-          <p:cNvSpPr/>
-          <p:nvPr/>
-        </p:nvSpPr>
-        <p:spPr>
-          <a:xfrm>
-            <a:off x="7620704" y="3718976"/>
-            <a:ext cx="419101" cy="1074198"/>
-          </a:xfrm>
-          <a:prstGeom prst="rect">
-            <a:avLst/>
-          </a:prstGeom>
-          <a:solidFill>
-            <a:srgbClr val="0070C0"/>
-          </a:solidFill>
-          <a:ln>
-            <a:solidFill>
-              <a:srgbClr val="0070C0"/>
-            </a:solidFill>
-          </a:ln>
-        </p:spPr>
-        <p:style>
-          <a:lnRef idx="2">
-            <a:schemeClr val="accent1">
-              <a:shade val="50000"/>
-            </a:schemeClr>
-          </a:lnRef>
-          <a:fillRef idx="1">
-            <a:schemeClr val="accent1"/>
-          </a:fillRef>
-          <a:effectRef idx="0">
-            <a:schemeClr val="accent1"/>
-          </a:effectRef>
-          <a:fontRef idx="minor">
-            <a:schemeClr val="lt1"/>
-          </a:fontRef>
-        </p:style>
-        <p:txBody>
-          <a:bodyPr vert="vert270" rtlCol="0" anchor="ctr"/>
-          <a:lstStyle/>
-          <a:p>
-            <a:pPr algn="ctr"/>
-            <a:r>
-              <a:rPr lang="en-US" sz="1200" dirty="0" err="1" smtClean="0"/>
-              <a:t>CommitResult</a:t>
-            </a:r>
-            <a:r>
-              <a:rPr lang="en-US" sz="1200" dirty="0" smtClean="0"/>
-              <a:t/>
-            </a:r>
-            <a:br>
-              <a:rPr lang="en-US" sz="1200" dirty="0" smtClean="0"/>
-            </a:br>
-            <a:r>
-              <a:rPr lang="en-US" sz="1200" dirty="0" smtClean="0"/>
-              <a:t>Aggregator</a:t>
-            </a:r>
-            <a:endParaRPr lang="en-US" sz="1200" dirty="0"/>
-          </a:p>
-        </p:txBody>
-      </p:sp>
-      <p:grpSp>
-        <p:nvGrpSpPr>
-          <p:cNvPr id="17" name="Group 16"/>
-          <p:cNvGrpSpPr/>
-          <p:nvPr/>
-        </p:nvGrpSpPr>
-        <p:grpSpPr>
-          <a:xfrm rot="16200000">
-            <a:off x="10276097" y="3603088"/>
-            <a:ext cx="1293579" cy="520920"/>
-            <a:chOff x="10602896" y="2374776"/>
-            <a:chExt cx="1097872" cy="630313"/>
-          </a:xfrm>
-          <a:solidFill>
-            <a:srgbClr val="7030A0"/>
-          </a:solidFill>
-        </p:grpSpPr>
-        <p:sp>
-          <p:nvSpPr>
-            <p:cNvPr id="16" name="Folded Corner 15"/>
-            <p:cNvSpPr/>
-            <p:nvPr/>
-          </p:nvSpPr>
-          <p:spPr>
-            <a:xfrm>
-              <a:off x="10602896" y="2374776"/>
-              <a:ext cx="1012054" cy="537099"/>
-            </a:xfrm>
-            <a:prstGeom prst="foldedCorner">
-              <a:avLst/>
-            </a:prstGeom>
-            <a:grpFill/>
-            <a:ln>
-              <a:solidFill>
-                <a:schemeClr val="bg1"/>
-              </a:solidFill>
-            </a:ln>
-          </p:spPr>
-          <p:style>
-            <a:lnRef idx="2">
-              <a:schemeClr val="accent1">
-                <a:shade val="50000"/>
-              </a:schemeClr>
-            </a:lnRef>
-            <a:fillRef idx="1">
-              <a:schemeClr val="accent1"/>
-            </a:fillRef>
-            <a:effectRef idx="0">
-              <a:schemeClr val="accent1"/>
-            </a:effectRef>
-            <a:fontRef idx="minor">
-              <a:schemeClr val="lt1"/>
-            </a:fontRef>
-          </p:style>
-          <p:txBody>
-            <a:bodyPr rtlCol="0" anchor="ctr"/>
-            <a:lstStyle/>
-            <a:p>
-              <a:pPr algn="ctr"/>
-              <a:endParaRPr lang="en-US" sz="1200" dirty="0"/>
-            </a:p>
-          </p:txBody>
-        </p:sp>
-        <p:sp>
-          <p:nvSpPr>
-            <p:cNvPr id="15" name="Folded Corner 14"/>
-            <p:cNvSpPr/>
-            <p:nvPr/>
-          </p:nvSpPr>
-          <p:spPr>
-            <a:xfrm>
-              <a:off x="10645804" y="2416205"/>
-              <a:ext cx="1012054" cy="537099"/>
-            </a:xfrm>
-            <a:prstGeom prst="foldedCorner">
-              <a:avLst/>
-            </a:prstGeom>
-            <a:grpFill/>
-            <a:ln>
-              <a:solidFill>
-                <a:schemeClr val="bg1"/>
-              </a:solidFill>
-            </a:ln>
-          </p:spPr>
-          <p:style>
-            <a:lnRef idx="2">
-              <a:schemeClr val="accent1">
-                <a:shade val="50000"/>
-              </a:schemeClr>
-            </a:lnRef>
-            <a:fillRef idx="1">
-              <a:schemeClr val="accent1"/>
-            </a:fillRef>
-            <a:effectRef idx="0">
-              <a:schemeClr val="accent1"/>
-            </a:effectRef>
-            <a:fontRef idx="minor">
-              <a:schemeClr val="lt1"/>
-            </a:fontRef>
-          </p:style>
-          <p:txBody>
-            <a:bodyPr rtlCol="0" anchor="ctr"/>
-            <a:lstStyle/>
-            <a:p>
-              <a:pPr algn="ctr"/>
-              <a:endParaRPr lang="en-US" sz="1200" dirty="0"/>
-            </a:p>
-          </p:txBody>
-        </p:sp>
-        <p:sp>
-          <p:nvSpPr>
-            <p:cNvPr id="14" name="Folded Corner 13"/>
-            <p:cNvSpPr/>
-            <p:nvPr/>
-          </p:nvSpPr>
-          <p:spPr>
-            <a:xfrm>
-              <a:off x="10688714" y="2467989"/>
-              <a:ext cx="1012054" cy="537100"/>
-            </a:xfrm>
-            <a:prstGeom prst="foldedCorner">
-              <a:avLst/>
-            </a:prstGeom>
-            <a:grpFill/>
-            <a:ln>
-              <a:solidFill>
-                <a:schemeClr val="bg1"/>
-              </a:solidFill>
-            </a:ln>
-          </p:spPr>
-          <p:style>
-            <a:lnRef idx="2">
-              <a:schemeClr val="accent1">
-                <a:shade val="50000"/>
-              </a:schemeClr>
-            </a:lnRef>
-            <a:fillRef idx="1">
-              <a:schemeClr val="accent1"/>
-            </a:fillRef>
-            <a:effectRef idx="0">
-              <a:schemeClr val="accent1"/>
-            </a:effectRef>
-            <a:fontRef idx="minor">
-              <a:schemeClr val="lt1"/>
-            </a:fontRef>
-          </p:style>
-          <p:txBody>
-            <a:bodyPr rtlCol="0" anchor="ctr"/>
-            <a:lstStyle/>
-            <a:p>
-              <a:pPr algn="ctr"/>
-              <a:r>
-                <a:rPr lang="en-US" sz="1200" dirty="0" smtClean="0"/>
-                <a:t>Dashboard</a:t>
-              </a:r>
-              <a:br>
-                <a:rPr lang="en-US" sz="1200" dirty="0" smtClean="0"/>
-              </a:br>
-              <a:r>
-                <a:rPr lang="en-US" sz="1200" dirty="0" smtClean="0"/>
-                <a:t>(HTML, CSS, JS)</a:t>
-              </a:r>
-              <a:endParaRPr lang="en-US" sz="1200" dirty="0"/>
-            </a:p>
-          </p:txBody>
-        </p:sp>
-      </p:grpSp>
-      <p:grpSp>
-        <p:nvGrpSpPr>
-          <p:cNvPr id="2" name="Group 1"/>
-          <p:cNvGrpSpPr/>
-          <p:nvPr/>
-        </p:nvGrpSpPr>
-        <p:grpSpPr>
-          <a:xfrm>
-            <a:off x="429213" y="3639615"/>
-            <a:ext cx="854325" cy="524216"/>
-            <a:chOff x="373386" y="2479894"/>
-            <a:chExt cx="854325" cy="524216"/>
-          </a:xfrm>
-        </p:grpSpPr>
-        <p:sp>
-          <p:nvSpPr>
-            <p:cNvPr id="87" name="Folded Corner 86"/>
-            <p:cNvSpPr/>
-            <p:nvPr/>
-          </p:nvSpPr>
-          <p:spPr>
-            <a:xfrm>
-              <a:off x="373386" y="2479894"/>
-              <a:ext cx="764261" cy="443884"/>
-            </a:xfrm>
-            <a:prstGeom prst="foldedCorner">
-              <a:avLst/>
-            </a:prstGeom>
-            <a:solidFill>
-              <a:srgbClr val="7030A0"/>
-            </a:solidFill>
-            <a:ln>
-              <a:solidFill>
-                <a:schemeClr val="bg1"/>
-              </a:solidFill>
-            </a:ln>
-          </p:spPr>
-          <p:style>
-            <a:lnRef idx="2">
-              <a:schemeClr val="accent1">
-                <a:shade val="50000"/>
-              </a:schemeClr>
-            </a:lnRef>
-            <a:fillRef idx="1">
-              <a:schemeClr val="accent1"/>
-            </a:fillRef>
-            <a:effectRef idx="0">
-              <a:schemeClr val="accent1"/>
-            </a:effectRef>
-            <a:fontRef idx="minor">
-              <a:schemeClr val="lt1"/>
-            </a:fontRef>
-          </p:style>
-          <p:txBody>
-            <a:bodyPr lIns="0" tIns="0" rIns="0" bIns="0" rtlCol="0" anchor="ctr"/>
-            <a:lstStyle/>
-            <a:p>
-              <a:pPr algn="ctr"/>
-              <a:endParaRPr lang="en-US" sz="1200" dirty="0"/>
-            </a:p>
-          </p:txBody>
-        </p:sp>
-        <p:sp>
-          <p:nvSpPr>
-            <p:cNvPr id="86" name="Folded Corner 85"/>
-            <p:cNvSpPr/>
-            <p:nvPr/>
-          </p:nvSpPr>
-          <p:spPr>
-            <a:xfrm>
-              <a:off x="418049" y="2512552"/>
-              <a:ext cx="764261" cy="443884"/>
-            </a:xfrm>
-            <a:prstGeom prst="foldedCorner">
-              <a:avLst/>
-            </a:prstGeom>
-            <a:solidFill>
-              <a:srgbClr val="7030A0"/>
-            </a:solidFill>
-            <a:ln>
-              <a:solidFill>
-                <a:schemeClr val="bg1"/>
-              </a:solidFill>
-            </a:ln>
-          </p:spPr>
-          <p:style>
-            <a:lnRef idx="2">
-              <a:schemeClr val="accent1">
-                <a:shade val="50000"/>
-              </a:schemeClr>
-            </a:lnRef>
-            <a:fillRef idx="1">
-              <a:schemeClr val="accent1"/>
-            </a:fillRef>
-            <a:effectRef idx="0">
-              <a:schemeClr val="accent1"/>
-            </a:effectRef>
-            <a:fontRef idx="minor">
-              <a:schemeClr val="lt1"/>
-            </a:fontRef>
-          </p:style>
-          <p:txBody>
-            <a:bodyPr lIns="0" tIns="0" rIns="0" bIns="0" rtlCol="0" anchor="ctr"/>
-            <a:lstStyle/>
-            <a:p>
-              <a:pPr algn="ctr"/>
-              <a:endParaRPr lang="en-US" sz="1200" dirty="0"/>
-            </a:p>
-          </p:txBody>
-        </p:sp>
-        <p:sp>
-          <p:nvSpPr>
-            <p:cNvPr id="21" name="Folded Corner 20"/>
-            <p:cNvSpPr/>
-            <p:nvPr/>
-          </p:nvSpPr>
-          <p:spPr>
-            <a:xfrm>
-              <a:off x="463450" y="2560226"/>
-              <a:ext cx="764261" cy="443884"/>
-            </a:xfrm>
-            <a:prstGeom prst="foldedCorner">
-              <a:avLst/>
-            </a:prstGeom>
-            <a:solidFill>
-              <a:srgbClr val="7030A0"/>
-            </a:solidFill>
-            <a:ln>
-              <a:solidFill>
-                <a:schemeClr val="bg1"/>
-              </a:solidFill>
-            </a:ln>
-          </p:spPr>
-          <p:style>
-            <a:lnRef idx="2">
-              <a:schemeClr val="accent1">
-                <a:shade val="50000"/>
-              </a:schemeClr>
-            </a:lnRef>
-            <a:fillRef idx="1">
-              <a:schemeClr val="accent1"/>
-            </a:fillRef>
-            <a:effectRef idx="0">
-              <a:schemeClr val="accent1"/>
-            </a:effectRef>
-            <a:fontRef idx="minor">
-              <a:schemeClr val="lt1"/>
-            </a:fontRef>
-          </p:style>
-          <p:txBody>
-            <a:bodyPr lIns="0" tIns="0" rIns="0" bIns="0" rtlCol="0" anchor="ctr"/>
-            <a:lstStyle/>
-            <a:p>
-              <a:pPr algn="ctr"/>
-              <a:r>
-                <a:rPr lang="en-US" sz="1200" dirty="0" err="1" smtClean="0"/>
-                <a:t>Config</a:t>
-              </a:r>
-              <a:r>
-                <a:rPr lang="en-US" sz="1200" dirty="0" smtClean="0"/>
-                <a:t> files (csv, JSON)</a:t>
-              </a:r>
-              <a:endParaRPr lang="en-US" sz="1200" dirty="0"/>
-            </a:p>
-          </p:txBody>
-        </p:sp>
-      </p:grpSp>
-      <p:sp>
-        <p:nvSpPr>
-          <p:cNvPr id="23" name="TextBox 22"/>
-          <p:cNvSpPr txBox="1"/>
-          <p:nvPr/>
-        </p:nvSpPr>
-        <p:spPr>
-          <a:xfrm>
-            <a:off x="488288" y="4409060"/>
-            <a:ext cx="795250" cy="430887"/>
-          </a:xfrm>
-          <a:prstGeom prst="rect">
-            <a:avLst/>
-          </a:prstGeom>
-          <a:noFill/>
-        </p:spPr>
-        <p:txBody>
-          <a:bodyPr wrap="square" rtlCol="0">
-            <a:spAutoFit/>
-          </a:bodyPr>
-          <a:lstStyle/>
-          <a:p>
-            <a:pPr algn="r"/>
-            <a:r>
-              <a:rPr lang="en-US" sz="1100" dirty="0" smtClean="0">
-                <a:solidFill>
-                  <a:srgbClr val="7030A0"/>
-                </a:solidFill>
-                <a:latin typeface="Consolas" panose="020B0609020204030204" pitchFamily="49" charset="0"/>
-              </a:rPr>
-              <a:t>CLI </a:t>
-            </a:r>
-            <a:r>
-              <a:rPr lang="en-US" sz="1100" dirty="0" err="1" smtClean="0">
-                <a:solidFill>
-                  <a:srgbClr val="7030A0"/>
-                </a:solidFill>
-                <a:latin typeface="Consolas" panose="020B0609020204030204" pitchFamily="49" charset="0"/>
-              </a:rPr>
-              <a:t>params</a:t>
-            </a:r>
-            <a:endParaRPr lang="en-US" sz="1100" dirty="0">
-              <a:solidFill>
-                <a:srgbClr val="7030A0"/>
-              </a:solidFill>
-              <a:latin typeface="Consolas" panose="020B0609020204030204" pitchFamily="49" charset="0"/>
-            </a:endParaRPr>
-          </a:p>
-        </p:txBody>
-      </p:sp>
       <p:cxnSp>
         <p:nvCxnSpPr>
-          <p:cNvPr id="27" name="Straight Arrow Connector 26"/>
-          <p:cNvCxnSpPr/>
-          <p:nvPr/>
-        </p:nvCxnSpPr>
-        <p:spPr>
-          <a:xfrm>
-            <a:off x="1401605" y="3979652"/>
-            <a:ext cx="289812" cy="7336"/>
-          </a:xfrm>
-          <a:prstGeom prst="straightConnector1">
-            <a:avLst/>
-          </a:prstGeom>
-          <a:ln w="38100" cmpd="dbl">
-            <a:solidFill>
-              <a:srgbClr val="7030A0"/>
-            </a:solidFill>
-            <a:prstDash val="solid"/>
-            <a:tailEnd type="triangle"/>
-          </a:ln>
-        </p:spPr>
-        <p:style>
-          <a:lnRef idx="1">
-            <a:schemeClr val="accent1"/>
-          </a:lnRef>
-          <a:fillRef idx="0">
-            <a:schemeClr val="accent1"/>
-          </a:fillRef>
-          <a:effectRef idx="0">
-            <a:schemeClr val="accent1"/>
-          </a:effectRef>
-          <a:fontRef idx="minor">
-            <a:schemeClr val="tx1"/>
-          </a:fontRef>
-        </p:style>
-      </p:cxnSp>
-      <p:cxnSp>
-        <p:nvCxnSpPr>
-          <p:cNvPr id="31" name="Straight Arrow Connector 30"/>
-          <p:cNvCxnSpPr/>
-          <p:nvPr/>
-        </p:nvCxnSpPr>
-        <p:spPr>
-          <a:xfrm>
-            <a:off x="1375717" y="4556553"/>
-            <a:ext cx="289812" cy="7336"/>
-          </a:xfrm>
-          <a:prstGeom prst="straightConnector1">
-            <a:avLst/>
-          </a:prstGeom>
-          <a:ln w="38100" cmpd="dbl">
-            <a:solidFill>
-              <a:srgbClr val="7030A0"/>
-            </a:solidFill>
-            <a:prstDash val="solid"/>
-            <a:tailEnd type="triangle"/>
-          </a:ln>
-        </p:spPr>
-        <p:style>
-          <a:lnRef idx="1">
-            <a:schemeClr val="accent1"/>
-          </a:lnRef>
-          <a:fillRef idx="0">
-            <a:schemeClr val="accent1"/>
-          </a:fillRef>
-          <a:effectRef idx="0">
-            <a:schemeClr val="accent1"/>
-          </a:effectRef>
-          <a:fontRef idx="minor">
-            <a:schemeClr val="tx1"/>
-          </a:fontRef>
-        </p:style>
-      </p:cxnSp>
-      <p:sp>
-        <p:nvSpPr>
-          <p:cNvPr id="32" name="Cube 31"/>
-          <p:cNvSpPr/>
-          <p:nvPr/>
-        </p:nvSpPr>
-        <p:spPr>
-          <a:xfrm>
-            <a:off x="2522584" y="3570513"/>
-            <a:ext cx="388415" cy="1837509"/>
-          </a:xfrm>
-          <a:prstGeom prst="cube">
-            <a:avLst/>
-          </a:prstGeom>
-          <a:solidFill>
-            <a:schemeClr val="accent2"/>
-          </a:solidFill>
-          <a:ln>
-            <a:solidFill>
-              <a:schemeClr val="bg1"/>
-            </a:solidFill>
-          </a:ln>
-        </p:spPr>
-        <p:style>
-          <a:lnRef idx="2">
-            <a:schemeClr val="accent1">
-              <a:shade val="50000"/>
-            </a:schemeClr>
-          </a:lnRef>
-          <a:fillRef idx="1">
-            <a:schemeClr val="accent1"/>
-          </a:fillRef>
-          <a:effectRef idx="0">
-            <a:schemeClr val="accent1"/>
-          </a:effectRef>
-          <a:fontRef idx="minor">
-            <a:schemeClr val="lt1"/>
-          </a:fontRef>
-        </p:style>
-        <p:txBody>
-          <a:bodyPr vert="vert270" rtlCol="0" anchor="ctr"/>
-          <a:lstStyle/>
-          <a:p>
-            <a:pPr algn="ctr"/>
-            <a:r>
-              <a:rPr lang="en-US" sz="1200" dirty="0" err="1" smtClean="0"/>
-              <a:t>RepoConfiguration</a:t>
-            </a:r>
-            <a:endParaRPr lang="en-US" sz="1200" dirty="0"/>
-          </a:p>
-        </p:txBody>
-      </p:sp>
-      <p:cxnSp>
-        <p:nvCxnSpPr>
-          <p:cNvPr id="34" name="Straight Arrow Connector 33"/>
+          <p:cNvPr id="107" name="Straight Arrow Connector 106"/>
           <p:cNvCxnSpPr>
-            <a:endCxn id="6" idx="1"/>
+            <a:endCxn id="5" idx="2"/>
           </p:cNvCxnSpPr>
           <p:nvPr/>
         </p:nvCxnSpPr>
         <p:spPr>
-          <a:xfrm>
-            <a:off x="2930112" y="4250897"/>
-            <a:ext cx="2053835" cy="5179"/>
-          </a:xfrm>
-          <a:prstGeom prst="straightConnector1">
-            <a:avLst/>
-          </a:prstGeom>
-          <a:ln w="38100" cmpd="dbl">
-            <a:solidFill>
-              <a:schemeClr val="accent2"/>
-            </a:solidFill>
-            <a:prstDash val="solid"/>
-            <a:tailEnd type="triangle"/>
-          </a:ln>
-        </p:spPr>
-        <p:style>
-          <a:lnRef idx="1">
-            <a:schemeClr val="accent1"/>
-          </a:lnRef>
-          <a:fillRef idx="0">
-            <a:schemeClr val="accent1"/>
-          </a:fillRef>
-          <a:effectRef idx="0">
-            <a:schemeClr val="accent1"/>
-          </a:effectRef>
-          <a:fontRef idx="minor">
-            <a:schemeClr val="tx1"/>
-          </a:fontRef>
-        </p:style>
-      </p:cxnSp>
-      <p:cxnSp>
-        <p:nvCxnSpPr>
-          <p:cNvPr id="35" name="Straight Arrow Connector 34"/>
-          <p:cNvCxnSpPr/>
-          <p:nvPr/>
-        </p:nvCxnSpPr>
-        <p:spPr>
-          <a:xfrm>
-            <a:off x="2108345" y="4395218"/>
-            <a:ext cx="449277" cy="13842"/>
-          </a:xfrm>
-          <a:prstGeom prst="straightConnector1">
-            <a:avLst/>
-          </a:prstGeom>
-          <a:ln w="38100" cmpd="dbl">
-            <a:solidFill>
-              <a:srgbClr val="0070C0"/>
-            </a:solidFill>
-            <a:prstDash val="solid"/>
-            <a:tailEnd type="triangle"/>
-          </a:ln>
-        </p:spPr>
-        <p:style>
-          <a:lnRef idx="1">
-            <a:schemeClr val="accent1"/>
-          </a:lnRef>
-          <a:fillRef idx="0">
-            <a:schemeClr val="accent1"/>
-          </a:fillRef>
-          <a:effectRef idx="0">
-            <a:schemeClr val="accent1"/>
-          </a:effectRef>
-          <a:fontRef idx="minor">
-            <a:schemeClr val="tx1"/>
-          </a:fontRef>
-        </p:style>
-      </p:cxnSp>
-      <p:grpSp>
-        <p:nvGrpSpPr>
-          <p:cNvPr id="45" name="Group 44"/>
-          <p:cNvGrpSpPr/>
-          <p:nvPr/>
-        </p:nvGrpSpPr>
-        <p:grpSpPr>
-          <a:xfrm rot="16200000">
-            <a:off x="5400816" y="4149808"/>
-            <a:ext cx="905222" cy="224572"/>
-            <a:chOff x="10602896" y="2374776"/>
-            <a:chExt cx="1097870" cy="630313"/>
-          </a:xfrm>
-        </p:grpSpPr>
-        <p:sp>
-          <p:nvSpPr>
-            <p:cNvPr id="46" name="Folded Corner 45"/>
-            <p:cNvSpPr/>
-            <p:nvPr/>
-          </p:nvSpPr>
-          <p:spPr>
-            <a:xfrm>
-              <a:off x="10602896" y="2374776"/>
-              <a:ext cx="1012054" cy="537099"/>
-            </a:xfrm>
-            <a:prstGeom prst="foldedCorner">
-              <a:avLst/>
-            </a:prstGeom>
-            <a:solidFill>
-              <a:schemeClr val="accent2"/>
-            </a:solidFill>
-            <a:ln>
-              <a:solidFill>
-                <a:schemeClr val="bg1"/>
-              </a:solidFill>
-            </a:ln>
-          </p:spPr>
-          <p:style>
-            <a:lnRef idx="2">
-              <a:schemeClr val="accent1">
-                <a:shade val="50000"/>
-              </a:schemeClr>
-            </a:lnRef>
-            <a:fillRef idx="1">
-              <a:schemeClr val="accent1"/>
-            </a:fillRef>
-            <a:effectRef idx="0">
-              <a:schemeClr val="accent1"/>
-            </a:effectRef>
-            <a:fontRef idx="minor">
-              <a:schemeClr val="lt1"/>
-            </a:fontRef>
-          </p:style>
-          <p:txBody>
-            <a:bodyPr rtlCol="0" anchor="ctr"/>
-            <a:lstStyle/>
-            <a:p>
-              <a:pPr algn="ctr"/>
-              <a:endParaRPr lang="en-US" sz="1200" dirty="0"/>
-            </a:p>
-          </p:txBody>
-        </p:sp>
-        <p:sp>
-          <p:nvSpPr>
-            <p:cNvPr id="47" name="Folded Corner 46"/>
-            <p:cNvSpPr/>
-            <p:nvPr/>
-          </p:nvSpPr>
-          <p:spPr>
-            <a:xfrm>
-              <a:off x="10645804" y="2416205"/>
-              <a:ext cx="1012054" cy="537099"/>
-            </a:xfrm>
-            <a:prstGeom prst="foldedCorner">
-              <a:avLst/>
-            </a:prstGeom>
-            <a:solidFill>
-              <a:schemeClr val="accent2"/>
-            </a:solidFill>
-            <a:ln>
-              <a:solidFill>
-                <a:schemeClr val="bg1"/>
-              </a:solidFill>
-            </a:ln>
-          </p:spPr>
-          <p:style>
-            <a:lnRef idx="2">
-              <a:schemeClr val="accent1">
-                <a:shade val="50000"/>
-              </a:schemeClr>
-            </a:lnRef>
-            <a:fillRef idx="1">
-              <a:schemeClr val="accent1"/>
-            </a:fillRef>
-            <a:effectRef idx="0">
-              <a:schemeClr val="accent1"/>
-            </a:effectRef>
-            <a:fontRef idx="minor">
-              <a:schemeClr val="lt1"/>
-            </a:fontRef>
-          </p:style>
-          <p:txBody>
-            <a:bodyPr rtlCol="0" anchor="ctr"/>
-            <a:lstStyle/>
-            <a:p>
-              <a:pPr algn="ctr"/>
-              <a:endParaRPr lang="en-US" sz="1200" dirty="0"/>
-            </a:p>
-          </p:txBody>
-        </p:sp>
-        <p:sp>
-          <p:nvSpPr>
-            <p:cNvPr id="48" name="Folded Corner 47"/>
-            <p:cNvSpPr/>
-            <p:nvPr/>
-          </p:nvSpPr>
-          <p:spPr>
-            <a:xfrm>
-              <a:off x="10688712" y="2467990"/>
-              <a:ext cx="1012054" cy="537099"/>
-            </a:xfrm>
-            <a:prstGeom prst="foldedCorner">
-              <a:avLst/>
-            </a:prstGeom>
-            <a:solidFill>
-              <a:schemeClr val="accent2"/>
-            </a:solidFill>
-            <a:ln>
-              <a:solidFill>
-                <a:schemeClr val="bg1"/>
-              </a:solidFill>
-            </a:ln>
-          </p:spPr>
-          <p:style>
-            <a:lnRef idx="2">
-              <a:schemeClr val="accent1">
-                <a:shade val="50000"/>
-              </a:schemeClr>
-            </a:lnRef>
-            <a:fillRef idx="1">
-              <a:schemeClr val="accent1"/>
-            </a:fillRef>
-            <a:effectRef idx="0">
-              <a:schemeClr val="accent1"/>
-            </a:effectRef>
-            <a:fontRef idx="minor">
-              <a:schemeClr val="lt1"/>
-            </a:fontRef>
-          </p:style>
-          <p:txBody>
-            <a:bodyPr lIns="0" tIns="0" rIns="0" bIns="0" rtlCol="0" anchor="ctr"/>
-            <a:lstStyle/>
-            <a:p>
-              <a:pPr algn="ctr"/>
-              <a:r>
-                <a:rPr lang="en-US" sz="1200" dirty="0" err="1" smtClean="0"/>
-                <a:t>CommitInfo</a:t>
-              </a:r>
-              <a:endParaRPr lang="en-US" sz="1200" dirty="0"/>
-            </a:p>
-          </p:txBody>
-        </p:sp>
-      </p:grpSp>
-      <p:cxnSp>
-        <p:nvCxnSpPr>
-          <p:cNvPr id="49" name="Straight Arrow Connector 48"/>
-          <p:cNvCxnSpPr/>
-          <p:nvPr/>
-        </p:nvCxnSpPr>
-        <p:spPr>
-          <a:xfrm flipV="1">
-            <a:off x="6004075" y="4267647"/>
-            <a:ext cx="262929" cy="7306"/>
-          </a:xfrm>
-          <a:prstGeom prst="straightConnector1">
-            <a:avLst/>
-          </a:prstGeom>
-          <a:ln w="38100" cmpd="dbl">
-            <a:solidFill>
-              <a:schemeClr val="accent2"/>
-            </a:solidFill>
-            <a:prstDash val="solid"/>
-            <a:tailEnd type="triangle"/>
-          </a:ln>
-        </p:spPr>
-        <p:style>
-          <a:lnRef idx="1">
-            <a:schemeClr val="accent1"/>
-          </a:lnRef>
-          <a:fillRef idx="0">
-            <a:schemeClr val="accent1"/>
-          </a:fillRef>
-          <a:effectRef idx="0">
-            <a:schemeClr val="accent1"/>
-          </a:effectRef>
-          <a:fontRef idx="minor">
-            <a:schemeClr val="tx1"/>
-          </a:fontRef>
-        </p:style>
-      </p:cxnSp>
-      <p:cxnSp>
-        <p:nvCxnSpPr>
-          <p:cNvPr id="50" name="Straight Arrow Connector 49"/>
-          <p:cNvCxnSpPr/>
-          <p:nvPr/>
-        </p:nvCxnSpPr>
-        <p:spPr>
-          <a:xfrm>
-            <a:off x="5459396" y="4271300"/>
-            <a:ext cx="289812" cy="7336"/>
-          </a:xfrm>
-          <a:prstGeom prst="straightConnector1">
-            <a:avLst/>
-          </a:prstGeom>
-          <a:ln w="38100" cmpd="dbl">
-            <a:solidFill>
-              <a:srgbClr val="0070C0"/>
-            </a:solidFill>
-            <a:prstDash val="solid"/>
-            <a:tailEnd type="triangle"/>
-          </a:ln>
-        </p:spPr>
-        <p:style>
-          <a:lnRef idx="1">
-            <a:schemeClr val="accent1"/>
-          </a:lnRef>
-          <a:fillRef idx="0">
-            <a:schemeClr val="accent1"/>
-          </a:fillRef>
-          <a:effectRef idx="0">
-            <a:schemeClr val="accent1"/>
-          </a:effectRef>
-          <a:fontRef idx="minor">
-            <a:schemeClr val="tx1"/>
-          </a:fontRef>
-        </p:style>
-      </p:cxnSp>
-      <p:grpSp>
-        <p:nvGrpSpPr>
-          <p:cNvPr id="51" name="Group 50"/>
-          <p:cNvGrpSpPr/>
-          <p:nvPr/>
-        </p:nvGrpSpPr>
-        <p:grpSpPr>
-          <a:xfrm rot="16200000">
-            <a:off x="6633823" y="4149808"/>
-            <a:ext cx="1095318" cy="224572"/>
-            <a:chOff x="10602896" y="2374776"/>
-            <a:chExt cx="1097870" cy="630313"/>
-          </a:xfrm>
-        </p:grpSpPr>
-        <p:sp>
-          <p:nvSpPr>
-            <p:cNvPr id="52" name="Folded Corner 51"/>
-            <p:cNvSpPr/>
-            <p:nvPr/>
-          </p:nvSpPr>
-          <p:spPr>
-            <a:xfrm>
-              <a:off x="10602896" y="2374776"/>
-              <a:ext cx="1012054" cy="537099"/>
-            </a:xfrm>
-            <a:prstGeom prst="foldedCorner">
-              <a:avLst/>
-            </a:prstGeom>
-            <a:solidFill>
-              <a:schemeClr val="accent2"/>
-            </a:solidFill>
-            <a:ln>
-              <a:solidFill>
-                <a:schemeClr val="bg1"/>
-              </a:solidFill>
-            </a:ln>
-          </p:spPr>
-          <p:style>
-            <a:lnRef idx="2">
-              <a:schemeClr val="accent1">
-                <a:shade val="50000"/>
-              </a:schemeClr>
-            </a:lnRef>
-            <a:fillRef idx="1">
-              <a:schemeClr val="accent1"/>
-            </a:fillRef>
-            <a:effectRef idx="0">
-              <a:schemeClr val="accent1"/>
-            </a:effectRef>
-            <a:fontRef idx="minor">
-              <a:schemeClr val="lt1"/>
-            </a:fontRef>
-          </p:style>
-          <p:txBody>
-            <a:bodyPr rtlCol="0" anchor="ctr"/>
-            <a:lstStyle/>
-            <a:p>
-              <a:pPr algn="ctr"/>
-              <a:endParaRPr lang="en-US" sz="1200" dirty="0"/>
-            </a:p>
-          </p:txBody>
-        </p:sp>
-        <p:sp>
-          <p:nvSpPr>
-            <p:cNvPr id="53" name="Folded Corner 52"/>
-            <p:cNvSpPr/>
-            <p:nvPr/>
-          </p:nvSpPr>
-          <p:spPr>
-            <a:xfrm>
-              <a:off x="10645804" y="2416205"/>
-              <a:ext cx="1012054" cy="537099"/>
-            </a:xfrm>
-            <a:prstGeom prst="foldedCorner">
-              <a:avLst/>
-            </a:prstGeom>
-            <a:solidFill>
-              <a:schemeClr val="accent2"/>
-            </a:solidFill>
-            <a:ln>
-              <a:solidFill>
-                <a:schemeClr val="bg1"/>
-              </a:solidFill>
-            </a:ln>
-          </p:spPr>
-          <p:style>
-            <a:lnRef idx="2">
-              <a:schemeClr val="accent1">
-                <a:shade val="50000"/>
-              </a:schemeClr>
-            </a:lnRef>
-            <a:fillRef idx="1">
-              <a:schemeClr val="accent1"/>
-            </a:fillRef>
-            <a:effectRef idx="0">
-              <a:schemeClr val="accent1"/>
-            </a:effectRef>
-            <a:fontRef idx="minor">
-              <a:schemeClr val="lt1"/>
-            </a:fontRef>
-          </p:style>
-          <p:txBody>
-            <a:bodyPr rtlCol="0" anchor="ctr"/>
-            <a:lstStyle/>
-            <a:p>
-              <a:pPr algn="ctr"/>
-              <a:endParaRPr lang="en-US" sz="1200" dirty="0"/>
-            </a:p>
-          </p:txBody>
-        </p:sp>
-        <p:sp>
-          <p:nvSpPr>
-            <p:cNvPr id="54" name="Folded Corner 53"/>
-            <p:cNvSpPr/>
-            <p:nvPr/>
-          </p:nvSpPr>
-          <p:spPr>
-            <a:xfrm>
-              <a:off x="10688712" y="2467990"/>
-              <a:ext cx="1012054" cy="537099"/>
-            </a:xfrm>
-            <a:prstGeom prst="foldedCorner">
-              <a:avLst/>
-            </a:prstGeom>
-            <a:solidFill>
-              <a:schemeClr val="accent2"/>
-            </a:solidFill>
-            <a:ln>
-              <a:solidFill>
-                <a:schemeClr val="bg1"/>
-              </a:solidFill>
-            </a:ln>
-          </p:spPr>
-          <p:style>
-            <a:lnRef idx="2">
-              <a:schemeClr val="accent1">
-                <a:shade val="50000"/>
-              </a:schemeClr>
-            </a:lnRef>
-            <a:fillRef idx="1">
-              <a:schemeClr val="accent1"/>
-            </a:fillRef>
-            <a:effectRef idx="0">
-              <a:schemeClr val="accent1"/>
-            </a:effectRef>
-            <a:fontRef idx="minor">
-              <a:schemeClr val="lt1"/>
-            </a:fontRef>
-          </p:style>
-          <p:txBody>
-            <a:bodyPr lIns="0" tIns="0" rIns="0" bIns="0" rtlCol="0" anchor="ctr"/>
-            <a:lstStyle/>
-            <a:p>
-              <a:pPr algn="ctr"/>
-              <a:r>
-                <a:rPr lang="en-US" sz="1200" dirty="0" err="1" smtClean="0"/>
-                <a:t>CommitResults</a:t>
-              </a:r>
-              <a:endParaRPr lang="en-US" sz="1200" dirty="0"/>
-            </a:p>
-          </p:txBody>
-        </p:sp>
-      </p:grpSp>
-      <p:cxnSp>
-        <p:nvCxnSpPr>
-          <p:cNvPr id="55" name="Straight Arrow Connector 54"/>
-          <p:cNvCxnSpPr/>
-          <p:nvPr/>
-        </p:nvCxnSpPr>
-        <p:spPr>
-          <a:xfrm flipV="1">
-            <a:off x="7332182" y="4267647"/>
-            <a:ext cx="262877" cy="3248"/>
-          </a:xfrm>
-          <a:prstGeom prst="straightConnector1">
-            <a:avLst/>
-          </a:prstGeom>
-          <a:ln w="38100" cmpd="dbl">
-            <a:solidFill>
-              <a:schemeClr val="accent2"/>
-            </a:solidFill>
-            <a:prstDash val="solid"/>
-            <a:tailEnd type="triangle"/>
-          </a:ln>
-        </p:spPr>
-        <p:style>
-          <a:lnRef idx="1">
-            <a:schemeClr val="accent1"/>
-          </a:lnRef>
-          <a:fillRef idx="0">
-            <a:schemeClr val="accent1"/>
-          </a:fillRef>
-          <a:effectRef idx="0">
-            <a:schemeClr val="accent1"/>
-          </a:effectRef>
-          <a:fontRef idx="minor">
-            <a:schemeClr val="tx1"/>
-          </a:fontRef>
-        </p:style>
-      </p:cxnSp>
-      <p:cxnSp>
-        <p:nvCxnSpPr>
-          <p:cNvPr id="56" name="Straight Arrow Connector 55"/>
-          <p:cNvCxnSpPr/>
-          <p:nvPr/>
-        </p:nvCxnSpPr>
-        <p:spPr>
-          <a:xfrm>
-            <a:off x="6787705" y="4278636"/>
-            <a:ext cx="289558" cy="0"/>
-          </a:xfrm>
-          <a:prstGeom prst="straightConnector1">
-            <a:avLst/>
-          </a:prstGeom>
-          <a:ln w="38100" cmpd="dbl">
-            <a:solidFill>
-              <a:srgbClr val="0070C0"/>
-            </a:solidFill>
-            <a:prstDash val="solid"/>
-            <a:tailEnd type="triangle"/>
-          </a:ln>
-        </p:spPr>
-        <p:style>
-          <a:lnRef idx="1">
-            <a:schemeClr val="accent1"/>
-          </a:lnRef>
-          <a:fillRef idx="0">
-            <a:schemeClr val="accent1"/>
-          </a:fillRef>
-          <a:effectRef idx="0">
-            <a:schemeClr val="accent1"/>
-          </a:effectRef>
-          <a:fontRef idx="minor">
-            <a:schemeClr val="tx1"/>
-          </a:fontRef>
-        </p:style>
-      </p:cxnSp>
-      <p:grpSp>
-        <p:nvGrpSpPr>
-          <p:cNvPr id="57" name="Group 56"/>
-          <p:cNvGrpSpPr/>
-          <p:nvPr/>
-        </p:nvGrpSpPr>
-        <p:grpSpPr>
-          <a:xfrm rot="16200000">
-            <a:off x="7480212" y="3706048"/>
-            <a:ext cx="2775536" cy="298905"/>
-            <a:chOff x="10602896" y="2374776"/>
-            <a:chExt cx="1097870" cy="630313"/>
-          </a:xfrm>
-        </p:grpSpPr>
-        <p:sp>
-          <p:nvSpPr>
-            <p:cNvPr id="58" name="Folded Corner 57"/>
-            <p:cNvSpPr/>
-            <p:nvPr/>
-          </p:nvSpPr>
-          <p:spPr>
-            <a:xfrm>
-              <a:off x="10602896" y="2374776"/>
-              <a:ext cx="1012054" cy="537099"/>
-            </a:xfrm>
-            <a:prstGeom prst="foldedCorner">
-              <a:avLst/>
-            </a:prstGeom>
-            <a:solidFill>
-              <a:schemeClr val="accent2"/>
-            </a:solidFill>
-            <a:ln>
-              <a:solidFill>
-                <a:schemeClr val="bg1"/>
-              </a:solidFill>
-            </a:ln>
-          </p:spPr>
-          <p:style>
-            <a:lnRef idx="2">
-              <a:schemeClr val="accent1">
-                <a:shade val="50000"/>
-              </a:schemeClr>
-            </a:lnRef>
-            <a:fillRef idx="1">
-              <a:schemeClr val="accent1"/>
-            </a:fillRef>
-            <a:effectRef idx="0">
-              <a:schemeClr val="accent1"/>
-            </a:effectRef>
-            <a:fontRef idx="minor">
-              <a:schemeClr val="lt1"/>
-            </a:fontRef>
-          </p:style>
-          <p:txBody>
-            <a:bodyPr rtlCol="0" anchor="ctr"/>
-            <a:lstStyle/>
-            <a:p>
-              <a:pPr algn="ctr"/>
-              <a:endParaRPr lang="en-US" sz="1200" dirty="0"/>
-            </a:p>
-          </p:txBody>
-        </p:sp>
-        <p:sp>
-          <p:nvSpPr>
-            <p:cNvPr id="59" name="Folded Corner 58"/>
-            <p:cNvSpPr/>
-            <p:nvPr/>
-          </p:nvSpPr>
-          <p:spPr>
-            <a:xfrm>
-              <a:off x="10645804" y="2416205"/>
-              <a:ext cx="1012054" cy="537099"/>
-            </a:xfrm>
-            <a:prstGeom prst="foldedCorner">
-              <a:avLst/>
-            </a:prstGeom>
-            <a:solidFill>
-              <a:schemeClr val="accent2"/>
-            </a:solidFill>
-            <a:ln>
-              <a:solidFill>
-                <a:schemeClr val="bg1"/>
-              </a:solidFill>
-            </a:ln>
-          </p:spPr>
-          <p:style>
-            <a:lnRef idx="2">
-              <a:schemeClr val="accent1">
-                <a:shade val="50000"/>
-              </a:schemeClr>
-            </a:lnRef>
-            <a:fillRef idx="1">
-              <a:schemeClr val="accent1"/>
-            </a:fillRef>
-            <a:effectRef idx="0">
-              <a:schemeClr val="accent1"/>
-            </a:effectRef>
-            <a:fontRef idx="minor">
-              <a:schemeClr val="lt1"/>
-            </a:fontRef>
-          </p:style>
-          <p:txBody>
-            <a:bodyPr rtlCol="0" anchor="ctr"/>
-            <a:lstStyle/>
-            <a:p>
-              <a:pPr algn="ctr"/>
-              <a:endParaRPr lang="en-US" sz="1200" dirty="0"/>
-            </a:p>
-          </p:txBody>
-        </p:sp>
-        <p:sp>
-          <p:nvSpPr>
-            <p:cNvPr id="60" name="Folded Corner 59"/>
-            <p:cNvSpPr/>
-            <p:nvPr/>
-          </p:nvSpPr>
-          <p:spPr>
-            <a:xfrm>
-              <a:off x="10688712" y="2467990"/>
-              <a:ext cx="1012054" cy="537099"/>
-            </a:xfrm>
-            <a:prstGeom prst="foldedCorner">
-              <a:avLst/>
-            </a:prstGeom>
-            <a:solidFill>
-              <a:schemeClr val="accent2"/>
-            </a:solidFill>
-            <a:ln>
-              <a:solidFill>
-                <a:schemeClr val="bg1"/>
-              </a:solidFill>
-            </a:ln>
-          </p:spPr>
-          <p:style>
-            <a:lnRef idx="2">
-              <a:schemeClr val="accent1">
-                <a:shade val="50000"/>
-              </a:schemeClr>
-            </a:lnRef>
-            <a:fillRef idx="1">
-              <a:schemeClr val="accent1"/>
-            </a:fillRef>
-            <a:effectRef idx="0">
-              <a:schemeClr val="accent1"/>
-            </a:effectRef>
-            <a:fontRef idx="minor">
-              <a:schemeClr val="lt1"/>
-            </a:fontRef>
-          </p:style>
-          <p:txBody>
-            <a:bodyPr lIns="0" tIns="0" rIns="0" bIns="0" rtlCol="0" anchor="ctr"/>
-            <a:lstStyle/>
-            <a:p>
-              <a:pPr algn="ctr"/>
-              <a:r>
-                <a:rPr lang="en-US" sz="1200" dirty="0" smtClean="0"/>
-                <a:t>Per-unit  summary</a:t>
-              </a:r>
-              <a:endParaRPr lang="en-US" sz="1200" dirty="0"/>
-            </a:p>
-          </p:txBody>
-        </p:sp>
-      </p:grpSp>
-      <p:cxnSp>
-        <p:nvCxnSpPr>
-          <p:cNvPr id="61" name="Straight Arrow Connector 60"/>
-          <p:cNvCxnSpPr/>
-          <p:nvPr/>
-        </p:nvCxnSpPr>
-        <p:spPr>
-          <a:xfrm flipV="1">
-            <a:off x="8189105" y="4263896"/>
-            <a:ext cx="488743" cy="1834"/>
-          </a:xfrm>
-          <a:prstGeom prst="straightConnector1">
-            <a:avLst/>
-          </a:prstGeom>
-          <a:ln w="38100" cmpd="dbl">
-            <a:solidFill>
-              <a:srgbClr val="0070C0"/>
-            </a:solidFill>
-            <a:prstDash val="solid"/>
-            <a:tailEnd type="triangle"/>
-          </a:ln>
-        </p:spPr>
-        <p:style>
-          <a:lnRef idx="1">
-            <a:schemeClr val="accent1"/>
-          </a:lnRef>
-          <a:fillRef idx="0">
-            <a:schemeClr val="accent1"/>
-          </a:fillRef>
-          <a:effectRef idx="0">
-            <a:schemeClr val="accent1"/>
-          </a:effectRef>
-          <a:fontRef idx="minor">
-            <a:schemeClr val="tx1"/>
-          </a:fontRef>
-        </p:style>
-      </p:cxnSp>
-      <p:sp>
-        <p:nvSpPr>
-          <p:cNvPr id="63" name="Rectangle 62"/>
-          <p:cNvSpPr/>
-          <p:nvPr/>
-        </p:nvSpPr>
-        <p:spPr>
-          <a:xfrm>
-            <a:off x="4979588" y="2441652"/>
-            <a:ext cx="415242" cy="887767"/>
-          </a:xfrm>
-          <a:prstGeom prst="rect">
-            <a:avLst/>
-          </a:prstGeom>
-          <a:solidFill>
-            <a:srgbClr val="0070C0"/>
-          </a:solidFill>
-          <a:ln>
-            <a:solidFill>
-              <a:srgbClr val="0070C0"/>
-            </a:solidFill>
-          </a:ln>
-        </p:spPr>
-        <p:style>
-          <a:lnRef idx="2">
-            <a:schemeClr val="accent1">
-              <a:shade val="50000"/>
-            </a:schemeClr>
-          </a:lnRef>
-          <a:fillRef idx="1">
-            <a:schemeClr val="accent1"/>
-          </a:fillRef>
-          <a:effectRef idx="0">
-            <a:schemeClr val="accent1"/>
-          </a:effectRef>
-          <a:fontRef idx="minor">
-            <a:schemeClr val="lt1"/>
-          </a:fontRef>
-        </p:style>
-        <p:txBody>
-          <a:bodyPr vert="vert270" rtlCol="0" anchor="ctr"/>
-          <a:lstStyle/>
-          <a:p>
-            <a:pPr algn="ctr"/>
-            <a:r>
-              <a:rPr lang="en-US" sz="1200" dirty="0" err="1" smtClean="0"/>
-              <a:t>FileInfo</a:t>
-            </a:r>
-            <a:r>
-              <a:rPr lang="en-US" sz="1200" dirty="0" smtClean="0"/>
-              <a:t/>
-            </a:r>
-            <a:br>
-              <a:rPr lang="en-US" sz="1200" dirty="0" smtClean="0"/>
-            </a:br>
-            <a:r>
-              <a:rPr lang="en-US" sz="1200" dirty="0" smtClean="0"/>
-              <a:t>Extractor</a:t>
-            </a:r>
-            <a:endParaRPr lang="en-US" sz="1200" dirty="0"/>
-          </a:p>
-        </p:txBody>
-      </p:sp>
-      <p:sp>
-        <p:nvSpPr>
-          <p:cNvPr id="64" name="Rectangle 63"/>
-          <p:cNvSpPr/>
-          <p:nvPr/>
-        </p:nvSpPr>
-        <p:spPr>
-          <a:xfrm>
-            <a:off x="6282180" y="2436473"/>
-            <a:ext cx="469054" cy="887767"/>
-          </a:xfrm>
-          <a:prstGeom prst="rect">
-            <a:avLst/>
-          </a:prstGeom>
-          <a:solidFill>
-            <a:srgbClr val="0070C0"/>
-          </a:solidFill>
-          <a:ln>
-            <a:solidFill>
-              <a:srgbClr val="0070C0"/>
-            </a:solidFill>
-          </a:ln>
-        </p:spPr>
-        <p:style>
-          <a:lnRef idx="2">
-            <a:schemeClr val="accent1">
-              <a:shade val="50000"/>
-            </a:schemeClr>
-          </a:lnRef>
-          <a:fillRef idx="1">
-            <a:schemeClr val="accent1"/>
-          </a:fillRef>
-          <a:effectRef idx="0">
-            <a:schemeClr val="accent1"/>
-          </a:effectRef>
-          <a:fontRef idx="minor">
-            <a:schemeClr val="lt1"/>
-          </a:fontRef>
-        </p:style>
-        <p:txBody>
-          <a:bodyPr vert="vert270" rtlCol="0" anchor="ctr"/>
-          <a:lstStyle/>
-          <a:p>
-            <a:pPr algn="ctr"/>
-            <a:r>
-              <a:rPr lang="en-US" sz="1200" dirty="0" err="1" smtClean="0"/>
-              <a:t>FileInfo</a:t>
-            </a:r>
-            <a:r>
-              <a:rPr lang="en-US" sz="1200" dirty="0" smtClean="0"/>
-              <a:t/>
-            </a:r>
-            <a:br>
-              <a:rPr lang="en-US" sz="1200" dirty="0" smtClean="0"/>
-            </a:br>
-            <a:r>
-              <a:rPr lang="en-US" sz="1200" dirty="0" smtClean="0"/>
-              <a:t>Analyzer</a:t>
-            </a:r>
-            <a:endParaRPr lang="en-US" sz="1200" dirty="0"/>
-          </a:p>
-        </p:txBody>
-      </p:sp>
-      <p:sp>
-        <p:nvSpPr>
-          <p:cNvPr id="65" name="Rectangle 64"/>
-          <p:cNvSpPr/>
-          <p:nvPr/>
-        </p:nvSpPr>
-        <p:spPr>
-          <a:xfrm>
-            <a:off x="7616345" y="2441652"/>
-            <a:ext cx="419101" cy="887767"/>
-          </a:xfrm>
-          <a:prstGeom prst="rect">
-            <a:avLst/>
-          </a:prstGeom>
-          <a:solidFill>
-            <a:srgbClr val="0070C0"/>
-          </a:solidFill>
-          <a:ln>
-            <a:solidFill>
-              <a:srgbClr val="0070C0"/>
-            </a:solidFill>
-          </a:ln>
-        </p:spPr>
-        <p:style>
-          <a:lnRef idx="2">
-            <a:schemeClr val="accent1">
-              <a:shade val="50000"/>
-            </a:schemeClr>
-          </a:lnRef>
-          <a:fillRef idx="1">
-            <a:schemeClr val="accent1"/>
-          </a:fillRef>
-          <a:effectRef idx="0">
-            <a:schemeClr val="accent1"/>
-          </a:effectRef>
-          <a:fontRef idx="minor">
-            <a:schemeClr val="lt1"/>
-          </a:fontRef>
-        </p:style>
-        <p:txBody>
-          <a:bodyPr vert="vert270" rtlCol="0" anchor="ctr"/>
-          <a:lstStyle/>
-          <a:p>
-            <a:pPr algn="ctr"/>
-            <a:r>
-              <a:rPr lang="en-US" sz="1200" dirty="0" err="1" smtClean="0"/>
-              <a:t>FileResult</a:t>
-            </a:r>
-            <a:r>
-              <a:rPr lang="en-US" sz="1200" dirty="0" smtClean="0"/>
-              <a:t/>
-            </a:r>
-            <a:br>
-              <a:rPr lang="en-US" sz="1200" dirty="0" smtClean="0"/>
-            </a:br>
-            <a:r>
-              <a:rPr lang="en-US" sz="1200" dirty="0" smtClean="0"/>
-              <a:t>Aggregator</a:t>
-            </a:r>
-            <a:endParaRPr lang="en-US" sz="1200" dirty="0"/>
-          </a:p>
-        </p:txBody>
-      </p:sp>
-      <p:grpSp>
-        <p:nvGrpSpPr>
-          <p:cNvPr id="66" name="Group 65"/>
-          <p:cNvGrpSpPr/>
-          <p:nvPr/>
-        </p:nvGrpSpPr>
-        <p:grpSpPr>
-          <a:xfrm rot="16200000">
-            <a:off x="5396457" y="2779268"/>
-            <a:ext cx="905222" cy="224572"/>
-            <a:chOff x="10602896" y="2374776"/>
-            <a:chExt cx="1097870" cy="630313"/>
-          </a:xfrm>
-        </p:grpSpPr>
-        <p:sp>
-          <p:nvSpPr>
-            <p:cNvPr id="67" name="Folded Corner 66"/>
-            <p:cNvSpPr/>
-            <p:nvPr/>
-          </p:nvSpPr>
-          <p:spPr>
-            <a:xfrm>
-              <a:off x="10602896" y="2374776"/>
-              <a:ext cx="1012054" cy="537099"/>
-            </a:xfrm>
-            <a:prstGeom prst="foldedCorner">
-              <a:avLst/>
-            </a:prstGeom>
-            <a:solidFill>
-              <a:schemeClr val="accent2"/>
-            </a:solidFill>
-            <a:ln>
-              <a:solidFill>
-                <a:schemeClr val="bg1"/>
-              </a:solidFill>
-            </a:ln>
-          </p:spPr>
-          <p:style>
-            <a:lnRef idx="2">
-              <a:schemeClr val="accent1">
-                <a:shade val="50000"/>
-              </a:schemeClr>
-            </a:lnRef>
-            <a:fillRef idx="1">
-              <a:schemeClr val="accent1"/>
-            </a:fillRef>
-            <a:effectRef idx="0">
-              <a:schemeClr val="accent1"/>
-            </a:effectRef>
-            <a:fontRef idx="minor">
-              <a:schemeClr val="lt1"/>
-            </a:fontRef>
-          </p:style>
-          <p:txBody>
-            <a:bodyPr rtlCol="0" anchor="ctr"/>
-            <a:lstStyle/>
-            <a:p>
-              <a:pPr algn="ctr"/>
-              <a:endParaRPr lang="en-US" sz="1200" dirty="0"/>
-            </a:p>
-          </p:txBody>
-        </p:sp>
-        <p:sp>
-          <p:nvSpPr>
-            <p:cNvPr id="68" name="Folded Corner 67"/>
-            <p:cNvSpPr/>
-            <p:nvPr/>
-          </p:nvSpPr>
-          <p:spPr>
-            <a:xfrm>
-              <a:off x="10645804" y="2416205"/>
-              <a:ext cx="1012054" cy="537099"/>
-            </a:xfrm>
-            <a:prstGeom prst="foldedCorner">
-              <a:avLst/>
-            </a:prstGeom>
-            <a:solidFill>
-              <a:schemeClr val="accent2"/>
-            </a:solidFill>
-            <a:ln>
-              <a:solidFill>
-                <a:schemeClr val="bg1"/>
-              </a:solidFill>
-            </a:ln>
-          </p:spPr>
-          <p:style>
-            <a:lnRef idx="2">
-              <a:schemeClr val="accent1">
-                <a:shade val="50000"/>
-              </a:schemeClr>
-            </a:lnRef>
-            <a:fillRef idx="1">
-              <a:schemeClr val="accent1"/>
-            </a:fillRef>
-            <a:effectRef idx="0">
-              <a:schemeClr val="accent1"/>
-            </a:effectRef>
-            <a:fontRef idx="minor">
-              <a:schemeClr val="lt1"/>
-            </a:fontRef>
-          </p:style>
-          <p:txBody>
-            <a:bodyPr rtlCol="0" anchor="ctr"/>
-            <a:lstStyle/>
-            <a:p>
-              <a:pPr algn="ctr"/>
-              <a:endParaRPr lang="en-US" sz="1200" dirty="0"/>
-            </a:p>
-          </p:txBody>
-        </p:sp>
-        <p:sp>
-          <p:nvSpPr>
-            <p:cNvPr id="69" name="Folded Corner 68"/>
-            <p:cNvSpPr/>
-            <p:nvPr/>
-          </p:nvSpPr>
-          <p:spPr>
-            <a:xfrm>
-              <a:off x="10688712" y="2467990"/>
-              <a:ext cx="1012054" cy="537099"/>
-            </a:xfrm>
-            <a:prstGeom prst="foldedCorner">
-              <a:avLst/>
-            </a:prstGeom>
-            <a:solidFill>
-              <a:schemeClr val="accent2"/>
-            </a:solidFill>
-            <a:ln>
-              <a:solidFill>
-                <a:schemeClr val="bg1"/>
-              </a:solidFill>
-            </a:ln>
-          </p:spPr>
-          <p:style>
-            <a:lnRef idx="2">
-              <a:schemeClr val="accent1">
-                <a:shade val="50000"/>
-              </a:schemeClr>
-            </a:lnRef>
-            <a:fillRef idx="1">
-              <a:schemeClr val="accent1"/>
-            </a:fillRef>
-            <a:effectRef idx="0">
-              <a:schemeClr val="accent1"/>
-            </a:effectRef>
-            <a:fontRef idx="minor">
-              <a:schemeClr val="lt1"/>
-            </a:fontRef>
-          </p:style>
-          <p:txBody>
-            <a:bodyPr lIns="0" tIns="0" rIns="0" bIns="0" rtlCol="0" anchor="ctr"/>
-            <a:lstStyle/>
-            <a:p>
-              <a:pPr algn="ctr"/>
-              <a:r>
-                <a:rPr lang="en-US" sz="1200" dirty="0" err="1" smtClean="0"/>
-                <a:t>FileInfo</a:t>
-              </a:r>
-              <a:endParaRPr lang="en-US" sz="1200" dirty="0"/>
-            </a:p>
-          </p:txBody>
-        </p:sp>
-      </p:grpSp>
-      <p:cxnSp>
-        <p:nvCxnSpPr>
-          <p:cNvPr id="70" name="Straight Arrow Connector 69"/>
-          <p:cNvCxnSpPr/>
-          <p:nvPr/>
-        </p:nvCxnSpPr>
-        <p:spPr>
-          <a:xfrm flipV="1">
-            <a:off x="5999716" y="2897107"/>
-            <a:ext cx="262929" cy="7306"/>
-          </a:xfrm>
-          <a:prstGeom prst="straightConnector1">
-            <a:avLst/>
-          </a:prstGeom>
-          <a:ln w="38100" cmpd="dbl">
-            <a:solidFill>
-              <a:schemeClr val="accent2"/>
-            </a:solidFill>
-            <a:prstDash val="solid"/>
-            <a:tailEnd type="triangle"/>
-          </a:ln>
-        </p:spPr>
-        <p:style>
-          <a:lnRef idx="1">
-            <a:schemeClr val="accent1"/>
-          </a:lnRef>
-          <a:fillRef idx="0">
-            <a:schemeClr val="accent1"/>
-          </a:fillRef>
-          <a:effectRef idx="0">
-            <a:schemeClr val="accent1"/>
-          </a:effectRef>
-          <a:fontRef idx="minor">
-            <a:schemeClr val="tx1"/>
-          </a:fontRef>
-        </p:style>
-      </p:cxnSp>
-      <p:cxnSp>
-        <p:nvCxnSpPr>
-          <p:cNvPr id="71" name="Straight Arrow Connector 70"/>
-          <p:cNvCxnSpPr/>
-          <p:nvPr/>
-        </p:nvCxnSpPr>
-        <p:spPr>
-          <a:xfrm>
-            <a:off x="5455037" y="2900760"/>
-            <a:ext cx="289812" cy="7336"/>
-          </a:xfrm>
-          <a:prstGeom prst="straightConnector1">
-            <a:avLst/>
-          </a:prstGeom>
-          <a:ln w="38100" cmpd="dbl">
-            <a:solidFill>
-              <a:srgbClr val="0070C0"/>
-            </a:solidFill>
-            <a:prstDash val="solid"/>
-            <a:tailEnd type="triangle"/>
-          </a:ln>
-        </p:spPr>
-        <p:style>
-          <a:lnRef idx="1">
-            <a:schemeClr val="accent1"/>
-          </a:lnRef>
-          <a:fillRef idx="0">
-            <a:schemeClr val="accent1"/>
-          </a:fillRef>
-          <a:effectRef idx="0">
-            <a:schemeClr val="accent1"/>
-          </a:effectRef>
-          <a:fontRef idx="minor">
-            <a:schemeClr val="tx1"/>
-          </a:fontRef>
-        </p:style>
-      </p:cxnSp>
-      <p:grpSp>
-        <p:nvGrpSpPr>
-          <p:cNvPr id="72" name="Group 71"/>
-          <p:cNvGrpSpPr/>
-          <p:nvPr/>
-        </p:nvGrpSpPr>
-        <p:grpSpPr>
-          <a:xfrm rot="16200000">
-            <a:off x="6629464" y="2779268"/>
-            <a:ext cx="1095318" cy="224572"/>
-            <a:chOff x="10602896" y="2374776"/>
-            <a:chExt cx="1097870" cy="630313"/>
-          </a:xfrm>
-        </p:grpSpPr>
-        <p:sp>
-          <p:nvSpPr>
-            <p:cNvPr id="73" name="Folded Corner 72"/>
-            <p:cNvSpPr/>
-            <p:nvPr/>
-          </p:nvSpPr>
-          <p:spPr>
-            <a:xfrm>
-              <a:off x="10602896" y="2374776"/>
-              <a:ext cx="1012054" cy="537099"/>
-            </a:xfrm>
-            <a:prstGeom prst="foldedCorner">
-              <a:avLst/>
-            </a:prstGeom>
-            <a:solidFill>
-              <a:schemeClr val="accent2"/>
-            </a:solidFill>
-            <a:ln>
-              <a:solidFill>
-                <a:schemeClr val="bg1"/>
-              </a:solidFill>
-            </a:ln>
-          </p:spPr>
-          <p:style>
-            <a:lnRef idx="2">
-              <a:schemeClr val="accent1">
-                <a:shade val="50000"/>
-              </a:schemeClr>
-            </a:lnRef>
-            <a:fillRef idx="1">
-              <a:schemeClr val="accent1"/>
-            </a:fillRef>
-            <a:effectRef idx="0">
-              <a:schemeClr val="accent1"/>
-            </a:effectRef>
-            <a:fontRef idx="minor">
-              <a:schemeClr val="lt1"/>
-            </a:fontRef>
-          </p:style>
-          <p:txBody>
-            <a:bodyPr rtlCol="0" anchor="ctr"/>
-            <a:lstStyle/>
-            <a:p>
-              <a:pPr algn="ctr"/>
-              <a:endParaRPr lang="en-US" sz="1200" dirty="0"/>
-            </a:p>
-          </p:txBody>
-        </p:sp>
-        <p:sp>
-          <p:nvSpPr>
-            <p:cNvPr id="74" name="Folded Corner 73"/>
-            <p:cNvSpPr/>
-            <p:nvPr/>
-          </p:nvSpPr>
-          <p:spPr>
-            <a:xfrm>
-              <a:off x="10645804" y="2416205"/>
-              <a:ext cx="1012054" cy="537099"/>
-            </a:xfrm>
-            <a:prstGeom prst="foldedCorner">
-              <a:avLst/>
-            </a:prstGeom>
-            <a:solidFill>
-              <a:schemeClr val="accent2"/>
-            </a:solidFill>
-            <a:ln>
-              <a:solidFill>
-                <a:schemeClr val="bg1"/>
-              </a:solidFill>
-            </a:ln>
-          </p:spPr>
-          <p:style>
-            <a:lnRef idx="2">
-              <a:schemeClr val="accent1">
-                <a:shade val="50000"/>
-              </a:schemeClr>
-            </a:lnRef>
-            <a:fillRef idx="1">
-              <a:schemeClr val="accent1"/>
-            </a:fillRef>
-            <a:effectRef idx="0">
-              <a:schemeClr val="accent1"/>
-            </a:effectRef>
-            <a:fontRef idx="minor">
-              <a:schemeClr val="lt1"/>
-            </a:fontRef>
-          </p:style>
-          <p:txBody>
-            <a:bodyPr rtlCol="0" anchor="ctr"/>
-            <a:lstStyle/>
-            <a:p>
-              <a:pPr algn="ctr"/>
-              <a:endParaRPr lang="en-US" sz="1200" dirty="0"/>
-            </a:p>
-          </p:txBody>
-        </p:sp>
-        <p:sp>
-          <p:nvSpPr>
-            <p:cNvPr id="75" name="Folded Corner 74"/>
-            <p:cNvSpPr/>
-            <p:nvPr/>
-          </p:nvSpPr>
-          <p:spPr>
-            <a:xfrm>
-              <a:off x="10688712" y="2467990"/>
-              <a:ext cx="1012054" cy="537099"/>
-            </a:xfrm>
-            <a:prstGeom prst="foldedCorner">
-              <a:avLst/>
-            </a:prstGeom>
-            <a:solidFill>
-              <a:schemeClr val="accent2"/>
-            </a:solidFill>
-            <a:ln>
-              <a:solidFill>
-                <a:schemeClr val="bg1"/>
-              </a:solidFill>
-            </a:ln>
-          </p:spPr>
-          <p:style>
-            <a:lnRef idx="2">
-              <a:schemeClr val="accent1">
-                <a:shade val="50000"/>
-              </a:schemeClr>
-            </a:lnRef>
-            <a:fillRef idx="1">
-              <a:schemeClr val="accent1"/>
-            </a:fillRef>
-            <a:effectRef idx="0">
-              <a:schemeClr val="accent1"/>
-            </a:effectRef>
-            <a:fontRef idx="minor">
-              <a:schemeClr val="lt1"/>
-            </a:fontRef>
-          </p:style>
-          <p:txBody>
-            <a:bodyPr lIns="0" tIns="0" rIns="0" bIns="0" rtlCol="0" anchor="ctr"/>
-            <a:lstStyle/>
-            <a:p>
-              <a:pPr algn="ctr"/>
-              <a:r>
-                <a:rPr lang="en-US" sz="1200" dirty="0" err="1" smtClean="0"/>
-                <a:t>FileResults</a:t>
-              </a:r>
-              <a:endParaRPr lang="en-US" sz="1200" dirty="0"/>
-            </a:p>
-          </p:txBody>
-        </p:sp>
-      </p:grpSp>
-      <p:cxnSp>
-        <p:nvCxnSpPr>
-          <p:cNvPr id="76" name="Straight Arrow Connector 75"/>
-          <p:cNvCxnSpPr/>
-          <p:nvPr/>
-        </p:nvCxnSpPr>
-        <p:spPr>
-          <a:xfrm flipV="1">
-            <a:off x="7327771" y="2897107"/>
-            <a:ext cx="262929" cy="7306"/>
-          </a:xfrm>
-          <a:prstGeom prst="straightConnector1">
-            <a:avLst/>
-          </a:prstGeom>
-          <a:ln w="38100" cmpd="dbl">
-            <a:solidFill>
-              <a:schemeClr val="accent2"/>
-            </a:solidFill>
-            <a:prstDash val="solid"/>
-            <a:tailEnd type="triangle"/>
-          </a:ln>
-        </p:spPr>
-        <p:style>
-          <a:lnRef idx="1">
-            <a:schemeClr val="accent1"/>
-          </a:lnRef>
-          <a:fillRef idx="0">
-            <a:schemeClr val="accent1"/>
-          </a:fillRef>
-          <a:effectRef idx="0">
-            <a:schemeClr val="accent1"/>
-          </a:effectRef>
-          <a:fontRef idx="minor">
-            <a:schemeClr val="tx1"/>
-          </a:fontRef>
-        </p:style>
-      </p:cxnSp>
-      <p:cxnSp>
-        <p:nvCxnSpPr>
-          <p:cNvPr id="77" name="Straight Arrow Connector 76"/>
-          <p:cNvCxnSpPr/>
-          <p:nvPr/>
-        </p:nvCxnSpPr>
-        <p:spPr>
-          <a:xfrm>
-            <a:off x="6783092" y="2900760"/>
-            <a:ext cx="289812" cy="7336"/>
-          </a:xfrm>
-          <a:prstGeom prst="straightConnector1">
-            <a:avLst/>
-          </a:prstGeom>
-          <a:ln w="38100" cmpd="dbl">
-            <a:solidFill>
-              <a:srgbClr val="0070C0"/>
-            </a:solidFill>
-            <a:prstDash val="solid"/>
-            <a:tailEnd type="triangle"/>
-          </a:ln>
-        </p:spPr>
-        <p:style>
-          <a:lnRef idx="1">
-            <a:schemeClr val="accent1"/>
-          </a:lnRef>
-          <a:fillRef idx="0">
-            <a:schemeClr val="accent1"/>
-          </a:fillRef>
-          <a:effectRef idx="0">
-            <a:schemeClr val="accent1"/>
-          </a:effectRef>
-          <a:fontRef idx="minor">
-            <a:schemeClr val="tx1"/>
-          </a:fontRef>
-        </p:style>
-      </p:cxnSp>
-      <p:cxnSp>
-        <p:nvCxnSpPr>
-          <p:cNvPr id="83" name="Elbow Connector 82"/>
-          <p:cNvCxnSpPr>
-            <a:stCxn id="32" idx="0"/>
-            <a:endCxn id="63" idx="1"/>
-          </p:cNvCxnSpPr>
-          <p:nvPr/>
-        </p:nvCxnSpPr>
-        <p:spPr>
-          <a:xfrm rot="5400000" flipH="1" flipV="1">
-            <a:off x="3529977" y="2120903"/>
-            <a:ext cx="684977" cy="2214245"/>
-          </a:xfrm>
-          <a:prstGeom prst="bentConnector2">
-            <a:avLst/>
-          </a:prstGeom>
-          <a:ln w="38100" cmpd="dbl">
-            <a:solidFill>
-              <a:schemeClr val="accent2"/>
-            </a:solidFill>
-            <a:prstDash val="solid"/>
-            <a:tailEnd type="triangle"/>
-          </a:ln>
-        </p:spPr>
-        <p:style>
-          <a:lnRef idx="1">
-            <a:schemeClr val="accent1"/>
-          </a:lnRef>
-          <a:fillRef idx="0">
-            <a:schemeClr val="accent1"/>
-          </a:fillRef>
-          <a:effectRef idx="0">
-            <a:schemeClr val="accent1"/>
-          </a:effectRef>
-          <a:fontRef idx="minor">
-            <a:schemeClr val="tx1"/>
-          </a:fontRef>
-        </p:style>
-      </p:cxnSp>
-      <p:cxnSp>
-        <p:nvCxnSpPr>
-          <p:cNvPr id="92" name="Straight Arrow Connector 91"/>
-          <p:cNvCxnSpPr/>
-          <p:nvPr/>
-        </p:nvCxnSpPr>
-        <p:spPr>
-          <a:xfrm>
-            <a:off x="8189105" y="2972726"/>
-            <a:ext cx="469185" cy="13051"/>
-          </a:xfrm>
-          <a:prstGeom prst="straightConnector1">
-            <a:avLst/>
-          </a:prstGeom>
-          <a:ln w="38100" cmpd="dbl">
-            <a:solidFill>
-              <a:srgbClr val="0070C0"/>
-            </a:solidFill>
-            <a:prstDash val="solid"/>
-            <a:tailEnd type="triangle"/>
-          </a:ln>
-        </p:spPr>
-        <p:style>
-          <a:lnRef idx="1">
-            <a:schemeClr val="accent1"/>
-          </a:lnRef>
-          <a:fillRef idx="0">
-            <a:schemeClr val="accent1"/>
-          </a:fillRef>
-          <a:effectRef idx="0">
-            <a:schemeClr val="accent1"/>
-          </a:effectRef>
-          <a:fontRef idx="minor">
-            <a:schemeClr val="tx1"/>
-          </a:fontRef>
-        </p:style>
-      </p:cxnSp>
-      <p:sp>
-        <p:nvSpPr>
-          <p:cNvPr id="94" name="Rectangle 93"/>
-          <p:cNvSpPr/>
-          <p:nvPr/>
-        </p:nvSpPr>
-        <p:spPr>
-          <a:xfrm>
-            <a:off x="1694989" y="6259321"/>
-            <a:ext cx="9488357" cy="371885"/>
-          </a:xfrm>
-          <a:prstGeom prst="rect">
-            <a:avLst/>
-          </a:prstGeom>
-          <a:solidFill>
-            <a:srgbClr val="00B050"/>
-          </a:solidFill>
-          <a:ln>
-            <a:noFill/>
-          </a:ln>
-          <a:effectLst/>
-        </p:spPr>
-        <p:style>
-          <a:lnRef idx="2">
-            <a:schemeClr val="accent1">
-              <a:shade val="50000"/>
-            </a:schemeClr>
-          </a:lnRef>
-          <a:fillRef idx="1">
-            <a:schemeClr val="accent1"/>
-          </a:fillRef>
-          <a:effectRef idx="0">
-            <a:schemeClr val="accent1"/>
-          </a:effectRef>
-          <a:fontRef idx="minor">
-            <a:schemeClr val="lt1"/>
-          </a:fontRef>
-        </p:style>
-        <p:txBody>
-          <a:bodyPr rtlCol="0" anchor="ctr"/>
-          <a:lstStyle/>
-          <a:p>
-            <a:pPr algn="ctr"/>
-            <a:r>
-              <a:rPr lang="en-US" sz="1400" dirty="0" smtClean="0"/>
-              <a:t>Main</a:t>
-            </a:r>
-            <a:endParaRPr lang="en-US" sz="1400" dirty="0"/>
-          </a:p>
-        </p:txBody>
-      </p:sp>
-      <p:cxnSp>
-        <p:nvCxnSpPr>
-          <p:cNvPr id="96" name="Straight Arrow Connector 95"/>
-          <p:cNvCxnSpPr>
-            <a:endCxn id="4" idx="2"/>
-          </p:cNvCxnSpPr>
-          <p:nvPr/>
-        </p:nvCxnSpPr>
-        <p:spPr>
-          <a:xfrm flipV="1">
-            <a:off x="1924594" y="4768006"/>
-            <a:ext cx="10154" cy="1415080"/>
+          <a:xfrm flipH="1" flipV="1">
+            <a:off x="3825394" y="4699959"/>
+            <a:ext cx="7894" cy="968974"/>
           </a:xfrm>
           <a:prstGeom prst="straightConnector1">
             <a:avLst/>
@@ -11722,1018 +7409,10 @@
           </a:fontRef>
         </p:style>
       </p:cxnSp>
-      <p:cxnSp>
-        <p:nvCxnSpPr>
-          <p:cNvPr id="97" name="Straight Arrow Connector 96"/>
-          <p:cNvCxnSpPr/>
-          <p:nvPr/>
-        </p:nvCxnSpPr>
-        <p:spPr>
-          <a:xfrm flipV="1">
-            <a:off x="5832462" y="5978023"/>
-            <a:ext cx="0" cy="281298"/>
-          </a:xfrm>
-          <a:prstGeom prst="straightConnector1">
-            <a:avLst/>
-          </a:prstGeom>
-          <a:ln w="19050">
-            <a:solidFill>
-              <a:srgbClr val="00B050"/>
-            </a:solidFill>
-            <a:prstDash val="lgDash"/>
-            <a:tailEnd type="triangle"/>
-          </a:ln>
-        </p:spPr>
-        <p:style>
-          <a:lnRef idx="1">
-            <a:schemeClr val="accent1"/>
-          </a:lnRef>
-          <a:fillRef idx="0">
-            <a:schemeClr val="accent1"/>
-          </a:fillRef>
-          <a:effectRef idx="0">
-            <a:schemeClr val="accent1"/>
-          </a:effectRef>
-          <a:fontRef idx="minor">
-            <a:schemeClr val="tx1"/>
-          </a:fontRef>
-        </p:style>
-      </p:cxnSp>
-      <p:cxnSp>
-        <p:nvCxnSpPr>
-          <p:cNvPr id="101" name="Straight Arrow Connector 100"/>
-          <p:cNvCxnSpPr>
-            <a:stCxn id="32" idx="3"/>
-          </p:cNvCxnSpPr>
-          <p:nvPr/>
-        </p:nvCxnSpPr>
-        <p:spPr>
-          <a:xfrm flipH="1">
-            <a:off x="2667420" y="5408022"/>
-            <a:ext cx="820" cy="851299"/>
-          </a:xfrm>
-          <a:prstGeom prst="straightConnector1">
-            <a:avLst/>
-          </a:prstGeom>
-          <a:ln w="38100" cmpd="dbl">
-            <a:solidFill>
-              <a:schemeClr val="accent2"/>
-            </a:solidFill>
-            <a:prstDash val="solid"/>
-            <a:tailEnd type="triangle"/>
-          </a:ln>
-        </p:spPr>
-        <p:style>
-          <a:lnRef idx="1">
-            <a:schemeClr val="accent1"/>
-          </a:lnRef>
-          <a:fillRef idx="0">
-            <a:schemeClr val="accent1"/>
-          </a:fillRef>
-          <a:effectRef idx="0">
-            <a:schemeClr val="accent1"/>
-          </a:effectRef>
-          <a:fontRef idx="minor">
-            <a:schemeClr val="tx1"/>
-          </a:fontRef>
-        </p:style>
-      </p:cxnSp>
-      <p:sp>
-        <p:nvSpPr>
-          <p:cNvPr id="106" name="Rectangle 105"/>
-          <p:cNvSpPr/>
-          <p:nvPr/>
-        </p:nvSpPr>
-        <p:spPr>
-          <a:xfrm rot="5400000">
-            <a:off x="6348441" y="3548951"/>
-            <a:ext cx="271033" cy="3133700"/>
-          </a:xfrm>
-          <a:prstGeom prst="rect">
-            <a:avLst/>
-          </a:prstGeom>
-          <a:solidFill>
-            <a:srgbClr val="0070C0"/>
-          </a:solidFill>
-          <a:ln>
-            <a:solidFill>
-              <a:srgbClr val="0070C0"/>
-            </a:solidFill>
-          </a:ln>
-        </p:spPr>
-        <p:style>
-          <a:lnRef idx="2">
-            <a:schemeClr val="accent1">
-              <a:shade val="50000"/>
-            </a:schemeClr>
-          </a:lnRef>
-          <a:fillRef idx="1">
-            <a:schemeClr val="accent1"/>
-          </a:fillRef>
-          <a:effectRef idx="0">
-            <a:schemeClr val="accent1"/>
-          </a:effectRef>
-          <a:fontRef idx="minor">
-            <a:schemeClr val="lt1"/>
-          </a:fontRef>
-        </p:style>
-        <p:txBody>
-          <a:bodyPr vert="vert270" rtlCol="0" anchor="ctr"/>
-          <a:lstStyle/>
-          <a:p>
-            <a:pPr algn="ctr"/>
-            <a:r>
-              <a:rPr lang="en-US" sz="1200" dirty="0" err="1" smtClean="0"/>
-              <a:t>CommitsReporter</a:t>
-            </a:r>
-            <a:endParaRPr lang="en-US" sz="1200" dirty="0"/>
-          </a:p>
-        </p:txBody>
-      </p:sp>
-      <p:cxnSp>
-        <p:nvCxnSpPr>
-          <p:cNvPr id="108" name="Straight Arrow Connector 107"/>
-          <p:cNvCxnSpPr>
-            <a:stCxn id="5" idx="3"/>
-          </p:cNvCxnSpPr>
-          <p:nvPr/>
-        </p:nvCxnSpPr>
-        <p:spPr>
-          <a:xfrm flipH="1">
-            <a:off x="3943651" y="5216137"/>
-            <a:ext cx="12352" cy="446633"/>
-          </a:xfrm>
-          <a:prstGeom prst="straightConnector1">
-            <a:avLst/>
-          </a:prstGeom>
-          <a:ln w="19050">
-            <a:solidFill>
-              <a:srgbClr val="0070C0"/>
-            </a:solidFill>
-            <a:prstDash val="solid"/>
-            <a:headEnd type="triangle" w="med" len="med"/>
-            <a:tailEnd type="none" w="med" len="med"/>
-          </a:ln>
-        </p:spPr>
-        <p:style>
-          <a:lnRef idx="1">
-            <a:schemeClr val="accent1"/>
-          </a:lnRef>
-          <a:fillRef idx="0">
-            <a:schemeClr val="accent1"/>
-          </a:fillRef>
-          <a:effectRef idx="0">
-            <a:schemeClr val="accent1"/>
-          </a:effectRef>
-          <a:fontRef idx="minor">
-            <a:schemeClr val="tx1"/>
-          </a:fontRef>
-        </p:style>
-      </p:cxnSp>
-      <p:cxnSp>
-        <p:nvCxnSpPr>
-          <p:cNvPr id="110" name="Straight Arrow Connector 109"/>
-          <p:cNvCxnSpPr/>
-          <p:nvPr/>
-        </p:nvCxnSpPr>
-        <p:spPr>
-          <a:xfrm>
-            <a:off x="5196096" y="4714705"/>
-            <a:ext cx="1" cy="259483"/>
-          </a:xfrm>
-          <a:prstGeom prst="straightConnector1">
-            <a:avLst/>
-          </a:prstGeom>
-          <a:ln w="19050">
-            <a:solidFill>
-              <a:srgbClr val="0070C0"/>
-            </a:solidFill>
-            <a:prstDash val="solid"/>
-            <a:headEnd type="triangle" w="med" len="med"/>
-            <a:tailEnd type="none" w="med" len="med"/>
-          </a:ln>
-        </p:spPr>
-        <p:style>
-          <a:lnRef idx="1">
-            <a:schemeClr val="accent1"/>
-          </a:lnRef>
-          <a:fillRef idx="0">
-            <a:schemeClr val="accent1"/>
-          </a:fillRef>
-          <a:effectRef idx="0">
-            <a:schemeClr val="accent1"/>
-          </a:effectRef>
-          <a:fontRef idx="minor">
-            <a:schemeClr val="tx1"/>
-          </a:fontRef>
-        </p:style>
-      </p:cxnSp>
-      <p:cxnSp>
-        <p:nvCxnSpPr>
-          <p:cNvPr id="111" name="Straight Arrow Connector 110"/>
-          <p:cNvCxnSpPr>
-            <a:endCxn id="106" idx="1"/>
-          </p:cNvCxnSpPr>
-          <p:nvPr/>
-        </p:nvCxnSpPr>
-        <p:spPr>
-          <a:xfrm flipH="1">
-            <a:off x="6483958" y="4702963"/>
-            <a:ext cx="3629" cy="277322"/>
-          </a:xfrm>
-          <a:prstGeom prst="straightConnector1">
-            <a:avLst/>
-          </a:prstGeom>
-          <a:ln w="19050">
-            <a:solidFill>
-              <a:srgbClr val="0070C0"/>
-            </a:solidFill>
-            <a:prstDash val="solid"/>
-            <a:headEnd type="triangle" w="med" len="med"/>
-            <a:tailEnd type="none" w="med" len="med"/>
-          </a:ln>
-        </p:spPr>
-        <p:style>
-          <a:lnRef idx="1">
-            <a:schemeClr val="accent1"/>
-          </a:lnRef>
-          <a:fillRef idx="0">
-            <a:schemeClr val="accent1"/>
-          </a:fillRef>
-          <a:effectRef idx="0">
-            <a:schemeClr val="accent1"/>
-          </a:effectRef>
-          <a:fontRef idx="minor">
-            <a:schemeClr val="tx1"/>
-          </a:fontRef>
-        </p:style>
-      </p:cxnSp>
-      <p:sp>
-        <p:nvSpPr>
-          <p:cNvPr id="116" name="Rectangle 115"/>
-          <p:cNvSpPr/>
-          <p:nvPr/>
-        </p:nvSpPr>
-        <p:spPr>
-          <a:xfrm rot="5400000">
-            <a:off x="6388058" y="582040"/>
-            <a:ext cx="238919" cy="3055860"/>
-          </a:xfrm>
-          <a:prstGeom prst="rect">
-            <a:avLst/>
-          </a:prstGeom>
-          <a:solidFill>
-            <a:srgbClr val="0070C0"/>
-          </a:solidFill>
-          <a:ln>
-            <a:solidFill>
-              <a:srgbClr val="0070C0"/>
-            </a:solidFill>
-          </a:ln>
-        </p:spPr>
-        <p:style>
-          <a:lnRef idx="2">
-            <a:schemeClr val="accent1">
-              <a:shade val="50000"/>
-            </a:schemeClr>
-          </a:lnRef>
-          <a:fillRef idx="1">
-            <a:schemeClr val="accent1"/>
-          </a:fillRef>
-          <a:effectRef idx="0">
-            <a:schemeClr val="accent1"/>
-          </a:effectRef>
-          <a:fontRef idx="minor">
-            <a:schemeClr val="lt1"/>
-          </a:fontRef>
-        </p:style>
-        <p:txBody>
-          <a:bodyPr vert="vert270" rtlCol="0" anchor="ctr"/>
-          <a:lstStyle/>
-          <a:p>
-            <a:pPr algn="ctr"/>
-            <a:r>
-              <a:rPr lang="en-US" sz="1200" dirty="0" err="1" smtClean="0"/>
-              <a:t>AuthorshipReporter</a:t>
-            </a:r>
-            <a:endParaRPr lang="en-US" sz="1200" dirty="0"/>
-          </a:p>
-        </p:txBody>
-      </p:sp>
-      <p:cxnSp>
-        <p:nvCxnSpPr>
-          <p:cNvPr id="117" name="Straight Arrow Connector 116"/>
-          <p:cNvCxnSpPr/>
-          <p:nvPr/>
-        </p:nvCxnSpPr>
-        <p:spPr>
-          <a:xfrm flipH="1">
-            <a:off x="5196096" y="2211827"/>
-            <a:ext cx="77" cy="203804"/>
-          </a:xfrm>
-          <a:prstGeom prst="straightConnector1">
-            <a:avLst/>
-          </a:prstGeom>
-          <a:ln w="19050">
-            <a:solidFill>
-              <a:srgbClr val="0070C0"/>
-            </a:solidFill>
-            <a:prstDash val="lgDash"/>
-            <a:tailEnd type="triangle"/>
-          </a:ln>
-        </p:spPr>
-        <p:style>
-          <a:lnRef idx="1">
-            <a:schemeClr val="accent1"/>
-          </a:lnRef>
-          <a:fillRef idx="0">
-            <a:schemeClr val="accent1"/>
-          </a:fillRef>
-          <a:effectRef idx="0">
-            <a:schemeClr val="accent1"/>
-          </a:effectRef>
-          <a:fontRef idx="minor">
-            <a:schemeClr val="tx1"/>
-          </a:fontRef>
-        </p:style>
-      </p:cxnSp>
-      <p:cxnSp>
-        <p:nvCxnSpPr>
-          <p:cNvPr id="118" name="Straight Arrow Connector 117"/>
-          <p:cNvCxnSpPr/>
-          <p:nvPr/>
-        </p:nvCxnSpPr>
-        <p:spPr>
-          <a:xfrm flipH="1">
-            <a:off x="6496451" y="2222431"/>
-            <a:ext cx="77" cy="203804"/>
-          </a:xfrm>
-          <a:prstGeom prst="straightConnector1">
-            <a:avLst/>
-          </a:prstGeom>
-          <a:ln w="19050">
-            <a:solidFill>
-              <a:srgbClr val="0070C0"/>
-            </a:solidFill>
-            <a:prstDash val="lgDash"/>
-            <a:tailEnd type="triangle"/>
-          </a:ln>
-        </p:spPr>
-        <p:style>
-          <a:lnRef idx="1">
-            <a:schemeClr val="accent1"/>
-          </a:lnRef>
-          <a:fillRef idx="0">
-            <a:schemeClr val="accent1"/>
-          </a:fillRef>
-          <a:effectRef idx="0">
-            <a:schemeClr val="accent1"/>
-          </a:effectRef>
-          <a:fontRef idx="minor">
-            <a:schemeClr val="tx1"/>
-          </a:fontRef>
-        </p:style>
-      </p:cxnSp>
-      <p:cxnSp>
-        <p:nvCxnSpPr>
-          <p:cNvPr id="119" name="Straight Arrow Connector 118"/>
-          <p:cNvCxnSpPr/>
-          <p:nvPr/>
-        </p:nvCxnSpPr>
-        <p:spPr>
-          <a:xfrm flipH="1">
-            <a:off x="7796806" y="2233035"/>
-            <a:ext cx="77" cy="203804"/>
-          </a:xfrm>
-          <a:prstGeom prst="straightConnector1">
-            <a:avLst/>
-          </a:prstGeom>
-          <a:ln w="19050">
-            <a:solidFill>
-              <a:srgbClr val="0070C0"/>
-            </a:solidFill>
-            <a:prstDash val="lgDash"/>
-            <a:tailEnd type="triangle"/>
-          </a:ln>
-        </p:spPr>
-        <p:style>
-          <a:lnRef idx="1">
-            <a:schemeClr val="accent1"/>
-          </a:lnRef>
-          <a:fillRef idx="0">
-            <a:schemeClr val="accent1"/>
-          </a:fillRef>
-          <a:effectRef idx="0">
-            <a:schemeClr val="accent1"/>
-          </a:effectRef>
-          <a:fontRef idx="minor">
-            <a:schemeClr val="tx1"/>
-          </a:fontRef>
-        </p:style>
-      </p:cxnSp>
-      <p:cxnSp>
-        <p:nvCxnSpPr>
-          <p:cNvPr id="3" name="Straight Arrow Connector 2"/>
-          <p:cNvCxnSpPr/>
-          <p:nvPr/>
-        </p:nvCxnSpPr>
-        <p:spPr>
-          <a:xfrm>
-            <a:off x="9336728" y="826204"/>
-            <a:ext cx="778669" cy="0"/>
-          </a:xfrm>
-          <a:prstGeom prst="straightConnector1">
-            <a:avLst/>
-          </a:prstGeom>
-          <a:ln w="38100" cmpd="dbl">
-            <a:solidFill>
-              <a:schemeClr val="bg1">
-                <a:lumMod val="65000"/>
-              </a:schemeClr>
-            </a:solidFill>
-            <a:prstDash val="solid"/>
-            <a:tailEnd type="triangle"/>
-          </a:ln>
-        </p:spPr>
-        <p:style>
-          <a:lnRef idx="1">
-            <a:schemeClr val="accent1"/>
-          </a:lnRef>
-          <a:fillRef idx="0">
-            <a:schemeClr val="accent1"/>
-          </a:fillRef>
-          <a:effectRef idx="0">
-            <a:schemeClr val="accent1"/>
-          </a:effectRef>
-          <a:fontRef idx="minor">
-            <a:schemeClr val="tx1"/>
-          </a:fontRef>
-        </p:style>
-      </p:cxnSp>
-      <p:sp>
-        <p:nvSpPr>
-          <p:cNvPr id="7" name="TextBox 6"/>
-          <p:cNvSpPr txBox="1"/>
-          <p:nvPr/>
-        </p:nvSpPr>
-        <p:spPr>
-          <a:xfrm>
-            <a:off x="10174531" y="687704"/>
-            <a:ext cx="847133" cy="276999"/>
-          </a:xfrm>
-          <a:prstGeom prst="rect">
-            <a:avLst/>
-          </a:prstGeom>
-          <a:noFill/>
-        </p:spPr>
-        <p:txBody>
-          <a:bodyPr wrap="square" rtlCol="0">
-            <a:spAutoFit/>
-          </a:bodyPr>
-          <a:lstStyle/>
-          <a:p>
-            <a:r>
-              <a:rPr lang="en-US" sz="1200" dirty="0" smtClean="0"/>
-              <a:t>Data flow</a:t>
-            </a:r>
-            <a:endParaRPr lang="en-US" sz="1200" dirty="0"/>
-          </a:p>
-        </p:txBody>
-      </p:sp>
-      <p:grpSp>
-        <p:nvGrpSpPr>
-          <p:cNvPr id="95" name="Group 94"/>
-          <p:cNvGrpSpPr/>
-          <p:nvPr/>
-        </p:nvGrpSpPr>
-        <p:grpSpPr>
-          <a:xfrm rot="16200000">
-            <a:off x="8423129" y="3714097"/>
-            <a:ext cx="2775536" cy="298905"/>
-            <a:chOff x="10602896" y="2374776"/>
-            <a:chExt cx="1097870" cy="630313"/>
-          </a:xfrm>
-        </p:grpSpPr>
-        <p:sp>
-          <p:nvSpPr>
-            <p:cNvPr id="98" name="Folded Corner 97"/>
-            <p:cNvSpPr/>
-            <p:nvPr/>
-          </p:nvSpPr>
-          <p:spPr>
-            <a:xfrm>
-              <a:off x="10602896" y="2374776"/>
-              <a:ext cx="1012054" cy="537099"/>
-            </a:xfrm>
-            <a:prstGeom prst="foldedCorner">
-              <a:avLst/>
-            </a:prstGeom>
-            <a:solidFill>
-              <a:schemeClr val="accent2"/>
-            </a:solidFill>
-            <a:ln>
-              <a:solidFill>
-                <a:schemeClr val="bg1"/>
-              </a:solidFill>
-            </a:ln>
-          </p:spPr>
-          <p:style>
-            <a:lnRef idx="2">
-              <a:schemeClr val="accent1">
-                <a:shade val="50000"/>
-              </a:schemeClr>
-            </a:lnRef>
-            <a:fillRef idx="1">
-              <a:schemeClr val="accent1"/>
-            </a:fillRef>
-            <a:effectRef idx="0">
-              <a:schemeClr val="accent1"/>
-            </a:effectRef>
-            <a:fontRef idx="minor">
-              <a:schemeClr val="lt1"/>
-            </a:fontRef>
-          </p:style>
-          <p:txBody>
-            <a:bodyPr rtlCol="0" anchor="ctr"/>
-            <a:lstStyle/>
-            <a:p>
-              <a:pPr algn="ctr"/>
-              <a:endParaRPr lang="en-US" sz="1200" dirty="0"/>
-            </a:p>
-          </p:txBody>
-        </p:sp>
-        <p:sp>
-          <p:nvSpPr>
-            <p:cNvPr id="100" name="Folded Corner 99"/>
-            <p:cNvSpPr/>
-            <p:nvPr/>
-          </p:nvSpPr>
-          <p:spPr>
-            <a:xfrm>
-              <a:off x="10645804" y="2416205"/>
-              <a:ext cx="1012054" cy="537099"/>
-            </a:xfrm>
-            <a:prstGeom prst="foldedCorner">
-              <a:avLst/>
-            </a:prstGeom>
-            <a:solidFill>
-              <a:schemeClr val="accent2"/>
-            </a:solidFill>
-            <a:ln>
-              <a:solidFill>
-                <a:schemeClr val="bg1"/>
-              </a:solidFill>
-            </a:ln>
-          </p:spPr>
-          <p:style>
-            <a:lnRef idx="2">
-              <a:schemeClr val="accent1">
-                <a:shade val="50000"/>
-              </a:schemeClr>
-            </a:lnRef>
-            <a:fillRef idx="1">
-              <a:schemeClr val="accent1"/>
-            </a:fillRef>
-            <a:effectRef idx="0">
-              <a:schemeClr val="accent1"/>
-            </a:effectRef>
-            <a:fontRef idx="minor">
-              <a:schemeClr val="lt1"/>
-            </a:fontRef>
-          </p:style>
-          <p:txBody>
-            <a:bodyPr rtlCol="0" anchor="ctr"/>
-            <a:lstStyle/>
-            <a:p>
-              <a:pPr algn="ctr"/>
-              <a:endParaRPr lang="en-US" sz="1200" dirty="0"/>
-            </a:p>
-          </p:txBody>
-        </p:sp>
-        <p:sp>
-          <p:nvSpPr>
-            <p:cNvPr id="102" name="Folded Corner 101"/>
-            <p:cNvSpPr/>
-            <p:nvPr/>
-          </p:nvSpPr>
-          <p:spPr>
-            <a:xfrm>
-              <a:off x="10688712" y="2467990"/>
-              <a:ext cx="1012054" cy="537099"/>
-            </a:xfrm>
-            <a:prstGeom prst="foldedCorner">
-              <a:avLst/>
-            </a:prstGeom>
-            <a:solidFill>
-              <a:schemeClr val="accent2"/>
-            </a:solidFill>
-            <a:ln>
-              <a:solidFill>
-                <a:schemeClr val="bg1"/>
-              </a:solidFill>
-            </a:ln>
-          </p:spPr>
-          <p:style>
-            <a:lnRef idx="2">
-              <a:schemeClr val="accent1">
-                <a:shade val="50000"/>
-              </a:schemeClr>
-            </a:lnRef>
-            <a:fillRef idx="1">
-              <a:schemeClr val="accent1"/>
-            </a:fillRef>
-            <a:effectRef idx="0">
-              <a:schemeClr val="accent1"/>
-            </a:effectRef>
-            <a:fontRef idx="minor">
-              <a:schemeClr val="lt1"/>
-            </a:fontRef>
-          </p:style>
-          <p:txBody>
-            <a:bodyPr lIns="0" tIns="0" rIns="0" bIns="0" rtlCol="0" anchor="ctr"/>
-            <a:lstStyle/>
-            <a:p>
-              <a:pPr algn="ctr"/>
-              <a:r>
-                <a:rPr lang="en-US" sz="1200" dirty="0" smtClean="0"/>
-                <a:t>Aggregated results (JSON?)</a:t>
-              </a:r>
-              <a:endParaRPr lang="en-US" sz="1200" dirty="0"/>
-            </a:p>
-          </p:txBody>
-        </p:sp>
-      </p:grpSp>
-      <p:cxnSp>
-        <p:nvCxnSpPr>
-          <p:cNvPr id="103" name="Straight Arrow Connector 102"/>
-          <p:cNvCxnSpPr/>
-          <p:nvPr/>
-        </p:nvCxnSpPr>
-        <p:spPr>
-          <a:xfrm>
-            <a:off x="10032714" y="3894215"/>
-            <a:ext cx="615851" cy="11227"/>
-          </a:xfrm>
-          <a:prstGeom prst="straightConnector1">
-            <a:avLst/>
-          </a:prstGeom>
-          <a:ln w="38100" cmpd="dbl">
-            <a:solidFill>
-              <a:schemeClr val="accent2"/>
-            </a:solidFill>
-            <a:prstDash val="solid"/>
-            <a:tailEnd type="triangle"/>
-          </a:ln>
-        </p:spPr>
-        <p:style>
-          <a:lnRef idx="1">
-            <a:schemeClr val="accent1"/>
-          </a:lnRef>
-          <a:fillRef idx="0">
-            <a:schemeClr val="accent1"/>
-          </a:fillRef>
-          <a:effectRef idx="0">
-            <a:schemeClr val="accent1"/>
-          </a:effectRef>
-          <a:fontRef idx="minor">
-            <a:schemeClr val="tx1"/>
-          </a:fontRef>
-        </p:style>
-      </p:cxnSp>
-      <p:cxnSp>
-        <p:nvCxnSpPr>
-          <p:cNvPr id="134" name="Straight Arrow Connector 133"/>
-          <p:cNvCxnSpPr>
-            <a:stCxn id="13" idx="2"/>
-          </p:cNvCxnSpPr>
-          <p:nvPr/>
-        </p:nvCxnSpPr>
-        <p:spPr>
-          <a:xfrm flipH="1">
-            <a:off x="7825895" y="4793174"/>
-            <a:ext cx="4360" cy="190472"/>
-          </a:xfrm>
-          <a:prstGeom prst="straightConnector1">
-            <a:avLst/>
-          </a:prstGeom>
-          <a:ln w="19050">
-            <a:solidFill>
-              <a:srgbClr val="0070C0"/>
-            </a:solidFill>
-            <a:prstDash val="solid"/>
-            <a:headEnd type="triangle" w="med" len="med"/>
-            <a:tailEnd type="none" w="med" len="med"/>
-          </a:ln>
-        </p:spPr>
-        <p:style>
-          <a:lnRef idx="1">
-            <a:schemeClr val="accent1"/>
-          </a:lnRef>
-          <a:fillRef idx="0">
-            <a:schemeClr val="accent1"/>
-          </a:fillRef>
-          <a:effectRef idx="0">
-            <a:schemeClr val="accent1"/>
-          </a:effectRef>
-          <a:fontRef idx="minor">
-            <a:schemeClr val="tx1"/>
-          </a:fontRef>
-        </p:style>
-      </p:cxnSp>
-      <p:sp>
-        <p:nvSpPr>
-          <p:cNvPr id="107" name="Smiley Face 106"/>
-          <p:cNvSpPr/>
-          <p:nvPr/>
-        </p:nvSpPr>
-        <p:spPr>
-          <a:xfrm>
-            <a:off x="106067" y="4169058"/>
-            <a:ext cx="381000" cy="381000"/>
-          </a:xfrm>
-          <a:prstGeom prst="smileyFace">
-            <a:avLst/>
-          </a:prstGeom>
-          <a:solidFill>
-            <a:schemeClr val="bg1"/>
-          </a:solidFill>
-          <a:ln>
-            <a:solidFill>
-              <a:schemeClr val="tx1"/>
-            </a:solidFill>
-          </a:ln>
-        </p:spPr>
-        <p:style>
-          <a:lnRef idx="2">
-            <a:schemeClr val="accent1">
-              <a:shade val="50000"/>
-            </a:schemeClr>
-          </a:lnRef>
-          <a:fillRef idx="1">
-            <a:schemeClr val="accent1"/>
-          </a:fillRef>
-          <a:effectRef idx="0">
-            <a:schemeClr val="accent1"/>
-          </a:effectRef>
-          <a:fontRef idx="minor">
-            <a:schemeClr val="lt1"/>
-          </a:fontRef>
-        </p:style>
-        <p:txBody>
-          <a:bodyPr rtlCol="0" anchor="ctr"/>
-          <a:lstStyle/>
-          <a:p>
-            <a:pPr algn="ctr"/>
-            <a:endParaRPr lang="en-US"/>
-          </a:p>
-        </p:txBody>
-      </p:sp>
-      <p:sp>
-        <p:nvSpPr>
-          <p:cNvPr id="109" name="Rectangle 108"/>
-          <p:cNvSpPr/>
-          <p:nvPr/>
-        </p:nvSpPr>
-        <p:spPr>
-          <a:xfrm rot="5400000">
-            <a:off x="6769548" y="2414157"/>
-            <a:ext cx="321474" cy="6782064"/>
-          </a:xfrm>
-          <a:prstGeom prst="rect">
-            <a:avLst/>
-          </a:prstGeom>
-          <a:solidFill>
-            <a:srgbClr val="0070C0"/>
-          </a:solidFill>
-          <a:ln>
-            <a:solidFill>
-              <a:srgbClr val="0070C0"/>
-            </a:solidFill>
-          </a:ln>
-        </p:spPr>
-        <p:style>
-          <a:lnRef idx="2">
-            <a:schemeClr val="accent1">
-              <a:shade val="50000"/>
-            </a:schemeClr>
-          </a:lnRef>
-          <a:fillRef idx="1">
-            <a:schemeClr val="accent1"/>
-          </a:fillRef>
-          <a:effectRef idx="0">
-            <a:schemeClr val="accent1"/>
-          </a:effectRef>
-          <a:fontRef idx="minor">
-            <a:schemeClr val="lt1"/>
-          </a:fontRef>
-        </p:style>
-        <p:txBody>
-          <a:bodyPr vert="vert270" rtlCol="0" anchor="ctr"/>
-          <a:lstStyle/>
-          <a:p>
-            <a:pPr algn="ctr"/>
-            <a:r>
-              <a:rPr lang="en-US" sz="1200" dirty="0" err="1" smtClean="0"/>
-              <a:t>ReportGenerator</a:t>
-            </a:r>
-            <a:endParaRPr lang="en-US" sz="1200" dirty="0"/>
-          </a:p>
-        </p:txBody>
-      </p:sp>
-      <p:cxnSp>
-        <p:nvCxnSpPr>
-          <p:cNvPr id="136" name="Straight Arrow Connector 135"/>
-          <p:cNvCxnSpPr>
-            <a:stCxn id="106" idx="3"/>
-          </p:cNvCxnSpPr>
-          <p:nvPr/>
-        </p:nvCxnSpPr>
-        <p:spPr>
-          <a:xfrm flipH="1">
-            <a:off x="6480869" y="5251318"/>
-            <a:ext cx="3089" cy="357768"/>
-          </a:xfrm>
-          <a:prstGeom prst="straightConnector1">
-            <a:avLst/>
-          </a:prstGeom>
-          <a:ln w="19050">
-            <a:solidFill>
-              <a:srgbClr val="0070C0"/>
-            </a:solidFill>
-            <a:prstDash val="solid"/>
-            <a:headEnd type="triangle" w="med" len="med"/>
-            <a:tailEnd type="none" w="med" len="med"/>
-          </a:ln>
-        </p:spPr>
-        <p:style>
-          <a:lnRef idx="1">
-            <a:schemeClr val="accent1"/>
-          </a:lnRef>
-          <a:fillRef idx="0">
-            <a:schemeClr val="accent1"/>
-          </a:fillRef>
-          <a:effectRef idx="0">
-            <a:schemeClr val="accent1"/>
-          </a:effectRef>
-          <a:fontRef idx="minor">
-            <a:schemeClr val="tx1"/>
-          </a:fontRef>
-        </p:style>
-      </p:cxnSp>
-      <p:cxnSp>
-        <p:nvCxnSpPr>
-          <p:cNvPr id="157" name="Straight Arrow Connector 156"/>
-          <p:cNvCxnSpPr>
-            <a:endCxn id="5" idx="2"/>
-          </p:cNvCxnSpPr>
-          <p:nvPr/>
-        </p:nvCxnSpPr>
-        <p:spPr>
-          <a:xfrm>
-            <a:off x="2855867" y="4922324"/>
-            <a:ext cx="645733" cy="7673"/>
-          </a:xfrm>
-          <a:prstGeom prst="straightConnector1">
-            <a:avLst/>
-          </a:prstGeom>
-          <a:ln w="38100" cmpd="dbl">
-            <a:solidFill>
-              <a:schemeClr val="accent2"/>
-            </a:solidFill>
-            <a:prstDash val="solid"/>
-            <a:tailEnd type="triangle"/>
-          </a:ln>
-        </p:spPr>
-        <p:style>
-          <a:lnRef idx="1">
-            <a:schemeClr val="accent1"/>
-          </a:lnRef>
-          <a:fillRef idx="0">
-            <a:schemeClr val="accent1"/>
-          </a:fillRef>
-          <a:effectRef idx="0">
-            <a:schemeClr val="accent1"/>
-          </a:effectRef>
-          <a:fontRef idx="minor">
-            <a:schemeClr val="tx1"/>
-          </a:fontRef>
-        </p:style>
-      </p:cxnSp>
-      <p:cxnSp>
-        <p:nvCxnSpPr>
-          <p:cNvPr id="162" name="Straight Arrow Connector 161"/>
-          <p:cNvCxnSpPr/>
-          <p:nvPr/>
-        </p:nvCxnSpPr>
-        <p:spPr>
-          <a:xfrm>
-            <a:off x="8845878" y="5307615"/>
-            <a:ext cx="0" cy="336837"/>
-          </a:xfrm>
-          <a:prstGeom prst="straightConnector1">
-            <a:avLst/>
-          </a:prstGeom>
-          <a:ln w="38100" cmpd="dbl">
-            <a:solidFill>
-              <a:schemeClr val="accent2"/>
-            </a:solidFill>
-            <a:prstDash val="solid"/>
-            <a:tailEnd type="triangle"/>
-          </a:ln>
-        </p:spPr>
-        <p:style>
-          <a:lnRef idx="1">
-            <a:schemeClr val="accent1"/>
-          </a:lnRef>
-          <a:fillRef idx="0">
-            <a:schemeClr val="accent1"/>
-          </a:fillRef>
-          <a:effectRef idx="0">
-            <a:schemeClr val="accent1"/>
-          </a:effectRef>
-          <a:fontRef idx="minor">
-            <a:schemeClr val="tx1"/>
-          </a:fontRef>
-        </p:style>
-      </p:cxnSp>
-      <p:cxnSp>
-        <p:nvCxnSpPr>
-          <p:cNvPr id="165" name="Straight Arrow Connector 164"/>
-          <p:cNvCxnSpPr/>
-          <p:nvPr/>
-        </p:nvCxnSpPr>
-        <p:spPr>
-          <a:xfrm>
-            <a:off x="9075069" y="3886437"/>
-            <a:ext cx="523829" cy="2614"/>
-          </a:xfrm>
-          <a:prstGeom prst="straightConnector1">
-            <a:avLst/>
-          </a:prstGeom>
-          <a:ln w="38100" cmpd="dbl">
-            <a:solidFill>
-              <a:schemeClr val="accent2"/>
-            </a:solidFill>
-            <a:prstDash val="solid"/>
-            <a:tailEnd type="triangle"/>
-          </a:ln>
-        </p:spPr>
-        <p:style>
-          <a:lnRef idx="1">
-            <a:schemeClr val="accent1"/>
-          </a:lnRef>
-          <a:fillRef idx="0">
-            <a:schemeClr val="accent1"/>
-          </a:fillRef>
-          <a:effectRef idx="0">
-            <a:schemeClr val="accent1"/>
-          </a:effectRef>
-          <a:fontRef idx="minor">
-            <a:schemeClr val="tx1"/>
-          </a:fontRef>
-        </p:style>
-      </p:cxnSp>
-      <p:cxnSp>
-        <p:nvCxnSpPr>
-          <p:cNvPr id="166" name="Straight Arrow Connector 165"/>
-          <p:cNvCxnSpPr/>
-          <p:nvPr/>
-        </p:nvCxnSpPr>
-        <p:spPr>
-          <a:xfrm flipV="1">
-            <a:off x="9808442" y="5231971"/>
-            <a:ext cx="1" cy="377115"/>
-          </a:xfrm>
-          <a:prstGeom prst="straightConnector1">
-            <a:avLst/>
-          </a:prstGeom>
-          <a:ln w="38100" cmpd="dbl">
-            <a:solidFill>
-              <a:srgbClr val="0070C0"/>
-            </a:solidFill>
-            <a:prstDash val="solid"/>
-            <a:tailEnd type="triangle"/>
-          </a:ln>
-        </p:spPr>
-        <p:style>
-          <a:lnRef idx="1">
-            <a:schemeClr val="accent1"/>
-          </a:lnRef>
-          <a:fillRef idx="0">
-            <a:schemeClr val="accent1"/>
-          </a:fillRef>
-          <a:effectRef idx="0">
-            <a:schemeClr val="accent1"/>
-          </a:effectRef>
-          <a:fontRef idx="minor">
-            <a:schemeClr val="tx1"/>
-          </a:fontRef>
-        </p:style>
-      </p:cxnSp>
     </p:spTree>
     <p:extLst>
       <p:ext uri="{BB962C8B-B14F-4D97-AF65-F5344CB8AC3E}">
-        <p14:creationId xmlns:p14="http://schemas.microsoft.com/office/powerpoint/2010/main" val="489825877"/>
+        <p14:creationId xmlns:p14="http://schemas.microsoft.com/office/powerpoint/2010/main" val="2590331658"/>
       </p:ext>
     </p:extLst>
   </p:cSld>
@@ -13040,7 +7719,7 @@
                                           </p:stCondLst>
                                         </p:cTn>
                                         <p:tgtEl>
-                                          <p:spTgt spid="45"/>
+                                          <p:spTgt spid="37"/>
                                         </p:tgtEl>
                                         <p:attrNameLst>
                                           <p:attrName>style.visibility</p:attrName>
@@ -13054,7 +7733,7 @@
                                       <p:cBhvr>
                                         <p:cTn id="30" dur="500"/>
                                         <p:tgtEl>
-                                          <p:spTgt spid="45"/>
+                                          <p:spTgt spid="37"/>
                                         </p:tgtEl>
                                       </p:cBhvr>
                                     </p:animEffect>
@@ -13075,7 +7754,7 @@
                                           </p:stCondLst>
                                         </p:cTn>
                                         <p:tgtEl>
-                                          <p:spTgt spid="49"/>
+                                          <p:spTgt spid="41"/>
                                         </p:tgtEl>
                                         <p:attrNameLst>
                                           <p:attrName>style.visibility</p:attrName>
@@ -13089,7 +7768,7 @@
                                       <p:cBhvr>
                                         <p:cTn id="33" dur="500"/>
                                         <p:tgtEl>
-                                          <p:spTgt spid="49"/>
+                                          <p:spTgt spid="41"/>
                                         </p:tgtEl>
                                       </p:cBhvr>
                                     </p:animEffect>
@@ -13110,7 +7789,7 @@
                                           </p:stCondLst>
                                         </p:cTn>
                                         <p:tgtEl>
-                                          <p:spTgt spid="50"/>
+                                          <p:spTgt spid="42"/>
                                         </p:tgtEl>
                                         <p:attrNameLst>
                                           <p:attrName>style.visibility</p:attrName>
@@ -13124,7 +7803,7 @@
                                       <p:cBhvr>
                                         <p:cTn id="36" dur="500"/>
                                         <p:tgtEl>
-                                          <p:spTgt spid="50"/>
+                                          <p:spTgt spid="42"/>
                                         </p:tgtEl>
                                       </p:cBhvr>
                                     </p:animEffect>
@@ -13145,7 +7824,7 @@
                                           </p:stCondLst>
                                         </p:cTn>
                                         <p:tgtEl>
-                                          <p:spTgt spid="51"/>
+                                          <p:spTgt spid="45"/>
                                         </p:tgtEl>
                                         <p:attrNameLst>
                                           <p:attrName>style.visibility</p:attrName>
@@ -13159,7 +7838,7 @@
                                       <p:cBhvr>
                                         <p:cTn id="39" dur="500"/>
                                         <p:tgtEl>
-                                          <p:spTgt spid="51"/>
+                                          <p:spTgt spid="45"/>
                                         </p:tgtEl>
                                       </p:cBhvr>
                                     </p:animEffect>
@@ -13180,7 +7859,7 @@
                                           </p:stCondLst>
                                         </p:cTn>
                                         <p:tgtEl>
-                                          <p:spTgt spid="55"/>
+                                          <p:spTgt spid="49"/>
                                         </p:tgtEl>
                                         <p:attrNameLst>
                                           <p:attrName>style.visibility</p:attrName>
@@ -13194,7 +7873,7 @@
                                       <p:cBhvr>
                                         <p:cTn id="42" dur="500"/>
                                         <p:tgtEl>
-                                          <p:spTgt spid="55"/>
+                                          <p:spTgt spid="49"/>
                                         </p:tgtEl>
                                       </p:cBhvr>
                                     </p:animEffect>
@@ -13215,7 +7894,7 @@
                                           </p:stCondLst>
                                         </p:cTn>
                                         <p:tgtEl>
-                                          <p:spTgt spid="56"/>
+                                          <p:spTgt spid="50"/>
                                         </p:tgtEl>
                                         <p:attrNameLst>
                                           <p:attrName>style.visibility</p:attrName>
@@ -13229,7 +7908,7 @@
                                       <p:cBhvr>
                                         <p:cTn id="45" dur="500"/>
                                         <p:tgtEl>
-                                          <p:spTgt spid="56"/>
+                                          <p:spTgt spid="50"/>
                                         </p:tgtEl>
                                       </p:cBhvr>
                                     </p:animEffect>
@@ -13250,7 +7929,7 @@
                                           </p:stCondLst>
                                         </p:cTn>
                                         <p:tgtEl>
-                                          <p:spTgt spid="108"/>
+                                          <p:spTgt spid="51"/>
                                         </p:tgtEl>
                                         <p:attrNameLst>
                                           <p:attrName>style.visibility</p:attrName>
@@ -13264,7 +7943,7 @@
                                       <p:cBhvr>
                                         <p:cTn id="48" dur="500"/>
                                         <p:tgtEl>
-                                          <p:spTgt spid="108"/>
+                                          <p:spTgt spid="51"/>
                                         </p:tgtEl>
                                       </p:cBhvr>
                                     </p:animEffect>
@@ -13285,7 +7964,7 @@
                                           </p:stCondLst>
                                         </p:cTn>
                                         <p:tgtEl>
-                                          <p:spTgt spid="110"/>
+                                          <p:spTgt spid="55"/>
                                         </p:tgtEl>
                                         <p:attrNameLst>
                                           <p:attrName>style.visibility</p:attrName>
@@ -13299,7 +7978,7 @@
                                       <p:cBhvr>
                                         <p:cTn id="51" dur="500"/>
                                         <p:tgtEl>
-                                          <p:spTgt spid="110"/>
+                                          <p:spTgt spid="55"/>
                                         </p:tgtEl>
                                       </p:cBhvr>
                                     </p:animEffect>
@@ -13320,7 +7999,7 @@
                                           </p:stCondLst>
                                         </p:cTn>
                                         <p:tgtEl>
-                                          <p:spTgt spid="111"/>
+                                          <p:spTgt spid="56"/>
                                         </p:tgtEl>
                                         <p:attrNameLst>
                                           <p:attrName>style.visibility</p:attrName>
@@ -13334,7 +8013,7 @@
                                       <p:cBhvr>
                                         <p:cTn id="54" dur="500"/>
                                         <p:tgtEl>
-                                          <p:spTgt spid="111"/>
+                                          <p:spTgt spid="56"/>
                                         </p:tgtEl>
                                       </p:cBhvr>
                                     </p:animEffect>
@@ -13355,6 +8034,76 @@
                                           </p:stCondLst>
                                         </p:cTn>
                                         <p:tgtEl>
+                                          <p:spTgt spid="110"/>
+                                        </p:tgtEl>
+                                        <p:attrNameLst>
+                                          <p:attrName>style.visibility</p:attrName>
+                                        </p:attrNameLst>
+                                      </p:cBhvr>
+                                      <p:to>
+                                        <p:strVal val="visible"/>
+                                      </p:to>
+                                    </p:set>
+                                    <p:animEffect transition="in" filter="fade">
+                                      <p:cBhvr>
+                                        <p:cTn id="57" dur="500"/>
+                                        <p:tgtEl>
+                                          <p:spTgt spid="110"/>
+                                        </p:tgtEl>
+                                      </p:cBhvr>
+                                    </p:animEffect>
+                                  </p:childTnLst>
+                                </p:cTn>
+                              </p:par>
+                              <p:par>
+                                <p:cTn id="58" presetID="10" presetClass="entr" presetSubtype="0" fill="hold" nodeType="withEffect">
+                                  <p:stCondLst>
+                                    <p:cond delay="0"/>
+                                  </p:stCondLst>
+                                  <p:childTnLst>
+                                    <p:set>
+                                      <p:cBhvr>
+                                        <p:cTn id="59" dur="1" fill="hold">
+                                          <p:stCondLst>
+                                            <p:cond delay="0"/>
+                                          </p:stCondLst>
+                                        </p:cTn>
+                                        <p:tgtEl>
+                                          <p:spTgt spid="111"/>
+                                        </p:tgtEl>
+                                        <p:attrNameLst>
+                                          <p:attrName>style.visibility</p:attrName>
+                                        </p:attrNameLst>
+                                      </p:cBhvr>
+                                      <p:to>
+                                        <p:strVal val="visible"/>
+                                      </p:to>
+                                    </p:set>
+                                    <p:animEffect transition="in" filter="fade">
+                                      <p:cBhvr>
+                                        <p:cTn id="60" dur="500"/>
+                                        <p:tgtEl>
+                                          <p:spTgt spid="111"/>
+                                        </p:tgtEl>
+                                      </p:cBhvr>
+                                    </p:animEffect>
+                                  </p:childTnLst>
+                                </p:cTn>
+                              </p:par>
+                              <p:par>
+                                <p:cTn id="61" presetID="10" presetClass="entr" presetSubtype="0" fill="hold" nodeType="withEffect">
+                                  <p:stCondLst>
+                                    <p:cond delay="0"/>
+                                  </p:stCondLst>
+                                  <p:childTnLst>
+                                    <p:set>
+                                      <p:cBhvr>
+                                        <p:cTn id="62" dur="1" fill="hold">
+                                          <p:stCondLst>
+                                            <p:cond delay="0"/>
+                                          </p:stCondLst>
+                                        </p:cTn>
+                                        <p:tgtEl>
                                           <p:spTgt spid="134"/>
                                         </p:tgtEl>
                                         <p:attrNameLst>
@@ -13367,7 +8116,7 @@
                                     </p:set>
                                     <p:animEffect transition="in" filter="fade">
                                       <p:cBhvr>
-                                        <p:cTn id="57" dur="500"/>
+                                        <p:cTn id="63" dur="500"/>
                                         <p:tgtEl>
                                           <p:spTgt spid="134"/>
                                         </p:tgtEl>
@@ -13383,26 +8132,26 @@
                     </p:cTn>
                   </p:par>
                   <p:par>
-                    <p:cTn id="58" fill="hold">
+                    <p:cTn id="64" fill="hold">
                       <p:stCondLst>
                         <p:cond delay="indefinite"/>
                       </p:stCondLst>
                       <p:childTnLst>
                         <p:par>
-                          <p:cTn id="59" fill="hold">
+                          <p:cTn id="65" fill="hold">
                             <p:stCondLst>
                               <p:cond delay="0"/>
                             </p:stCondLst>
                             <p:childTnLst>
                               <p:par>
-                                <p:cTn id="60" presetID="10" presetClass="entr" presetSubtype="0" fill="hold" grpId="0" nodeType="clickEffect">
+                                <p:cTn id="66" presetID="10" presetClass="entr" presetSubtype="0" fill="hold" grpId="0" nodeType="clickEffect">
                                   <p:stCondLst>
                                     <p:cond delay="0"/>
                                   </p:stCondLst>
                                   <p:childTnLst>
                                     <p:set>
                                       <p:cBhvr>
-                                        <p:cTn id="61" dur="1" fill="hold">
+                                        <p:cTn id="67" dur="1" fill="hold">
                                           <p:stCondLst>
                                             <p:cond delay="0"/>
                                           </p:stCondLst>
@@ -13420,7 +8169,7 @@
                                     </p:set>
                                     <p:animEffect transition="in" filter="fade">
                                       <p:cBhvr>
-                                        <p:cTn id="62" dur="500"/>
+                                        <p:cTn id="68" dur="500"/>
                                         <p:tgtEl>
                                           <p:spTgt spid="63"/>
                                         </p:tgtEl>
@@ -13430,14 +8179,14 @@
                                 </p:cTn>
                               </p:par>
                               <p:par>
-                                <p:cTn id="63" presetID="10" presetClass="entr" presetSubtype="0" fill="hold" grpId="0" nodeType="withEffect">
+                                <p:cTn id="69" presetID="10" presetClass="entr" presetSubtype="0" fill="hold" grpId="0" nodeType="withEffect">
                                   <p:stCondLst>
                                     <p:cond delay="0"/>
                                   </p:stCondLst>
                                   <p:childTnLst>
                                     <p:set>
                                       <p:cBhvr>
-                                        <p:cTn id="64" dur="1" fill="hold">
+                                        <p:cTn id="70" dur="1" fill="hold">
                                           <p:stCondLst>
                                             <p:cond delay="0"/>
                                           </p:stCondLst>
@@ -13455,7 +8204,7 @@
                                     </p:set>
                                     <p:animEffect transition="in" filter="fade">
                                       <p:cBhvr>
-                                        <p:cTn id="65" dur="500"/>
+                                        <p:cTn id="71" dur="500"/>
                                         <p:tgtEl>
                                           <p:spTgt spid="64"/>
                                         </p:tgtEl>
@@ -13465,14 +8214,14 @@
                                 </p:cTn>
                               </p:par>
                               <p:par>
-                                <p:cTn id="66" presetID="10" presetClass="entr" presetSubtype="0" fill="hold" grpId="0" nodeType="withEffect">
+                                <p:cTn id="72" presetID="10" presetClass="entr" presetSubtype="0" fill="hold" grpId="0" nodeType="withEffect">
                                   <p:stCondLst>
                                     <p:cond delay="0"/>
                                   </p:stCondLst>
                                   <p:childTnLst>
                                     <p:set>
                                       <p:cBhvr>
-                                        <p:cTn id="67" dur="1" fill="hold">
+                                        <p:cTn id="73" dur="1" fill="hold">
                                           <p:stCondLst>
                                             <p:cond delay="0"/>
                                           </p:stCondLst>
@@ -13490,79 +8239,9 @@
                                     </p:set>
                                     <p:animEffect transition="in" filter="fade">
                                       <p:cBhvr>
-                                        <p:cTn id="68" dur="500"/>
+                                        <p:cTn id="74" dur="500"/>
                                         <p:tgtEl>
                                           <p:spTgt spid="65"/>
-                                        </p:tgtEl>
-                                      </p:cBhvr>
-                                    </p:animEffect>
-                                  </p:childTnLst>
-                                </p:cTn>
-                              </p:par>
-                              <p:par>
-                                <p:cTn id="69" presetID="10" presetClass="entr" presetSubtype="0" fill="hold" nodeType="withEffect">
-                                  <p:stCondLst>
-                                    <p:cond delay="0"/>
-                                  </p:stCondLst>
-                                  <p:childTnLst>
-                                    <p:set>
-                                      <p:cBhvr>
-                                        <p:cTn id="70" dur="1" fill="hold">
-                                          <p:stCondLst>
-                                            <p:cond delay="0"/>
-                                          </p:stCondLst>
-                                        </p:cTn>
-                                        <p:tgtEl>
-                                          <p:spTgt spid="66"/>
-                                        </p:tgtEl>
-                                        <p:attrNameLst>
-                                          <p:attrName>style.visibility</p:attrName>
-                                        </p:attrNameLst>
-                                      </p:cBhvr>
-                                      <p:to>
-                                        <p:strVal val="visible"/>
-                                      </p:to>
-                                    </p:set>
-                                    <p:animEffect transition="in" filter="fade">
-                                      <p:cBhvr>
-                                        <p:cTn id="71" dur="500"/>
-                                        <p:tgtEl>
-                                          <p:spTgt spid="66"/>
-                                        </p:tgtEl>
-                                      </p:cBhvr>
-                                    </p:animEffect>
-                                  </p:childTnLst>
-                                </p:cTn>
-                              </p:par>
-                              <p:par>
-                                <p:cTn id="72" presetID="10" presetClass="entr" presetSubtype="0" fill="hold" nodeType="withEffect">
-                                  <p:stCondLst>
-                                    <p:cond delay="0"/>
-                                  </p:stCondLst>
-                                  <p:childTnLst>
-                                    <p:set>
-                                      <p:cBhvr>
-                                        <p:cTn id="73" dur="1" fill="hold">
-                                          <p:stCondLst>
-                                            <p:cond delay="0"/>
-                                          </p:stCondLst>
-                                        </p:cTn>
-                                        <p:tgtEl>
-                                          <p:spTgt spid="70"/>
-                                        </p:tgtEl>
-                                        <p:attrNameLst>
-                                          <p:attrName>style.visibility</p:attrName>
-                                        </p:attrNameLst>
-                                      </p:cBhvr>
-                                      <p:to>
-                                        <p:strVal val="visible"/>
-                                      </p:to>
-                                    </p:set>
-                                    <p:animEffect transition="in" filter="fade">
-                                      <p:cBhvr>
-                                        <p:cTn id="74" dur="500"/>
-                                        <p:tgtEl>
-                                          <p:spTgt spid="70"/>
                                         </p:tgtEl>
                                       </p:cBhvr>
                                     </p:animEffect>
@@ -13583,7 +8262,7 @@
                                           </p:stCondLst>
                                         </p:cTn>
                                         <p:tgtEl>
-                                          <p:spTgt spid="71"/>
+                                          <p:spTgt spid="66"/>
                                         </p:tgtEl>
                                         <p:attrNameLst>
                                           <p:attrName>style.visibility</p:attrName>
@@ -13597,7 +8276,7 @@
                                       <p:cBhvr>
                                         <p:cTn id="77" dur="500"/>
                                         <p:tgtEl>
-                                          <p:spTgt spid="71"/>
+                                          <p:spTgt spid="66"/>
                                         </p:tgtEl>
                                       </p:cBhvr>
                                     </p:animEffect>
@@ -13618,7 +8297,7 @@
                                           </p:stCondLst>
                                         </p:cTn>
                                         <p:tgtEl>
-                                          <p:spTgt spid="72"/>
+                                          <p:spTgt spid="70"/>
                                         </p:tgtEl>
                                         <p:attrNameLst>
                                           <p:attrName>style.visibility</p:attrName>
@@ -13632,7 +8311,7 @@
                                       <p:cBhvr>
                                         <p:cTn id="80" dur="500"/>
                                         <p:tgtEl>
-                                          <p:spTgt spid="72"/>
+                                          <p:spTgt spid="70"/>
                                         </p:tgtEl>
                                       </p:cBhvr>
                                     </p:animEffect>
@@ -13653,7 +8332,7 @@
                                           </p:stCondLst>
                                         </p:cTn>
                                         <p:tgtEl>
-                                          <p:spTgt spid="76"/>
+                                          <p:spTgt spid="71"/>
                                         </p:tgtEl>
                                         <p:attrNameLst>
                                           <p:attrName>style.visibility</p:attrName>
@@ -13667,7 +8346,7 @@
                                       <p:cBhvr>
                                         <p:cTn id="83" dur="500"/>
                                         <p:tgtEl>
-                                          <p:spTgt spid="76"/>
+                                          <p:spTgt spid="71"/>
                                         </p:tgtEl>
                                       </p:cBhvr>
                                     </p:animEffect>
@@ -13688,7 +8367,7 @@
                                           </p:stCondLst>
                                         </p:cTn>
                                         <p:tgtEl>
-                                          <p:spTgt spid="77"/>
+                                          <p:spTgt spid="72"/>
                                         </p:tgtEl>
                                         <p:attrNameLst>
                                           <p:attrName>style.visibility</p:attrName>
@@ -13702,7 +8381,7 @@
                                       <p:cBhvr>
                                         <p:cTn id="86" dur="500"/>
                                         <p:tgtEl>
-                                          <p:spTgt spid="77"/>
+                                          <p:spTgt spid="72"/>
                                         </p:tgtEl>
                                       </p:cBhvr>
                                     </p:animEffect>
@@ -13723,7 +8402,7 @@
                                           </p:stCondLst>
                                         </p:cTn>
                                         <p:tgtEl>
-                                          <p:spTgt spid="83"/>
+                                          <p:spTgt spid="76"/>
                                         </p:tgtEl>
                                         <p:attrNameLst>
                                           <p:attrName>style.visibility</p:attrName>
@@ -13737,7 +8416,7 @@
                                       <p:cBhvr>
                                         <p:cTn id="89" dur="500"/>
                                         <p:tgtEl>
-                                          <p:spTgt spid="83"/>
+                                          <p:spTgt spid="76"/>
                                         </p:tgtEl>
                                       </p:cBhvr>
                                     </p:animEffect>
@@ -13758,7 +8437,7 @@
                                           </p:stCondLst>
                                         </p:cTn>
                                         <p:tgtEl>
-                                          <p:spTgt spid="117"/>
+                                          <p:spTgt spid="77"/>
                                         </p:tgtEl>
                                         <p:attrNameLst>
                                           <p:attrName>style.visibility</p:attrName>
@@ -13772,7 +8451,7 @@
                                       <p:cBhvr>
                                         <p:cTn id="92" dur="500"/>
                                         <p:tgtEl>
-                                          <p:spTgt spid="117"/>
+                                          <p:spTgt spid="77"/>
                                         </p:tgtEl>
                                       </p:cBhvr>
                                     </p:animEffect>
@@ -13793,7 +8472,7 @@
                                           </p:stCondLst>
                                         </p:cTn>
                                         <p:tgtEl>
-                                          <p:spTgt spid="118"/>
+                                          <p:spTgt spid="83"/>
                                         </p:tgtEl>
                                         <p:attrNameLst>
                                           <p:attrName>style.visibility</p:attrName>
@@ -13807,7 +8486,7 @@
                                       <p:cBhvr>
                                         <p:cTn id="95" dur="500"/>
                                         <p:tgtEl>
-                                          <p:spTgt spid="118"/>
+                                          <p:spTgt spid="83"/>
                                         </p:tgtEl>
                                       </p:cBhvr>
                                     </p:animEffect>
@@ -13828,6 +8507,76 @@
                                           </p:stCondLst>
                                         </p:cTn>
                                         <p:tgtEl>
+                                          <p:spTgt spid="117"/>
+                                        </p:tgtEl>
+                                        <p:attrNameLst>
+                                          <p:attrName>style.visibility</p:attrName>
+                                        </p:attrNameLst>
+                                      </p:cBhvr>
+                                      <p:to>
+                                        <p:strVal val="visible"/>
+                                      </p:to>
+                                    </p:set>
+                                    <p:animEffect transition="in" filter="fade">
+                                      <p:cBhvr>
+                                        <p:cTn id="98" dur="500"/>
+                                        <p:tgtEl>
+                                          <p:spTgt spid="117"/>
+                                        </p:tgtEl>
+                                      </p:cBhvr>
+                                    </p:animEffect>
+                                  </p:childTnLst>
+                                </p:cTn>
+                              </p:par>
+                              <p:par>
+                                <p:cTn id="99" presetID="10" presetClass="entr" presetSubtype="0" fill="hold" nodeType="withEffect">
+                                  <p:stCondLst>
+                                    <p:cond delay="0"/>
+                                  </p:stCondLst>
+                                  <p:childTnLst>
+                                    <p:set>
+                                      <p:cBhvr>
+                                        <p:cTn id="100" dur="1" fill="hold">
+                                          <p:stCondLst>
+                                            <p:cond delay="0"/>
+                                          </p:stCondLst>
+                                        </p:cTn>
+                                        <p:tgtEl>
+                                          <p:spTgt spid="118"/>
+                                        </p:tgtEl>
+                                        <p:attrNameLst>
+                                          <p:attrName>style.visibility</p:attrName>
+                                        </p:attrNameLst>
+                                      </p:cBhvr>
+                                      <p:to>
+                                        <p:strVal val="visible"/>
+                                      </p:to>
+                                    </p:set>
+                                    <p:animEffect transition="in" filter="fade">
+                                      <p:cBhvr>
+                                        <p:cTn id="101" dur="500"/>
+                                        <p:tgtEl>
+                                          <p:spTgt spid="118"/>
+                                        </p:tgtEl>
+                                      </p:cBhvr>
+                                    </p:animEffect>
+                                  </p:childTnLst>
+                                </p:cTn>
+                              </p:par>
+                              <p:par>
+                                <p:cTn id="102" presetID="10" presetClass="entr" presetSubtype="0" fill="hold" nodeType="withEffect">
+                                  <p:stCondLst>
+                                    <p:cond delay="0"/>
+                                  </p:stCondLst>
+                                  <p:childTnLst>
+                                    <p:set>
+                                      <p:cBhvr>
+                                        <p:cTn id="103" dur="1" fill="hold">
+                                          <p:stCondLst>
+                                            <p:cond delay="0"/>
+                                          </p:stCondLst>
+                                        </p:cTn>
+                                        <p:tgtEl>
                                           <p:spTgt spid="119"/>
                                         </p:tgtEl>
                                         <p:attrNameLst>
@@ -13840,7 +8589,7 @@
                                     </p:set>
                                     <p:animEffect transition="in" filter="fade">
                                       <p:cBhvr>
-                                        <p:cTn id="98" dur="500"/>
+                                        <p:cTn id="104" dur="500"/>
                                         <p:tgtEl>
                                           <p:spTgt spid="119"/>
                                         </p:tgtEl>
@@ -13856,89 +8605,19 @@
                     </p:cTn>
                   </p:par>
                   <p:par>
-                    <p:cTn id="99" fill="hold">
+                    <p:cTn id="105" fill="hold">
                       <p:stCondLst>
                         <p:cond delay="indefinite"/>
                       </p:stCondLst>
                       <p:childTnLst>
                         <p:par>
-                          <p:cTn id="100" fill="hold">
+                          <p:cTn id="106" fill="hold">
                             <p:stCondLst>
                               <p:cond delay="0"/>
                             </p:stCondLst>
                             <p:childTnLst>
                               <p:par>
-                                <p:cTn id="101" presetID="10" presetClass="entr" presetSubtype="0" fill="hold" nodeType="clickEffect">
-                                  <p:stCondLst>
-                                    <p:cond delay="0"/>
-                                  </p:stCondLst>
-                                  <p:childTnLst>
-                                    <p:set>
-                                      <p:cBhvr>
-                                        <p:cTn id="102" dur="1" fill="hold">
-                                          <p:stCondLst>
-                                            <p:cond delay="0"/>
-                                          </p:stCondLst>
-                                        </p:cTn>
-                                        <p:tgtEl>
-                                          <p:spTgt spid="97"/>
-                                        </p:tgtEl>
-                                        <p:attrNameLst>
-                                          <p:attrName>style.visibility</p:attrName>
-                                        </p:attrNameLst>
-                                      </p:cBhvr>
-                                      <p:to>
-                                        <p:strVal val="visible"/>
-                                      </p:to>
-                                    </p:set>
-                                    <p:animEffect transition="in" filter="fade">
-                                      <p:cBhvr>
-                                        <p:cTn id="103" dur="500"/>
-                                        <p:tgtEl>
-                                          <p:spTgt spid="97"/>
-                                        </p:tgtEl>
-                                      </p:cBhvr>
-                                    </p:animEffect>
-                                  </p:childTnLst>
-                                </p:cTn>
-                              </p:par>
-                              <p:par>
-                                <p:cTn id="104" presetID="10" presetClass="entr" presetSubtype="0" fill="hold" nodeType="withEffect">
-                                  <p:stCondLst>
-                                    <p:cond delay="0"/>
-                                  </p:stCondLst>
-                                  <p:childTnLst>
-                                    <p:set>
-                                      <p:cBhvr>
-                                        <p:cTn id="105" dur="1" fill="hold">
-                                          <p:stCondLst>
-                                            <p:cond delay="0"/>
-                                          </p:stCondLst>
-                                        </p:cTn>
-                                        <p:tgtEl>
-                                          <p:spTgt spid="96"/>
-                                        </p:tgtEl>
-                                        <p:attrNameLst>
-                                          <p:attrName>style.visibility</p:attrName>
-                                        </p:attrNameLst>
-                                      </p:cBhvr>
-                                      <p:to>
-                                        <p:strVal val="visible"/>
-                                      </p:to>
-                                    </p:set>
-                                    <p:animEffect transition="in" filter="fade">
-                                      <p:cBhvr>
-                                        <p:cTn id="106" dur="500"/>
-                                        <p:tgtEl>
-                                          <p:spTgt spid="96"/>
-                                        </p:tgtEl>
-                                      </p:cBhvr>
-                                    </p:animEffect>
-                                  </p:childTnLst>
-                                </p:cTn>
-                              </p:par>
-                              <p:par>
-                                <p:cTn id="107" presetID="10" presetClass="entr" presetSubtype="0" fill="hold" nodeType="withEffect">
+                                <p:cTn id="107" presetID="10" presetClass="entr" presetSubtype="0" fill="hold" grpId="0" nodeType="clickEffect">
                                   <p:stCondLst>
                                     <p:cond delay="0"/>
                                   </p:stCondLst>
@@ -13951,7 +8630,7 @@
                                           </p:stCondLst>
                                         </p:cTn>
                                         <p:tgtEl>
-                                          <p:spTgt spid="101"/>
+                                          <p:spTgt spid="91"/>
                                         </p:tgtEl>
                                         <p:attrNameLst>
                                           <p:attrName>style.visibility</p:attrName>
@@ -13965,7 +8644,7 @@
                                       <p:cBhvr>
                                         <p:cTn id="109" dur="500"/>
                                         <p:tgtEl>
-                                          <p:spTgt spid="101"/>
+                                          <p:spTgt spid="91"/>
                                         </p:tgtEl>
                                       </p:cBhvr>
                                     </p:animEffect>
@@ -13986,7 +8665,7 @@
                                           </p:stCondLst>
                                         </p:cTn>
                                         <p:tgtEl>
-                                          <p:spTgt spid="94"/>
+                                          <p:spTgt spid="11"/>
                                         </p:tgtEl>
                                         <p:attrNameLst>
                                           <p:attrName>style.visibility</p:attrName>
@@ -14000,7 +8679,7 @@
                                       <p:cBhvr>
                                         <p:cTn id="112" dur="500"/>
                                         <p:tgtEl>
-                                          <p:spTgt spid="94"/>
+                                          <p:spTgt spid="11"/>
                                         </p:tgtEl>
                                       </p:cBhvr>
                                     </p:animEffect>
@@ -14008,7 +8687,7 @@
                                 </p:cTn>
                               </p:par>
                               <p:par>
-                                <p:cTn id="113" presetID="10" presetClass="entr" presetSubtype="0" fill="hold" nodeType="withEffect">
+                                <p:cTn id="113" presetID="10" presetClass="entr" presetSubtype="0" fill="hold" grpId="0" nodeType="withEffect">
                                   <p:stCondLst>
                                     <p:cond delay="0"/>
                                   </p:stCondLst>
@@ -14021,7 +8700,7 @@
                                           </p:stCondLst>
                                         </p:cTn>
                                         <p:tgtEl>
-                                          <p:spTgt spid="136"/>
+                                          <p:spTgt spid="120"/>
                                         </p:tgtEl>
                                         <p:attrNameLst>
                                           <p:attrName>style.visibility</p:attrName>
@@ -14035,7 +8714,7 @@
                                       <p:cBhvr>
                                         <p:cTn id="115" dur="500"/>
                                         <p:tgtEl>
-                                          <p:spTgt spid="136"/>
+                                          <p:spTgt spid="120"/>
                                         </p:tgtEl>
                                       </p:cBhvr>
                                     </p:animEffect>
@@ -14056,7 +8735,7 @@
                                           </p:stCondLst>
                                         </p:cTn>
                                         <p:tgtEl>
-                                          <p:spTgt spid="166"/>
+                                          <p:spTgt spid="121"/>
                                         </p:tgtEl>
                                         <p:attrNameLst>
                                           <p:attrName>style.visibility</p:attrName>
@@ -14070,7 +8749,270 @@
                                       <p:cBhvr>
                                         <p:cTn id="118" dur="500"/>
                                         <p:tgtEl>
-                                          <p:spTgt spid="166"/>
+                                          <p:spTgt spid="121"/>
+                                        </p:tgtEl>
+                                      </p:cBhvr>
+                                    </p:animEffect>
+                                  </p:childTnLst>
+                                </p:cTn>
+                              </p:par>
+                            </p:childTnLst>
+                          </p:cTn>
+                        </p:par>
+                      </p:childTnLst>
+                    </p:cTn>
+                  </p:par>
+                  <p:par>
+                    <p:cTn id="119" fill="hold">
+                      <p:stCondLst>
+                        <p:cond delay="indefinite"/>
+                      </p:stCondLst>
+                      <p:childTnLst>
+                        <p:par>
+                          <p:cTn id="120" fill="hold">
+                            <p:stCondLst>
+                              <p:cond delay="0"/>
+                            </p:stCondLst>
+                            <p:childTnLst>
+                              <p:par>
+                                <p:cTn id="121" presetID="10" presetClass="entr" presetSubtype="0" fill="hold" nodeType="clickEffect">
+                                  <p:stCondLst>
+                                    <p:cond delay="0"/>
+                                  </p:stCondLst>
+                                  <p:childTnLst>
+                                    <p:set>
+                                      <p:cBhvr>
+                                        <p:cTn id="122" dur="1" fill="hold">
+                                          <p:stCondLst>
+                                            <p:cond delay="0"/>
+                                          </p:stCondLst>
+                                        </p:cTn>
+                                        <p:tgtEl>
+                                          <p:spTgt spid="97"/>
+                                        </p:tgtEl>
+                                        <p:attrNameLst>
+                                          <p:attrName>style.visibility</p:attrName>
+                                        </p:attrNameLst>
+                                      </p:cBhvr>
+                                      <p:to>
+                                        <p:strVal val="visible"/>
+                                      </p:to>
+                                    </p:set>
+                                    <p:animEffect transition="in" filter="fade">
+                                      <p:cBhvr>
+                                        <p:cTn id="123" dur="500"/>
+                                        <p:tgtEl>
+                                          <p:spTgt spid="97"/>
+                                        </p:tgtEl>
+                                      </p:cBhvr>
+                                    </p:animEffect>
+                                  </p:childTnLst>
+                                </p:cTn>
+                              </p:par>
+                              <p:par>
+                                <p:cTn id="124" presetID="10" presetClass="entr" presetSubtype="0" fill="hold" nodeType="withEffect">
+                                  <p:stCondLst>
+                                    <p:cond delay="0"/>
+                                  </p:stCondLst>
+                                  <p:childTnLst>
+                                    <p:set>
+                                      <p:cBhvr>
+                                        <p:cTn id="125" dur="1" fill="hold">
+                                          <p:stCondLst>
+                                            <p:cond delay="0"/>
+                                          </p:stCondLst>
+                                        </p:cTn>
+                                        <p:tgtEl>
+                                          <p:spTgt spid="96"/>
+                                        </p:tgtEl>
+                                        <p:attrNameLst>
+                                          <p:attrName>style.visibility</p:attrName>
+                                        </p:attrNameLst>
+                                      </p:cBhvr>
+                                      <p:to>
+                                        <p:strVal val="visible"/>
+                                      </p:to>
+                                    </p:set>
+                                    <p:animEffect transition="in" filter="fade">
+                                      <p:cBhvr>
+                                        <p:cTn id="126" dur="500"/>
+                                        <p:tgtEl>
+                                          <p:spTgt spid="96"/>
+                                        </p:tgtEl>
+                                      </p:cBhvr>
+                                    </p:animEffect>
+                                  </p:childTnLst>
+                                </p:cTn>
+                              </p:par>
+                              <p:par>
+                                <p:cTn id="127" presetID="10" presetClass="entr" presetSubtype="0" fill="hold" nodeType="withEffect">
+                                  <p:stCondLst>
+                                    <p:cond delay="0"/>
+                                  </p:stCondLst>
+                                  <p:childTnLst>
+                                    <p:set>
+                                      <p:cBhvr>
+                                        <p:cTn id="128" dur="1" fill="hold">
+                                          <p:stCondLst>
+                                            <p:cond delay="0"/>
+                                          </p:stCondLst>
+                                        </p:cTn>
+                                        <p:tgtEl>
+                                          <p:spTgt spid="101"/>
+                                        </p:tgtEl>
+                                        <p:attrNameLst>
+                                          <p:attrName>style.visibility</p:attrName>
+                                        </p:attrNameLst>
+                                      </p:cBhvr>
+                                      <p:to>
+                                        <p:strVal val="visible"/>
+                                      </p:to>
+                                    </p:set>
+                                    <p:animEffect transition="in" filter="fade">
+                                      <p:cBhvr>
+                                        <p:cTn id="129" dur="500"/>
+                                        <p:tgtEl>
+                                          <p:spTgt spid="101"/>
+                                        </p:tgtEl>
+                                      </p:cBhvr>
+                                    </p:animEffect>
+                                  </p:childTnLst>
+                                </p:cTn>
+                              </p:par>
+                              <p:par>
+                                <p:cTn id="130" presetID="10" presetClass="entr" presetSubtype="0" fill="hold" nodeType="withEffect">
+                                  <p:stCondLst>
+                                    <p:cond delay="0"/>
+                                  </p:stCondLst>
+                                  <p:childTnLst>
+                                    <p:set>
+                                      <p:cBhvr>
+                                        <p:cTn id="131" dur="1" fill="hold">
+                                          <p:stCondLst>
+                                            <p:cond delay="0"/>
+                                          </p:stCondLst>
+                                        </p:cTn>
+                                        <p:tgtEl>
+                                          <p:spTgt spid="99"/>
+                                        </p:tgtEl>
+                                        <p:attrNameLst>
+                                          <p:attrName>style.visibility</p:attrName>
+                                        </p:attrNameLst>
+                                      </p:cBhvr>
+                                      <p:to>
+                                        <p:strVal val="visible"/>
+                                      </p:to>
+                                    </p:set>
+                                    <p:animEffect transition="in" filter="fade">
+                                      <p:cBhvr>
+                                        <p:cTn id="132" dur="500"/>
+                                        <p:tgtEl>
+                                          <p:spTgt spid="99"/>
+                                        </p:tgtEl>
+                                      </p:cBhvr>
+                                    </p:animEffect>
+                                  </p:childTnLst>
+                                </p:cTn>
+                              </p:par>
+                              <p:par>
+                                <p:cTn id="133" presetID="10" presetClass="entr" presetSubtype="0" fill="hold" grpId="0" nodeType="withEffect">
+                                  <p:stCondLst>
+                                    <p:cond delay="0"/>
+                                  </p:stCondLst>
+                                  <p:childTnLst>
+                                    <p:set>
+                                      <p:cBhvr>
+                                        <p:cTn id="134" dur="1" fill="hold">
+                                          <p:stCondLst>
+                                            <p:cond delay="0"/>
+                                          </p:stCondLst>
+                                        </p:cTn>
+                                        <p:tgtEl>
+                                          <p:spTgt spid="94"/>
+                                        </p:tgtEl>
+                                        <p:attrNameLst>
+                                          <p:attrName>style.visibility</p:attrName>
+                                        </p:attrNameLst>
+                                      </p:cBhvr>
+                                      <p:to>
+                                        <p:strVal val="visible"/>
+                                      </p:to>
+                                    </p:set>
+                                    <p:animEffect transition="in" filter="fade">
+                                      <p:cBhvr>
+                                        <p:cTn id="135" dur="500"/>
+                                        <p:tgtEl>
+                                          <p:spTgt spid="94"/>
+                                        </p:tgtEl>
+                                      </p:cBhvr>
+                                    </p:animEffect>
+                                  </p:childTnLst>
+                                </p:cTn>
+                              </p:par>
+                              <p:par>
+                                <p:cTn id="136" presetID="10" presetClass="entr" presetSubtype="0" fill="hold" nodeType="withEffect">
+                                  <p:stCondLst>
+                                    <p:cond delay="0"/>
+                                  </p:stCondLst>
+                                  <p:childTnLst>
+                                    <p:set>
+                                      <p:cBhvr>
+                                        <p:cTn id="137" dur="1" fill="hold">
+                                          <p:stCondLst>
+                                            <p:cond delay="0"/>
+                                          </p:stCondLst>
+                                        </p:cTn>
+                                        <p:tgtEl>
+                                          <p:spTgt spid="105"/>
+                                        </p:tgtEl>
+                                        <p:attrNameLst>
+                                          <p:attrName>style.visibility</p:attrName>
+                                        </p:attrNameLst>
+                                      </p:cBhvr>
+                                      <p:to>
+                                        <p:strVal val="visible"/>
+                                      </p:to>
+                                    </p:set>
+                                    <p:animEffect transition="in" filter="fade">
+                                      <p:cBhvr>
+                                        <p:cTn id="138" dur="500"/>
+                                        <p:tgtEl>
+                                          <p:spTgt spid="105"/>
+                                        </p:tgtEl>
+                                      </p:cBhvr>
+                                    </p:animEffect>
+                                  </p:childTnLst>
+                                </p:cTn>
+                              </p:par>
+                              <p:par>
+                                <p:cTn id="139" presetID="10" presetClass="entr" presetSubtype="0" fill="hold" nodeType="withEffect">
+                                  <p:stCondLst>
+                                    <p:cond delay="0"/>
+                                  </p:stCondLst>
+                                  <p:childTnLst>
+                                    <p:set>
+                                      <p:cBhvr>
+                                        <p:cTn id="140" dur="1" fill="hold">
+                                          <p:stCondLst>
+                                            <p:cond delay="0"/>
+                                          </p:stCondLst>
+                                        </p:cTn>
+                                        <p:tgtEl>
+                                          <p:spTgt spid="107"/>
+                                        </p:tgtEl>
+                                        <p:attrNameLst>
+                                          <p:attrName>style.visibility</p:attrName>
+                                        </p:attrNameLst>
+                                      </p:cBhvr>
+                                      <p:to>
+                                        <p:strVal val="visible"/>
+                                      </p:to>
+                                    </p:set>
+                                    <p:animEffect transition="in" filter="fade">
+                                      <p:cBhvr>
+                                        <p:cTn id="141" dur="500"/>
+                                        <p:tgtEl>
+                                          <p:spTgt spid="107"/>
                                         </p:tgtEl>
                                       </p:cBhvr>
                                     </p:animEffect>
@@ -14105,16 +9047,19 @@
       </p:par>
     </p:tnLst>
     <p:bldLst>
+      <p:bldP spid="91" grpId="0" animBg="1"/>
       <p:bldP spid="89" grpId="0" animBg="1"/>
       <p:bldP spid="5" grpId="0" animBg="1"/>
       <p:bldP spid="6" grpId="0" animBg="1"/>
       <p:bldP spid="8" grpId="0" animBg="1"/>
+      <p:bldP spid="11" grpId="0" animBg="1"/>
       <p:bldP spid="13" grpId="0" animBg="1"/>
       <p:bldP spid="63" grpId="0" animBg="1"/>
       <p:bldP spid="64" grpId="0" animBg="1"/>
       <p:bldP spid="65" grpId="0" animBg="1"/>
       <p:bldP spid="94" grpId="0" animBg="1"/>
       <p:bldP spid="116" grpId="0" animBg="1"/>
+      <p:bldP spid="120" grpId="0" animBg="1"/>
     </p:bldLst>
   </p:timing>
 </p:sld>

--- a/docs/diagrams/diagrams.pptx
+++ b/docs/diagrams/diagrams.pptx
@@ -245,7 +245,7 @@
           <a:p>
             <a:fld id="{F4C5997A-E221-43A6-9AE7-DBA0CB9777B0}" type="datetimeFigureOut">
               <a:rPr lang="en-US" smtClean="0"/>
-              <a:t>6/26/2018</a:t>
+              <a:t>6/27/2018</a:t>
             </a:fld>
             <a:endParaRPr lang="en-US"/>
           </a:p>
@@ -415,7 +415,7 @@
           <a:p>
             <a:fld id="{F4C5997A-E221-43A6-9AE7-DBA0CB9777B0}" type="datetimeFigureOut">
               <a:rPr lang="en-US" smtClean="0"/>
-              <a:t>6/26/2018</a:t>
+              <a:t>6/27/2018</a:t>
             </a:fld>
             <a:endParaRPr lang="en-US"/>
           </a:p>
@@ -595,7 +595,7 @@
           <a:p>
             <a:fld id="{F4C5997A-E221-43A6-9AE7-DBA0CB9777B0}" type="datetimeFigureOut">
               <a:rPr lang="en-US" smtClean="0"/>
-              <a:t>6/26/2018</a:t>
+              <a:t>6/27/2018</a:t>
             </a:fld>
             <a:endParaRPr lang="en-US"/>
           </a:p>
@@ -765,7 +765,7 @@
           <a:p>
             <a:fld id="{F4C5997A-E221-43A6-9AE7-DBA0CB9777B0}" type="datetimeFigureOut">
               <a:rPr lang="en-US" smtClean="0"/>
-              <a:t>6/26/2018</a:t>
+              <a:t>6/27/2018</a:t>
             </a:fld>
             <a:endParaRPr lang="en-US"/>
           </a:p>
@@ -1011,7 +1011,7 @@
           <a:p>
             <a:fld id="{F4C5997A-E221-43A6-9AE7-DBA0CB9777B0}" type="datetimeFigureOut">
               <a:rPr lang="en-US" smtClean="0"/>
-              <a:t>6/26/2018</a:t>
+              <a:t>6/27/2018</a:t>
             </a:fld>
             <a:endParaRPr lang="en-US"/>
           </a:p>
@@ -1243,7 +1243,7 @@
           <a:p>
             <a:fld id="{F4C5997A-E221-43A6-9AE7-DBA0CB9777B0}" type="datetimeFigureOut">
               <a:rPr lang="en-US" smtClean="0"/>
-              <a:t>6/26/2018</a:t>
+              <a:t>6/27/2018</a:t>
             </a:fld>
             <a:endParaRPr lang="en-US"/>
           </a:p>
@@ -1610,7 +1610,7 @@
           <a:p>
             <a:fld id="{F4C5997A-E221-43A6-9AE7-DBA0CB9777B0}" type="datetimeFigureOut">
               <a:rPr lang="en-US" smtClean="0"/>
-              <a:t>6/26/2018</a:t>
+              <a:t>6/27/2018</a:t>
             </a:fld>
             <a:endParaRPr lang="en-US"/>
           </a:p>
@@ -1728,7 +1728,7 @@
           <a:p>
             <a:fld id="{F4C5997A-E221-43A6-9AE7-DBA0CB9777B0}" type="datetimeFigureOut">
               <a:rPr lang="en-US" smtClean="0"/>
-              <a:t>6/26/2018</a:t>
+              <a:t>6/27/2018</a:t>
             </a:fld>
             <a:endParaRPr lang="en-US"/>
           </a:p>
@@ -1823,7 +1823,7 @@
           <a:p>
             <a:fld id="{F4C5997A-E221-43A6-9AE7-DBA0CB9777B0}" type="datetimeFigureOut">
               <a:rPr lang="en-US" smtClean="0"/>
-              <a:t>6/26/2018</a:t>
+              <a:t>6/27/2018</a:t>
             </a:fld>
             <a:endParaRPr lang="en-US"/>
           </a:p>
@@ -2100,7 +2100,7 @@
           <a:p>
             <a:fld id="{F4C5997A-E221-43A6-9AE7-DBA0CB9777B0}" type="datetimeFigureOut">
               <a:rPr lang="en-US" smtClean="0"/>
-              <a:t>6/26/2018</a:t>
+              <a:t>6/27/2018</a:t>
             </a:fld>
             <a:endParaRPr lang="en-US"/>
           </a:p>
@@ -2353,7 +2353,7 @@
           <a:p>
             <a:fld id="{F4C5997A-E221-43A6-9AE7-DBA0CB9777B0}" type="datetimeFigureOut">
               <a:rPr lang="en-US" smtClean="0"/>
-              <a:t>6/26/2018</a:t>
+              <a:t>6/27/2018</a:t>
             </a:fld>
             <a:endParaRPr lang="en-US"/>
           </a:p>
@@ -2566,7 +2566,7 @@
           <a:p>
             <a:fld id="{F4C5997A-E221-43A6-9AE7-DBA0CB9777B0}" type="datetimeFigureOut">
               <a:rPr lang="en-US" smtClean="0"/>
-              <a:t>6/26/2018</a:t>
+              <a:t>6/27/2018</a:t>
             </a:fld>
             <a:endParaRPr lang="en-US"/>
           </a:p>
@@ -3467,63 +3467,14 @@
       </p:grpSpPr>
       <p:sp>
         <p:nvSpPr>
-          <p:cNvPr id="91" name="Rectangle 90"/>
-          <p:cNvSpPr/>
-          <p:nvPr/>
-        </p:nvSpPr>
-        <p:spPr>
-          <a:xfrm>
-            <a:off x="3369420" y="138927"/>
-            <a:ext cx="4954391" cy="1584959"/>
-          </a:xfrm>
-          <a:prstGeom prst="rect">
-            <a:avLst/>
-          </a:prstGeom>
-          <a:solidFill>
-            <a:schemeClr val="bg1">
-              <a:lumMod val="95000"/>
-            </a:schemeClr>
-          </a:solidFill>
-          <a:ln>
-            <a:noFill/>
-          </a:ln>
-          <a:effectLst/>
-        </p:spPr>
-        <p:style>
-          <a:lnRef idx="2">
-            <a:schemeClr val="accent1">
-              <a:shade val="50000"/>
-            </a:schemeClr>
-          </a:lnRef>
-          <a:fillRef idx="1">
-            <a:schemeClr val="accent1"/>
-          </a:fillRef>
-          <a:effectRef idx="0">
-            <a:schemeClr val="accent1"/>
-          </a:effectRef>
-          <a:fontRef idx="minor">
-            <a:schemeClr val="lt1"/>
-          </a:fontRef>
-        </p:style>
-        <p:txBody>
-          <a:bodyPr rtlCol="0" anchor="ctr"/>
-          <a:lstStyle/>
-          <a:p>
-            <a:pPr algn="ctr"/>
-            <a:endParaRPr lang="en-US"/>
-          </a:p>
-        </p:txBody>
-      </p:sp>
-      <p:sp>
-        <p:nvSpPr>
           <p:cNvPr id="89" name="Rectangle 88"/>
           <p:cNvSpPr/>
           <p:nvPr/>
         </p:nvSpPr>
         <p:spPr>
           <a:xfrm>
-            <a:off x="4269941" y="1888895"/>
-            <a:ext cx="4057394" cy="1544287"/>
+            <a:off x="4721559" y="1888895"/>
+            <a:ext cx="3605776" cy="1544287"/>
           </a:xfrm>
           <a:prstGeom prst="rect">
             <a:avLst/>
@@ -3572,8 +3523,8 @@
         </p:nvSpPr>
         <p:spPr>
           <a:xfrm>
-            <a:off x="4269941" y="3660278"/>
-            <a:ext cx="4053870" cy="1616097"/>
+            <a:off x="4721559" y="3660278"/>
+            <a:ext cx="3602251" cy="1616097"/>
           </a:xfrm>
           <a:prstGeom prst="rect">
             <a:avLst/>
@@ -3850,69 +3801,6 @@
             <a:r>
               <a:rPr lang="en-US" sz="1200" dirty="0" smtClean="0"/>
               <a:t>Analyzer</a:t>
-            </a:r>
-            <a:endParaRPr lang="en-US" sz="1200" dirty="0"/>
-          </a:p>
-        </p:txBody>
-      </p:sp>
-      <p:sp>
-        <p:nvSpPr>
-          <p:cNvPr id="11" name="Rectangle 10"/>
-          <p:cNvSpPr/>
-          <p:nvPr/>
-        </p:nvSpPr>
-        <p:spPr>
-          <a:xfrm>
-            <a:off x="3529337" y="717381"/>
-            <a:ext cx="572280" cy="887767"/>
-          </a:xfrm>
-          <a:prstGeom prst="rect">
-            <a:avLst/>
-          </a:prstGeom>
-          <a:solidFill>
-            <a:schemeClr val="bg1">
-              <a:lumMod val="65000"/>
-            </a:schemeClr>
-          </a:solidFill>
-          <a:ln>
-            <a:solidFill>
-              <a:schemeClr val="bg1">
-                <a:lumMod val="65000"/>
-              </a:schemeClr>
-            </a:solidFill>
-          </a:ln>
-        </p:spPr>
-        <p:style>
-          <a:lnRef idx="2">
-            <a:schemeClr val="accent1">
-              <a:shade val="50000"/>
-            </a:schemeClr>
-          </a:lnRef>
-          <a:fillRef idx="1">
-            <a:schemeClr val="accent1"/>
-          </a:fillRef>
-          <a:effectRef idx="0">
-            <a:schemeClr val="accent1"/>
-          </a:effectRef>
-          <a:fontRef idx="minor">
-            <a:schemeClr val="lt1"/>
-          </a:fontRef>
-        </p:style>
-        <p:txBody>
-          <a:bodyPr vert="vert270" rtlCol="0" anchor="ctr"/>
-          <a:lstStyle/>
-          <a:p>
-            <a:pPr algn="ctr"/>
-            <a:r>
-              <a:rPr lang="en-US" sz="1200" dirty="0" smtClean="0"/>
-              <a:t>GitHub</a:t>
-            </a:r>
-            <a:br>
-              <a:rPr lang="en-US" sz="1200" dirty="0" smtClean="0"/>
-            </a:br>
-            <a:r>
-              <a:rPr lang="en-US" sz="1200" dirty="0" smtClean="0"/>
-              <a:t>Downloader</a:t>
             </a:r>
             <a:endParaRPr lang="en-US" sz="1200" dirty="0"/>
           </a:p>
@@ -6555,8 +6443,8 @@
         </p:nvSpPr>
         <p:spPr>
           <a:xfrm rot="5400000">
-            <a:off x="6113380" y="3296306"/>
-            <a:ext cx="253450" cy="3621406"/>
+            <a:off x="6384841" y="3575029"/>
+            <a:ext cx="260712" cy="3071221"/>
           </a:xfrm>
           <a:prstGeom prst="rect">
             <a:avLst/>
@@ -6840,101 +6728,6 @@
           </a:fontRef>
         </p:style>
       </p:cxnSp>
-      <p:sp>
-        <p:nvSpPr>
-          <p:cNvPr id="120" name="Rectangle 119"/>
-          <p:cNvSpPr/>
-          <p:nvPr/>
-        </p:nvSpPr>
-        <p:spPr>
-          <a:xfrm rot="5400000">
-            <a:off x="5636659" y="-1869547"/>
-            <a:ext cx="285006" cy="4505524"/>
-          </a:xfrm>
-          <a:prstGeom prst="rect">
-            <a:avLst/>
-          </a:prstGeom>
-          <a:solidFill>
-            <a:schemeClr val="bg1">
-              <a:lumMod val="65000"/>
-            </a:schemeClr>
-          </a:solidFill>
-          <a:ln>
-            <a:solidFill>
-              <a:schemeClr val="bg1">
-                <a:lumMod val="65000"/>
-              </a:schemeClr>
-            </a:solidFill>
-          </a:ln>
-        </p:spPr>
-        <p:style>
-          <a:lnRef idx="2">
-            <a:schemeClr val="accent1">
-              <a:shade val="50000"/>
-            </a:schemeClr>
-          </a:lnRef>
-          <a:fillRef idx="1">
-            <a:schemeClr val="accent1"/>
-          </a:fillRef>
-          <a:effectRef idx="0">
-            <a:schemeClr val="accent1"/>
-          </a:effectRef>
-          <a:fontRef idx="minor">
-            <a:schemeClr val="lt1"/>
-          </a:fontRef>
-        </p:style>
-        <p:txBody>
-          <a:bodyPr vert="vert270" rtlCol="0" anchor="ctr"/>
-          <a:lstStyle/>
-          <a:p>
-            <a:pPr algn="ctr"/>
-            <a:r>
-              <a:rPr lang="en-US" sz="1200" dirty="0" err="1" smtClean="0"/>
-              <a:t>ProjectManagementReporter</a:t>
-            </a:r>
-            <a:endParaRPr lang="en-US" sz="1200" dirty="0"/>
-          </a:p>
-        </p:txBody>
-      </p:sp>
-      <p:cxnSp>
-        <p:nvCxnSpPr>
-          <p:cNvPr id="121" name="Straight Arrow Connector 120"/>
-          <p:cNvCxnSpPr/>
-          <p:nvPr/>
-        </p:nvCxnSpPr>
-        <p:spPr>
-          <a:xfrm flipH="1">
-            <a:off x="3817511" y="525718"/>
-            <a:ext cx="77" cy="203804"/>
-          </a:xfrm>
-          <a:prstGeom prst="straightConnector1">
-            <a:avLst/>
-          </a:prstGeom>
-          <a:ln w="19050">
-            <a:solidFill>
-              <a:schemeClr val="bg1">
-                <a:lumMod val="65000"/>
-              </a:schemeClr>
-            </a:solidFill>
-            <a:prstDash val="lgDash"/>
-            <a:tailEnd type="triangle"/>
-          </a:ln>
-        </p:spPr>
-        <p:style>
-          <a:lnRef idx="1">
-            <a:schemeClr val="accent1"/>
-          </a:lnRef>
-          <a:fillRef idx="0">
-            <a:schemeClr val="accent1"/>
-          </a:fillRef>
-          <a:effectRef idx="0">
-            <a:schemeClr val="accent1"/>
-          </a:effectRef>
-          <a:fontRef idx="minor">
-            <a:schemeClr val="tx1"/>
-          </a:fontRef>
-        </p:style>
-      </p:cxnSp>
       <p:cxnSp>
         <p:nvCxnSpPr>
           <p:cNvPr id="3" name="Straight Arrow Connector 2"/>
@@ -6943,7 +6736,7 @@
         </p:nvCxnSpPr>
         <p:spPr>
           <a:xfrm>
-            <a:off x="9336728" y="826204"/>
+            <a:off x="9152822" y="1963274"/>
             <a:ext cx="778669" cy="0"/>
           </a:xfrm>
           <a:prstGeom prst="straightConnector1">
@@ -6982,7 +6775,7 @@
         </p:nvSpPr>
         <p:spPr>
           <a:xfrm>
-            <a:off x="10174531" y="687704"/>
+            <a:off x="10056290" y="1875652"/>
             <a:ext cx="847133" cy="276999"/>
           </a:xfrm>
           <a:prstGeom prst="rect">
@@ -8617,7 +8410,7 @@
                             </p:stCondLst>
                             <p:childTnLst>
                               <p:par>
-                                <p:cTn id="107" presetID="10" presetClass="entr" presetSubtype="0" fill="hold" grpId="0" nodeType="clickEffect">
+                                <p:cTn id="107" presetID="10" presetClass="entr" presetSubtype="0" fill="hold" nodeType="clickEffect">
                                   <p:stCondLst>
                                     <p:cond delay="0"/>
                                   </p:stCondLst>
@@ -8630,7 +8423,7 @@
                                           </p:stCondLst>
                                         </p:cTn>
                                         <p:tgtEl>
-                                          <p:spTgt spid="91"/>
+                                          <p:spTgt spid="97"/>
                                         </p:tgtEl>
                                         <p:attrNameLst>
                                           <p:attrName>style.visibility</p:attrName>
@@ -8644,7 +8437,7 @@
                                       <p:cBhvr>
                                         <p:cTn id="109" dur="500"/>
                                         <p:tgtEl>
-                                          <p:spTgt spid="91"/>
+                                          <p:spTgt spid="97"/>
                                         </p:tgtEl>
                                       </p:cBhvr>
                                     </p:animEffect>
@@ -8652,7 +8445,7 @@
                                 </p:cTn>
                               </p:par>
                               <p:par>
-                                <p:cTn id="110" presetID="10" presetClass="entr" presetSubtype="0" fill="hold" grpId="0" nodeType="withEffect">
+                                <p:cTn id="110" presetID="10" presetClass="entr" presetSubtype="0" fill="hold" nodeType="withEffect">
                                   <p:stCondLst>
                                     <p:cond delay="0"/>
                                   </p:stCondLst>
@@ -8665,7 +8458,7 @@
                                           </p:stCondLst>
                                         </p:cTn>
                                         <p:tgtEl>
-                                          <p:spTgt spid="11"/>
+                                          <p:spTgt spid="96"/>
                                         </p:tgtEl>
                                         <p:attrNameLst>
                                           <p:attrName>style.visibility</p:attrName>
@@ -8679,7 +8472,7 @@
                                       <p:cBhvr>
                                         <p:cTn id="112" dur="500"/>
                                         <p:tgtEl>
-                                          <p:spTgt spid="11"/>
+                                          <p:spTgt spid="96"/>
                                         </p:tgtEl>
                                       </p:cBhvr>
                                     </p:animEffect>
@@ -8687,7 +8480,7 @@
                                 </p:cTn>
                               </p:par>
                               <p:par>
-                                <p:cTn id="113" presetID="10" presetClass="entr" presetSubtype="0" fill="hold" grpId="0" nodeType="withEffect">
+                                <p:cTn id="113" presetID="10" presetClass="entr" presetSubtype="0" fill="hold" nodeType="withEffect">
                                   <p:stCondLst>
                                     <p:cond delay="0"/>
                                   </p:stCondLst>
@@ -8700,7 +8493,7 @@
                                           </p:stCondLst>
                                         </p:cTn>
                                         <p:tgtEl>
-                                          <p:spTgt spid="120"/>
+                                          <p:spTgt spid="101"/>
                                         </p:tgtEl>
                                         <p:attrNameLst>
                                           <p:attrName>style.visibility</p:attrName>
@@ -8714,7 +8507,7 @@
                                       <p:cBhvr>
                                         <p:cTn id="115" dur="500"/>
                                         <p:tgtEl>
-                                          <p:spTgt spid="120"/>
+                                          <p:spTgt spid="101"/>
                                         </p:tgtEl>
                                       </p:cBhvr>
                                     </p:animEffect>
@@ -8735,7 +8528,7 @@
                                           </p:stCondLst>
                                         </p:cTn>
                                         <p:tgtEl>
-                                          <p:spTgt spid="121"/>
+                                          <p:spTgt spid="99"/>
                                         </p:tgtEl>
                                         <p:attrNameLst>
                                           <p:attrName>style.visibility</p:attrName>
@@ -8749,164 +8542,6 @@
                                       <p:cBhvr>
                                         <p:cTn id="118" dur="500"/>
                                         <p:tgtEl>
-                                          <p:spTgt spid="121"/>
-                                        </p:tgtEl>
-                                      </p:cBhvr>
-                                    </p:animEffect>
-                                  </p:childTnLst>
-                                </p:cTn>
-                              </p:par>
-                            </p:childTnLst>
-                          </p:cTn>
-                        </p:par>
-                      </p:childTnLst>
-                    </p:cTn>
-                  </p:par>
-                  <p:par>
-                    <p:cTn id="119" fill="hold">
-                      <p:stCondLst>
-                        <p:cond delay="indefinite"/>
-                      </p:stCondLst>
-                      <p:childTnLst>
-                        <p:par>
-                          <p:cTn id="120" fill="hold">
-                            <p:stCondLst>
-                              <p:cond delay="0"/>
-                            </p:stCondLst>
-                            <p:childTnLst>
-                              <p:par>
-                                <p:cTn id="121" presetID="10" presetClass="entr" presetSubtype="0" fill="hold" nodeType="clickEffect">
-                                  <p:stCondLst>
-                                    <p:cond delay="0"/>
-                                  </p:stCondLst>
-                                  <p:childTnLst>
-                                    <p:set>
-                                      <p:cBhvr>
-                                        <p:cTn id="122" dur="1" fill="hold">
-                                          <p:stCondLst>
-                                            <p:cond delay="0"/>
-                                          </p:stCondLst>
-                                        </p:cTn>
-                                        <p:tgtEl>
-                                          <p:spTgt spid="97"/>
-                                        </p:tgtEl>
-                                        <p:attrNameLst>
-                                          <p:attrName>style.visibility</p:attrName>
-                                        </p:attrNameLst>
-                                      </p:cBhvr>
-                                      <p:to>
-                                        <p:strVal val="visible"/>
-                                      </p:to>
-                                    </p:set>
-                                    <p:animEffect transition="in" filter="fade">
-                                      <p:cBhvr>
-                                        <p:cTn id="123" dur="500"/>
-                                        <p:tgtEl>
-                                          <p:spTgt spid="97"/>
-                                        </p:tgtEl>
-                                      </p:cBhvr>
-                                    </p:animEffect>
-                                  </p:childTnLst>
-                                </p:cTn>
-                              </p:par>
-                              <p:par>
-                                <p:cTn id="124" presetID="10" presetClass="entr" presetSubtype="0" fill="hold" nodeType="withEffect">
-                                  <p:stCondLst>
-                                    <p:cond delay="0"/>
-                                  </p:stCondLst>
-                                  <p:childTnLst>
-                                    <p:set>
-                                      <p:cBhvr>
-                                        <p:cTn id="125" dur="1" fill="hold">
-                                          <p:stCondLst>
-                                            <p:cond delay="0"/>
-                                          </p:stCondLst>
-                                        </p:cTn>
-                                        <p:tgtEl>
-                                          <p:spTgt spid="96"/>
-                                        </p:tgtEl>
-                                        <p:attrNameLst>
-                                          <p:attrName>style.visibility</p:attrName>
-                                        </p:attrNameLst>
-                                      </p:cBhvr>
-                                      <p:to>
-                                        <p:strVal val="visible"/>
-                                      </p:to>
-                                    </p:set>
-                                    <p:animEffect transition="in" filter="fade">
-                                      <p:cBhvr>
-                                        <p:cTn id="126" dur="500"/>
-                                        <p:tgtEl>
-                                          <p:spTgt spid="96"/>
-                                        </p:tgtEl>
-                                      </p:cBhvr>
-                                    </p:animEffect>
-                                  </p:childTnLst>
-                                </p:cTn>
-                              </p:par>
-                              <p:par>
-                                <p:cTn id="127" presetID="10" presetClass="entr" presetSubtype="0" fill="hold" nodeType="withEffect">
-                                  <p:stCondLst>
-                                    <p:cond delay="0"/>
-                                  </p:stCondLst>
-                                  <p:childTnLst>
-                                    <p:set>
-                                      <p:cBhvr>
-                                        <p:cTn id="128" dur="1" fill="hold">
-                                          <p:stCondLst>
-                                            <p:cond delay="0"/>
-                                          </p:stCondLst>
-                                        </p:cTn>
-                                        <p:tgtEl>
-                                          <p:spTgt spid="101"/>
-                                        </p:tgtEl>
-                                        <p:attrNameLst>
-                                          <p:attrName>style.visibility</p:attrName>
-                                        </p:attrNameLst>
-                                      </p:cBhvr>
-                                      <p:to>
-                                        <p:strVal val="visible"/>
-                                      </p:to>
-                                    </p:set>
-                                    <p:animEffect transition="in" filter="fade">
-                                      <p:cBhvr>
-                                        <p:cTn id="129" dur="500"/>
-                                        <p:tgtEl>
-                                          <p:spTgt spid="101"/>
-                                        </p:tgtEl>
-                                      </p:cBhvr>
-                                    </p:animEffect>
-                                  </p:childTnLst>
-                                </p:cTn>
-                              </p:par>
-                              <p:par>
-                                <p:cTn id="130" presetID="10" presetClass="entr" presetSubtype="0" fill="hold" nodeType="withEffect">
-                                  <p:stCondLst>
-                                    <p:cond delay="0"/>
-                                  </p:stCondLst>
-                                  <p:childTnLst>
-                                    <p:set>
-                                      <p:cBhvr>
-                                        <p:cTn id="131" dur="1" fill="hold">
-                                          <p:stCondLst>
-                                            <p:cond delay="0"/>
-                                          </p:stCondLst>
-                                        </p:cTn>
-                                        <p:tgtEl>
-                                          <p:spTgt spid="99"/>
-                                        </p:tgtEl>
-                                        <p:attrNameLst>
-                                          <p:attrName>style.visibility</p:attrName>
-                                        </p:attrNameLst>
-                                      </p:cBhvr>
-                                      <p:to>
-                                        <p:strVal val="visible"/>
-                                      </p:to>
-                                    </p:set>
-                                    <p:animEffect transition="in" filter="fade">
-                                      <p:cBhvr>
-                                        <p:cTn id="132" dur="500"/>
-                                        <p:tgtEl>
                                           <p:spTgt spid="99"/>
                                         </p:tgtEl>
                                       </p:cBhvr>
@@ -8915,14 +8550,14 @@
                                 </p:cTn>
                               </p:par>
                               <p:par>
-                                <p:cTn id="133" presetID="10" presetClass="entr" presetSubtype="0" fill="hold" grpId="0" nodeType="withEffect">
+                                <p:cTn id="119" presetID="10" presetClass="entr" presetSubtype="0" fill="hold" grpId="0" nodeType="withEffect">
                                   <p:stCondLst>
                                     <p:cond delay="0"/>
                                   </p:stCondLst>
                                   <p:childTnLst>
                                     <p:set>
                                       <p:cBhvr>
-                                        <p:cTn id="134" dur="1" fill="hold">
+                                        <p:cTn id="120" dur="1" fill="hold">
                                           <p:stCondLst>
                                             <p:cond delay="0"/>
                                           </p:stCondLst>
@@ -8940,7 +8575,7 @@
                                     </p:set>
                                     <p:animEffect transition="in" filter="fade">
                                       <p:cBhvr>
-                                        <p:cTn id="135" dur="500"/>
+                                        <p:cTn id="121" dur="500"/>
                                         <p:tgtEl>
                                           <p:spTgt spid="94"/>
                                         </p:tgtEl>
@@ -8950,14 +8585,14 @@
                                 </p:cTn>
                               </p:par>
                               <p:par>
-                                <p:cTn id="136" presetID="10" presetClass="entr" presetSubtype="0" fill="hold" nodeType="withEffect">
+                                <p:cTn id="122" presetID="10" presetClass="entr" presetSubtype="0" fill="hold" nodeType="withEffect">
                                   <p:stCondLst>
                                     <p:cond delay="0"/>
                                   </p:stCondLst>
                                   <p:childTnLst>
                                     <p:set>
                                       <p:cBhvr>
-                                        <p:cTn id="137" dur="1" fill="hold">
+                                        <p:cTn id="123" dur="1" fill="hold">
                                           <p:stCondLst>
                                             <p:cond delay="0"/>
                                           </p:stCondLst>
@@ -8975,7 +8610,7 @@
                                     </p:set>
                                     <p:animEffect transition="in" filter="fade">
                                       <p:cBhvr>
-                                        <p:cTn id="138" dur="500"/>
+                                        <p:cTn id="124" dur="500"/>
                                         <p:tgtEl>
                                           <p:spTgt spid="105"/>
                                         </p:tgtEl>
@@ -8985,14 +8620,14 @@
                                 </p:cTn>
                               </p:par>
                               <p:par>
-                                <p:cTn id="139" presetID="10" presetClass="entr" presetSubtype="0" fill="hold" nodeType="withEffect">
+                                <p:cTn id="125" presetID="10" presetClass="entr" presetSubtype="0" fill="hold" nodeType="withEffect">
                                   <p:stCondLst>
                                     <p:cond delay="0"/>
                                   </p:stCondLst>
                                   <p:childTnLst>
                                     <p:set>
                                       <p:cBhvr>
-                                        <p:cTn id="140" dur="1" fill="hold">
+                                        <p:cTn id="126" dur="1" fill="hold">
                                           <p:stCondLst>
                                             <p:cond delay="0"/>
                                           </p:stCondLst>
@@ -9010,7 +8645,7 @@
                                     </p:set>
                                     <p:animEffect transition="in" filter="fade">
                                       <p:cBhvr>
-                                        <p:cTn id="141" dur="500"/>
+                                        <p:cTn id="127" dur="500"/>
                                         <p:tgtEl>
                                           <p:spTgt spid="107"/>
                                         </p:tgtEl>
@@ -9047,19 +8682,16 @@
       </p:par>
     </p:tnLst>
     <p:bldLst>
-      <p:bldP spid="91" grpId="0" animBg="1"/>
       <p:bldP spid="89" grpId="0" animBg="1"/>
       <p:bldP spid="5" grpId="0" animBg="1"/>
       <p:bldP spid="6" grpId="0" animBg="1"/>
       <p:bldP spid="8" grpId="0" animBg="1"/>
-      <p:bldP spid="11" grpId="0" animBg="1"/>
       <p:bldP spid="13" grpId="0" animBg="1"/>
       <p:bldP spid="63" grpId="0" animBg="1"/>
       <p:bldP spid="64" grpId="0" animBg="1"/>
       <p:bldP spid="65" grpId="0" animBg="1"/>
       <p:bldP spid="94" grpId="0" animBg="1"/>
       <p:bldP spid="116" grpId="0" animBg="1"/>
-      <p:bldP spid="120" grpId="0" animBg="1"/>
     </p:bldLst>
   </p:timing>
 </p:sld>

--- a/docs/diagrams/diagrams.pptx
+++ b/docs/diagrams/diagrams.pptx
@@ -245,7 +245,7 @@
           <a:p>
             <a:fld id="{F4C5997A-E221-43A6-9AE7-DBA0CB9777B0}" type="datetimeFigureOut">
               <a:rPr lang="en-US" smtClean="0"/>
-              <a:t>6/27/2018</a:t>
+              <a:t>7/2/2018</a:t>
             </a:fld>
             <a:endParaRPr lang="en-US"/>
           </a:p>
@@ -415,7 +415,7 @@
           <a:p>
             <a:fld id="{F4C5997A-E221-43A6-9AE7-DBA0CB9777B0}" type="datetimeFigureOut">
               <a:rPr lang="en-US" smtClean="0"/>
-              <a:t>6/27/2018</a:t>
+              <a:t>7/2/2018</a:t>
             </a:fld>
             <a:endParaRPr lang="en-US"/>
           </a:p>
@@ -595,7 +595,7 @@
           <a:p>
             <a:fld id="{F4C5997A-E221-43A6-9AE7-DBA0CB9777B0}" type="datetimeFigureOut">
               <a:rPr lang="en-US" smtClean="0"/>
-              <a:t>6/27/2018</a:t>
+              <a:t>7/2/2018</a:t>
             </a:fld>
             <a:endParaRPr lang="en-US"/>
           </a:p>
@@ -765,7 +765,7 @@
           <a:p>
             <a:fld id="{F4C5997A-E221-43A6-9AE7-DBA0CB9777B0}" type="datetimeFigureOut">
               <a:rPr lang="en-US" smtClean="0"/>
-              <a:t>6/27/2018</a:t>
+              <a:t>7/2/2018</a:t>
             </a:fld>
             <a:endParaRPr lang="en-US"/>
           </a:p>
@@ -1011,7 +1011,7 @@
           <a:p>
             <a:fld id="{F4C5997A-E221-43A6-9AE7-DBA0CB9777B0}" type="datetimeFigureOut">
               <a:rPr lang="en-US" smtClean="0"/>
-              <a:t>6/27/2018</a:t>
+              <a:t>7/2/2018</a:t>
             </a:fld>
             <a:endParaRPr lang="en-US"/>
           </a:p>
@@ -1243,7 +1243,7 @@
           <a:p>
             <a:fld id="{F4C5997A-E221-43A6-9AE7-DBA0CB9777B0}" type="datetimeFigureOut">
               <a:rPr lang="en-US" smtClean="0"/>
-              <a:t>6/27/2018</a:t>
+              <a:t>7/2/2018</a:t>
             </a:fld>
             <a:endParaRPr lang="en-US"/>
           </a:p>
@@ -1610,7 +1610,7 @@
           <a:p>
             <a:fld id="{F4C5997A-E221-43A6-9AE7-DBA0CB9777B0}" type="datetimeFigureOut">
               <a:rPr lang="en-US" smtClean="0"/>
-              <a:t>6/27/2018</a:t>
+              <a:t>7/2/2018</a:t>
             </a:fld>
             <a:endParaRPr lang="en-US"/>
           </a:p>
@@ -1728,7 +1728,7 @@
           <a:p>
             <a:fld id="{F4C5997A-E221-43A6-9AE7-DBA0CB9777B0}" type="datetimeFigureOut">
               <a:rPr lang="en-US" smtClean="0"/>
-              <a:t>6/27/2018</a:t>
+              <a:t>7/2/2018</a:t>
             </a:fld>
             <a:endParaRPr lang="en-US"/>
           </a:p>
@@ -1823,7 +1823,7 @@
           <a:p>
             <a:fld id="{F4C5997A-E221-43A6-9AE7-DBA0CB9777B0}" type="datetimeFigureOut">
               <a:rPr lang="en-US" smtClean="0"/>
-              <a:t>6/27/2018</a:t>
+              <a:t>7/2/2018</a:t>
             </a:fld>
             <a:endParaRPr lang="en-US"/>
           </a:p>
@@ -2100,7 +2100,7 @@
           <a:p>
             <a:fld id="{F4C5997A-E221-43A6-9AE7-DBA0CB9777B0}" type="datetimeFigureOut">
               <a:rPr lang="en-US" smtClean="0"/>
-              <a:t>6/27/2018</a:t>
+              <a:t>7/2/2018</a:t>
             </a:fld>
             <a:endParaRPr lang="en-US"/>
           </a:p>
@@ -2353,7 +2353,7 @@
           <a:p>
             <a:fld id="{F4C5997A-E221-43A6-9AE7-DBA0CB9777B0}" type="datetimeFigureOut">
               <a:rPr lang="en-US" smtClean="0"/>
-              <a:t>6/27/2018</a:t>
+              <a:t>7/2/2018</a:t>
             </a:fld>
             <a:endParaRPr lang="en-US"/>
           </a:p>
@@ -2566,7 +2566,7 @@
           <a:p>
             <a:fld id="{F4C5997A-E221-43A6-9AE7-DBA0CB9777B0}" type="datetimeFigureOut">
               <a:rPr lang="en-US" smtClean="0"/>
-              <a:t>6/27/2018</a:t>
+              <a:t>7/2/2018</a:t>
             </a:fld>
             <a:endParaRPr lang="en-US"/>
           </a:p>
@@ -7185,6 +7185,224 @@
             </a:solidFill>
             <a:prstDash val="lgDash"/>
             <a:tailEnd type="triangle"/>
+          </a:ln>
+        </p:spPr>
+        <p:style>
+          <a:lnRef idx="1">
+            <a:schemeClr val="accent1"/>
+          </a:lnRef>
+          <a:fillRef idx="0">
+            <a:schemeClr val="accent1"/>
+          </a:fillRef>
+          <a:effectRef idx="0">
+            <a:schemeClr val="accent1"/>
+          </a:effectRef>
+          <a:fontRef idx="minor">
+            <a:schemeClr val="tx1"/>
+          </a:fontRef>
+        </p:style>
+      </p:cxnSp>
+      <p:sp>
+        <p:nvSpPr>
+          <p:cNvPr id="91" name="Rectangle 90"/>
+          <p:cNvSpPr/>
+          <p:nvPr/>
+        </p:nvSpPr>
+        <p:spPr>
+          <a:xfrm rot="5400000">
+            <a:off x="2182038" y="2234485"/>
+            <a:ext cx="370956" cy="739070"/>
+          </a:xfrm>
+          <a:prstGeom prst="rect">
+            <a:avLst/>
+          </a:prstGeom>
+          <a:solidFill>
+            <a:srgbClr val="0070C0"/>
+          </a:solidFill>
+          <a:ln>
+            <a:solidFill>
+              <a:srgbClr val="0070C0"/>
+            </a:solidFill>
+          </a:ln>
+        </p:spPr>
+        <p:style>
+          <a:lnRef idx="2">
+            <a:schemeClr val="accent1">
+              <a:shade val="50000"/>
+            </a:schemeClr>
+          </a:lnRef>
+          <a:fillRef idx="1">
+            <a:schemeClr val="accent1"/>
+          </a:fillRef>
+          <a:effectRef idx="0">
+            <a:schemeClr val="accent1"/>
+          </a:effectRef>
+          <a:fontRef idx="minor">
+            <a:schemeClr val="lt1"/>
+          </a:fontRef>
+        </p:style>
+        <p:txBody>
+          <a:bodyPr vert="vert270" rtlCol="0" anchor="ctr"/>
+          <a:lstStyle/>
+          <a:p>
+            <a:pPr algn="ctr"/>
+            <a:r>
+              <a:rPr lang="en-US" sz="1200" dirty="0" smtClean="0"/>
+              <a:t>Model</a:t>
+            </a:r>
+            <a:endParaRPr lang="en-US" sz="1200" dirty="0"/>
+          </a:p>
+        </p:txBody>
+      </p:sp>
+      <p:sp>
+        <p:nvSpPr>
+          <p:cNvPr id="93" name="Rectangle 92"/>
+          <p:cNvSpPr/>
+          <p:nvPr/>
+        </p:nvSpPr>
+        <p:spPr>
+          <a:xfrm rot="5400000">
+            <a:off x="3079761" y="2234485"/>
+            <a:ext cx="370956" cy="739070"/>
+          </a:xfrm>
+          <a:prstGeom prst="rect">
+            <a:avLst/>
+          </a:prstGeom>
+          <a:solidFill>
+            <a:srgbClr val="0070C0"/>
+          </a:solidFill>
+          <a:ln>
+            <a:solidFill>
+              <a:srgbClr val="0070C0"/>
+            </a:solidFill>
+          </a:ln>
+        </p:spPr>
+        <p:style>
+          <a:lnRef idx="2">
+            <a:schemeClr val="accent1">
+              <a:shade val="50000"/>
+            </a:schemeClr>
+          </a:lnRef>
+          <a:fillRef idx="1">
+            <a:schemeClr val="accent1"/>
+          </a:fillRef>
+          <a:effectRef idx="0">
+            <a:schemeClr val="accent1"/>
+          </a:effectRef>
+          <a:fontRef idx="minor">
+            <a:schemeClr val="lt1"/>
+          </a:fontRef>
+        </p:style>
+        <p:txBody>
+          <a:bodyPr vert="vert270" rtlCol="0" anchor="ctr"/>
+          <a:lstStyle/>
+          <a:p>
+            <a:pPr algn="ctr"/>
+            <a:r>
+              <a:rPr lang="en-US" sz="1200" dirty="0" smtClean="0"/>
+              <a:t>System</a:t>
+            </a:r>
+            <a:endParaRPr lang="en-US" sz="1200" dirty="0"/>
+          </a:p>
+        </p:txBody>
+      </p:sp>
+      <p:cxnSp>
+        <p:nvCxnSpPr>
+          <p:cNvPr id="108" name="Straight Arrow Connector 107"/>
+          <p:cNvCxnSpPr/>
+          <p:nvPr/>
+        </p:nvCxnSpPr>
+        <p:spPr>
+          <a:xfrm>
+            <a:off x="2547181" y="2900760"/>
+            <a:ext cx="1" cy="259483"/>
+          </a:xfrm>
+          <a:prstGeom prst="straightConnector1">
+            <a:avLst/>
+          </a:prstGeom>
+          <a:ln w="19050">
+            <a:solidFill>
+              <a:srgbClr val="0070C0"/>
+            </a:solidFill>
+            <a:prstDash val="solid"/>
+            <a:headEnd type="triangle" w="med" len="med"/>
+            <a:tailEnd type="none" w="med" len="med"/>
+          </a:ln>
+        </p:spPr>
+        <p:style>
+          <a:lnRef idx="1">
+            <a:schemeClr val="accent1"/>
+          </a:lnRef>
+          <a:fillRef idx="0">
+            <a:schemeClr val="accent1"/>
+          </a:fillRef>
+          <a:effectRef idx="0">
+            <a:schemeClr val="accent1"/>
+          </a:effectRef>
+          <a:fontRef idx="minor">
+            <a:schemeClr val="tx1"/>
+          </a:fontRef>
+        </p:style>
+      </p:cxnSp>
+      <p:cxnSp>
+        <p:nvCxnSpPr>
+          <p:cNvPr id="109" name="Straight Arrow Connector 108"/>
+          <p:cNvCxnSpPr/>
+          <p:nvPr/>
+        </p:nvCxnSpPr>
+        <p:spPr>
+          <a:xfrm>
+            <a:off x="2805211" y="2908513"/>
+            <a:ext cx="1" cy="259483"/>
+          </a:xfrm>
+          <a:prstGeom prst="straightConnector1">
+            <a:avLst/>
+          </a:prstGeom>
+          <a:ln w="19050">
+            <a:solidFill>
+              <a:srgbClr val="0070C0"/>
+            </a:solidFill>
+            <a:prstDash val="solid"/>
+            <a:headEnd type="triangle" w="med" len="med"/>
+            <a:tailEnd type="none" w="med" len="med"/>
+          </a:ln>
+        </p:spPr>
+        <p:style>
+          <a:lnRef idx="1">
+            <a:schemeClr val="accent1"/>
+          </a:lnRef>
+          <a:fillRef idx="0">
+            <a:schemeClr val="accent1"/>
+          </a:fillRef>
+          <a:effectRef idx="0">
+            <a:schemeClr val="accent1"/>
+          </a:effectRef>
+          <a:fontRef idx="minor">
+            <a:schemeClr val="tx1"/>
+          </a:fontRef>
+        </p:style>
+      </p:cxnSp>
+      <p:cxnSp>
+        <p:nvCxnSpPr>
+          <p:cNvPr id="112" name="Straight Arrow Connector 111"/>
+          <p:cNvCxnSpPr/>
+          <p:nvPr/>
+        </p:nvCxnSpPr>
+        <p:spPr>
+          <a:xfrm>
+            <a:off x="3053293" y="2908096"/>
+            <a:ext cx="1" cy="259483"/>
+          </a:xfrm>
+          <a:prstGeom prst="straightConnector1">
+            <a:avLst/>
+          </a:prstGeom>
+          <a:ln w="19050">
+            <a:solidFill>
+              <a:srgbClr val="0070C0"/>
+            </a:solidFill>
+            <a:prstDash val="solid"/>
+            <a:headEnd type="triangle" w="med" len="med"/>
+            <a:tailEnd type="none" w="med" len="med"/>
           </a:ln>
         </p:spPr>
         <p:style>
@@ -8654,6 +8872,111 @@
                                   </p:childTnLst>
                                 </p:cTn>
                               </p:par>
+                              <p:par>
+                                <p:cTn id="128" presetID="10" presetClass="entr" presetSubtype="0" fill="hold" nodeType="withEffect">
+                                  <p:stCondLst>
+                                    <p:cond delay="0"/>
+                                  </p:stCondLst>
+                                  <p:childTnLst>
+                                    <p:set>
+                                      <p:cBhvr>
+                                        <p:cTn id="129" dur="1" fill="hold">
+                                          <p:stCondLst>
+                                            <p:cond delay="0"/>
+                                          </p:stCondLst>
+                                        </p:cTn>
+                                        <p:tgtEl>
+                                          <p:spTgt spid="108"/>
+                                        </p:tgtEl>
+                                        <p:attrNameLst>
+                                          <p:attrName>style.visibility</p:attrName>
+                                        </p:attrNameLst>
+                                      </p:cBhvr>
+                                      <p:to>
+                                        <p:strVal val="visible"/>
+                                      </p:to>
+                                    </p:set>
+                                    <p:animEffect transition="in" filter="fade">
+                                      <p:cBhvr>
+                                        <p:cTn id="130" dur="500"/>
+                                        <p:tgtEl>
+                                          <p:spTgt spid="108"/>
+                                        </p:tgtEl>
+                                      </p:cBhvr>
+                                    </p:animEffect>
+                                  </p:childTnLst>
+                                </p:cTn>
+                              </p:par>
+                              <p:par>
+                                <p:cTn id="131" presetID="10" presetClass="entr" presetSubtype="0" fill="hold" nodeType="withEffect">
+                                  <p:stCondLst>
+                                    <p:cond delay="0"/>
+                                  </p:stCondLst>
+                                  <p:childTnLst>
+                                    <p:set>
+                                      <p:cBhvr>
+                                        <p:cTn id="132" dur="1" fill="hold">
+                                          <p:stCondLst>
+                                            <p:cond delay="0"/>
+                                          </p:stCondLst>
+                                        </p:cTn>
+                                        <p:tgtEl>
+                                          <p:spTgt spid="109"/>
+                                        </p:tgtEl>
+                                        <p:attrNameLst>
+                                          <p:attrName>style.visibility</p:attrName>
+                                        </p:attrNameLst>
+                                      </p:cBhvr>
+                                      <p:to>
+                                        <p:strVal val="visible"/>
+                                      </p:to>
+                                    </p:set>
+                                    <p:animEffect transition="in" filter="fade">
+                                      <p:cBhvr>
+                                        <p:cTn id="133" dur="500"/>
+                                        <p:tgtEl>
+                                          <p:spTgt spid="109"/>
+                                        </p:tgtEl>
+                                      </p:cBhvr>
+                                    </p:animEffect>
+                                  </p:childTnLst>
+                                </p:cTn>
+                              </p:par>
+                              <p:par>
+                                <p:cTn id="134" presetID="10" presetClass="entr" presetSubtype="0" fill="hold" nodeType="withEffect">
+                                  <p:stCondLst>
+                                    <p:cond delay="0"/>
+                                  </p:stCondLst>
+                                  <p:childTnLst>
+                                    <p:set>
+                                      <p:cBhvr>
+                                        <p:cTn id="135" dur="1" fill="hold">
+                                          <p:stCondLst>
+                                            <p:cond delay="0"/>
+                                          </p:stCondLst>
+                                        </p:cTn>
+                                        <p:tgtEl>
+                                          <p:spTgt spid="112"/>
+                                        </p:tgtEl>
+                                        <p:attrNameLst>
+                                          <p:attrName>style.visibility</p:attrName>
+                                        </p:attrNameLst>
+                                      </p:cBhvr>
+                                      <p:to>
+                                        <p:strVal val="visible"/>
+                                      </p:to>
+                                    </p:set>
+                                    <p:animEffect transition="in" filter="fade">
+                                      <p:cBhvr>
+                                        <p:cTn id="136" dur="500"/>
+                                        <p:tgtEl>
+                                          <p:spTgt spid="112"/>
+                                        </p:tgtEl>
+                                      </p:cBhvr>
+                                    </p:animEffect>
+                                  </p:childTnLst>
+                                </p:cTn>
+                              </p:par>
                             </p:childTnLst>
                           </p:cTn>
                         </p:par>
